--- a/Brainstorming/Zwischenpräsentation_v1.pptx
+++ b/Brainstorming/Zwischenpräsentation_v1.pptx
@@ -5,18 +5,20 @@
     <p:sldMasterId id="2147483648" r:id="rId1"/>
   </p:sldMasterIdLst>
   <p:sldIdLst>
-    <p:sldId id="256" r:id="rId2"/>
-    <p:sldId id="264" r:id="rId3"/>
-    <p:sldId id="261" r:id="rId4"/>
-    <p:sldId id="257" r:id="rId5"/>
-    <p:sldId id="258" r:id="rId6"/>
-    <p:sldId id="259" r:id="rId7"/>
-    <p:sldId id="267" r:id="rId8"/>
-    <p:sldId id="260" r:id="rId9"/>
-    <p:sldId id="262" r:id="rId10"/>
-    <p:sldId id="263" r:id="rId11"/>
-    <p:sldId id="265" r:id="rId12"/>
-    <p:sldId id="266" r:id="rId13"/>
+    <p:sldId id="271" r:id="rId2"/>
+    <p:sldId id="273" r:id="rId3"/>
+    <p:sldId id="274" r:id="rId4"/>
+    <p:sldId id="275" r:id="rId5"/>
+    <p:sldId id="276" r:id="rId6"/>
+    <p:sldId id="277" r:id="rId7"/>
+    <p:sldId id="278" r:id="rId8"/>
+    <p:sldId id="279" r:id="rId9"/>
+    <p:sldId id="280" r:id="rId10"/>
+    <p:sldId id="260" r:id="rId11"/>
+    <p:sldId id="262" r:id="rId12"/>
+    <p:sldId id="263" r:id="rId13"/>
+    <p:sldId id="265" r:id="rId14"/>
+    <p:sldId id="266" r:id="rId15"/>
   </p:sldIdLst>
   <p:sldSz cx="12192000" cy="6858000"/>
   <p:notesSz cx="6858000" cy="9144000"/>
@@ -115,6 +117,11 @@
       </a:defRPr>
     </a:lvl9pPr>
   </p:defaultTextStyle>
+  <p:extLst>
+    <p:ext uri="{EFAFB233-063F-42B5-8137-9DF3F51BA10A}">
+      <p15:sldGuideLst xmlns:p15="http://schemas.microsoft.com/office/powerpoint/2012/main"/>
+    </p:ext>
+  </p:extLst>
 </p:presentation>
 </file>
 
@@ -265,7 +272,7 @@
           <a:p>
             <a:fld id="{24884690-A043-4FCB-87D3-F17411ACC32B}" type="datetimeFigureOut">
               <a:rPr lang="de-DE" smtClean="0"/>
-              <a:t>22.11.2023</a:t>
+              <a:t>24.11.2023</a:t>
             </a:fld>
             <a:endParaRPr lang="de-DE"/>
           </a:p>
@@ -463,7 +470,7 @@
           <a:p>
             <a:fld id="{24884690-A043-4FCB-87D3-F17411ACC32B}" type="datetimeFigureOut">
               <a:rPr lang="de-DE" smtClean="0"/>
-              <a:t>22.11.2023</a:t>
+              <a:t>24.11.2023</a:t>
             </a:fld>
             <a:endParaRPr lang="de-DE"/>
           </a:p>
@@ -671,7 +678,7 @@
           <a:p>
             <a:fld id="{24884690-A043-4FCB-87D3-F17411ACC32B}" type="datetimeFigureOut">
               <a:rPr lang="de-DE" smtClean="0"/>
-              <a:t>22.11.2023</a:t>
+              <a:t>24.11.2023</a:t>
             </a:fld>
             <a:endParaRPr lang="de-DE"/>
           </a:p>
@@ -735,6 +742,396 @@
     <p:extLst>
       <p:ext uri="{BB962C8B-B14F-4D97-AF65-F5344CB8AC3E}">
         <p14:creationId xmlns:p14="http://schemas.microsoft.com/office/powerpoint/2010/main" val="1281234525"/>
+      </p:ext>
+    </p:extLst>
+  </p:cSld>
+  <p:clrMapOvr>
+    <a:masterClrMapping/>
+  </p:clrMapOvr>
+</p:sldLayout>
+</file>
+
+<file path=ppt/slideLayouts/slideLayout12.xml><?xml version="1.0" encoding="utf-8"?>
+<p:sldLayout xmlns:a="http://schemas.openxmlformats.org/drawingml/2006/main" xmlns:r="http://schemas.openxmlformats.org/officeDocument/2006/relationships" xmlns:p="http://schemas.openxmlformats.org/presentationml/2006/main">
+  <p:cSld name="Titel">
+    <p:spTree>
+      <p:nvGrpSpPr>
+        <p:cNvPr id="1" name=""/>
+        <p:cNvGrpSpPr/>
+        <p:nvPr/>
+      </p:nvGrpSpPr>
+      <p:grpSpPr>
+        <a:xfrm>
+          <a:off x="0" y="0"/>
+          <a:ext cx="0" cy="0"/>
+          <a:chOff x="0" y="0"/>
+          <a:chExt cx="0" cy="0"/>
+        </a:xfrm>
+      </p:grpSpPr>
+      <p:sp>
+        <p:nvSpPr>
+          <p:cNvPr id="17" name="Rectangle 16">
+            <a:extLst>
+              <a:ext uri="{FF2B5EF4-FFF2-40B4-BE49-F238E27FC236}">
+                <a16:creationId xmlns:a16="http://schemas.microsoft.com/office/drawing/2014/main" id="{40F0DCE6-4704-4698-AFAC-D5550CE9FAB0}"/>
+              </a:ext>
+            </a:extLst>
+          </p:cNvPr>
+          <p:cNvSpPr/>
+          <p:nvPr/>
+        </p:nvSpPr>
+        <p:spPr>
+          <a:xfrm>
+            <a:off x="0" y="6390000"/>
+            <a:ext cx="12192000" cy="108000"/>
+          </a:xfrm>
+          <a:prstGeom prst="rect">
+            <a:avLst/>
+          </a:prstGeom>
+          <a:solidFill>
+            <a:srgbClr val="F39100"/>
+          </a:solidFill>
+          <a:ln>
+            <a:noFill/>
+          </a:ln>
+        </p:spPr>
+        <p:style>
+          <a:lnRef idx="2">
+            <a:schemeClr val="accent1">
+              <a:shade val="50000"/>
+            </a:schemeClr>
+          </a:lnRef>
+          <a:fillRef idx="1">
+            <a:schemeClr val="accent1"/>
+          </a:fillRef>
+          <a:effectRef idx="0">
+            <a:schemeClr val="accent1"/>
+          </a:effectRef>
+          <a:fontRef idx="minor">
+            <a:schemeClr val="lt1"/>
+          </a:fontRef>
+        </p:style>
+        <p:txBody>
+          <a:bodyPr rtlCol="0" anchor="ctr"/>
+          <a:lstStyle/>
+          <a:p>
+            <a:pPr algn="ctr"/>
+            <a:endParaRPr lang="de-DE"/>
+          </a:p>
+        </p:txBody>
+      </p:sp>
+      <p:sp>
+        <p:nvSpPr>
+          <p:cNvPr id="16" name="Rectangle 15">
+            <a:extLst>
+              <a:ext uri="{FF2B5EF4-FFF2-40B4-BE49-F238E27FC236}">
+                <a16:creationId xmlns:a16="http://schemas.microsoft.com/office/drawing/2014/main" id="{46A57821-2480-43F4-BA34-F510B1752C1A}"/>
+              </a:ext>
+            </a:extLst>
+          </p:cNvPr>
+          <p:cNvSpPr/>
+          <p:nvPr/>
+        </p:nvSpPr>
+        <p:spPr>
+          <a:xfrm>
+            <a:off x="0" y="6498000"/>
+            <a:ext cx="12192000" cy="360000"/>
+          </a:xfrm>
+          <a:prstGeom prst="rect">
+            <a:avLst/>
+          </a:prstGeom>
+          <a:solidFill>
+            <a:srgbClr val="C05E00"/>
+          </a:solidFill>
+          <a:ln>
+            <a:noFill/>
+          </a:ln>
+        </p:spPr>
+        <p:style>
+          <a:lnRef idx="2">
+            <a:schemeClr val="accent1">
+              <a:shade val="50000"/>
+            </a:schemeClr>
+          </a:lnRef>
+          <a:fillRef idx="1">
+            <a:schemeClr val="accent1"/>
+          </a:fillRef>
+          <a:effectRef idx="0">
+            <a:schemeClr val="accent1"/>
+          </a:effectRef>
+          <a:fontRef idx="minor">
+            <a:schemeClr val="lt1"/>
+          </a:fontRef>
+        </p:style>
+        <p:txBody>
+          <a:bodyPr rtlCol="0" anchor="ctr"/>
+          <a:lstStyle/>
+          <a:p>
+            <a:pPr algn="ctr"/>
+            <a:endParaRPr lang="de-DE"/>
+          </a:p>
+        </p:txBody>
+      </p:sp>
+      <p:sp>
+        <p:nvSpPr>
+          <p:cNvPr id="2" name="Title 1">
+            <a:extLst>
+              <a:ext uri="{FF2B5EF4-FFF2-40B4-BE49-F238E27FC236}">
+                <a16:creationId xmlns:a16="http://schemas.microsoft.com/office/drawing/2014/main" id="{858FF7A7-217D-4037-8041-FF118C4E3B0F}"/>
+              </a:ext>
+            </a:extLst>
+          </p:cNvPr>
+          <p:cNvSpPr>
+            <a:spLocks noGrp="1"/>
+          </p:cNvSpPr>
+          <p:nvPr>
+            <p:ph type="ctrTitle" hasCustomPrompt="1"/>
+          </p:nvPr>
+        </p:nvSpPr>
+        <p:spPr>
+          <a:xfrm>
+            <a:off x="1524000" y="1188000"/>
+            <a:ext cx="9144000" cy="5202000"/>
+          </a:xfrm>
+        </p:spPr>
+        <p:txBody>
+          <a:bodyPr anchor="ctr"/>
+          <a:lstStyle>
+            <a:lvl1pPr algn="ctr">
+              <a:defRPr sz="8000">
+                <a:latin typeface="+mj-lt"/>
+              </a:defRPr>
+            </a:lvl1pPr>
+          </a:lstStyle>
+          <a:p>
+            <a:r>
+              <a:rPr lang="de-DE" noProof="0" dirty="0"/>
+              <a:t>Titel</a:t>
+            </a:r>
+          </a:p>
+        </p:txBody>
+      </p:sp>
+      <p:sp>
+        <p:nvSpPr>
+          <p:cNvPr id="4" name="Date Placeholder 3">
+            <a:extLst>
+              <a:ext uri="{FF2B5EF4-FFF2-40B4-BE49-F238E27FC236}">
+                <a16:creationId xmlns:a16="http://schemas.microsoft.com/office/drawing/2014/main" id="{DC35C78D-723E-4EA3-B177-8B35F03BB5FD}"/>
+              </a:ext>
+            </a:extLst>
+          </p:cNvPr>
+          <p:cNvSpPr>
+            <a:spLocks noGrp="1"/>
+          </p:cNvSpPr>
+          <p:nvPr>
+            <p:ph type="dt" sz="half" idx="10"/>
+          </p:nvPr>
+        </p:nvSpPr>
+        <p:spPr>
+          <a:xfrm>
+            <a:off x="720000" y="6498000"/>
+            <a:ext cx="2743200" cy="360000"/>
+          </a:xfrm>
+        </p:spPr>
+        <p:txBody>
+          <a:bodyPr/>
+          <a:lstStyle>
+            <a:lvl1pPr>
+              <a:defRPr sz="1600">
+                <a:solidFill>
+                  <a:schemeClr val="bg1"/>
+                </a:solidFill>
+              </a:defRPr>
+            </a:lvl1pPr>
+          </a:lstStyle>
+          <a:p>
+            <a:r>
+              <a:rPr lang="de-DE"/>
+              <a:t>6. Juni 2023</a:t>
+            </a:r>
+            <a:endParaRPr lang="de-DE" dirty="0"/>
+          </a:p>
+        </p:txBody>
+      </p:sp>
+      <p:sp>
+        <p:nvSpPr>
+          <p:cNvPr id="5" name="Footer Placeholder 4">
+            <a:extLst>
+              <a:ext uri="{FF2B5EF4-FFF2-40B4-BE49-F238E27FC236}">
+                <a16:creationId xmlns:a16="http://schemas.microsoft.com/office/drawing/2014/main" id="{709BECB7-C809-4BFC-92CA-8D8497991886}"/>
+              </a:ext>
+            </a:extLst>
+          </p:cNvPr>
+          <p:cNvSpPr>
+            <a:spLocks noGrp="1"/>
+          </p:cNvSpPr>
+          <p:nvPr>
+            <p:ph type="ftr" sz="quarter" idx="11"/>
+          </p:nvPr>
+        </p:nvSpPr>
+        <p:spPr>
+          <a:xfrm>
+            <a:off x="4038600" y="6498000"/>
+            <a:ext cx="4114800" cy="360000"/>
+          </a:xfrm>
+        </p:spPr>
+        <p:txBody>
+          <a:bodyPr/>
+          <a:lstStyle>
+            <a:lvl1pPr>
+              <a:defRPr sz="1600">
+                <a:solidFill>
+                  <a:schemeClr val="bg1"/>
+                </a:solidFill>
+              </a:defRPr>
+            </a:lvl1pPr>
+          </a:lstStyle>
+          <a:p>
+            <a:r>
+              <a:rPr lang="de-DE" dirty="0"/>
+              <a:t>Philipp Weber</a:t>
+            </a:r>
+          </a:p>
+        </p:txBody>
+      </p:sp>
+      <p:sp>
+        <p:nvSpPr>
+          <p:cNvPr id="6" name="Slide Number Placeholder 5">
+            <a:extLst>
+              <a:ext uri="{FF2B5EF4-FFF2-40B4-BE49-F238E27FC236}">
+                <a16:creationId xmlns:a16="http://schemas.microsoft.com/office/drawing/2014/main" id="{60A86616-2F1A-4697-ACAA-6732B5F02122}"/>
+              </a:ext>
+            </a:extLst>
+          </p:cNvPr>
+          <p:cNvSpPr>
+            <a:spLocks noGrp="1"/>
+          </p:cNvSpPr>
+          <p:nvPr>
+            <p:ph type="sldNum" sz="quarter" idx="12"/>
+          </p:nvPr>
+        </p:nvSpPr>
+        <p:spPr>
+          <a:xfrm>
+            <a:off x="8730000" y="6498000"/>
+            <a:ext cx="2743200" cy="360000"/>
+          </a:xfrm>
+        </p:spPr>
+        <p:txBody>
+          <a:bodyPr/>
+          <a:lstStyle>
+            <a:lvl1pPr>
+              <a:defRPr sz="1600">
+                <a:solidFill>
+                  <a:schemeClr val="bg1"/>
+                </a:solidFill>
+              </a:defRPr>
+            </a:lvl1pPr>
+          </a:lstStyle>
+          <a:p>
+            <a:fld id="{629E1D32-139B-4C55-A3C3-B5F4791988C6}" type="slidenum">
+              <a:rPr lang="de-DE" smtClean="0"/>
+              <a:pPr/>
+              <a:t>‹Nr.›</a:t>
+            </a:fld>
+            <a:endParaRPr lang="de-DE" dirty="0"/>
+          </a:p>
+        </p:txBody>
+      </p:sp>
+      <p:pic>
+        <p:nvPicPr>
+          <p:cNvPr id="14" name="Content Placeholder 10">
+            <a:extLst>
+              <a:ext uri="{FF2B5EF4-FFF2-40B4-BE49-F238E27FC236}">
+                <a16:creationId xmlns:a16="http://schemas.microsoft.com/office/drawing/2014/main" id="{7FFBEEBE-E833-4093-B5D4-010B51F5F232}"/>
+              </a:ext>
+            </a:extLst>
+          </p:cNvPr>
+          <p:cNvPicPr>
+            <a:picLocks noChangeAspect="1"/>
+          </p:cNvPicPr>
+          <p:nvPr/>
+        </p:nvPicPr>
+        <p:blipFill>
+          <a:blip r:embed="rId2">
+            <a:extLst>
+              <a:ext uri="{28A0092B-C50C-407E-A947-70E740481C1C}">
+                <a14:useLocalDpi xmlns:a14="http://schemas.microsoft.com/office/drawing/2010/main" val="0"/>
+              </a:ext>
+              <a:ext uri="{96DAC541-7B7A-43D3-8B79-37D633B846F1}">
+                <asvg:svgBlip xmlns:asvg="http://schemas.microsoft.com/office/drawing/2016/SVG/main" r:embed="rId3"/>
+              </a:ext>
+            </a:extLst>
+          </a:blip>
+          <a:stretch>
+            <a:fillRect/>
+          </a:stretch>
+        </p:blipFill>
+        <p:spPr>
+          <a:xfrm>
+            <a:off x="9450000" y="126000"/>
+            <a:ext cx="2614736" cy="828000"/>
+          </a:xfrm>
+          <a:prstGeom prst="rect">
+            <a:avLst/>
+          </a:prstGeom>
+        </p:spPr>
+      </p:pic>
+      <p:sp>
+        <p:nvSpPr>
+          <p:cNvPr id="15" name="Rectangle 14">
+            <a:extLst>
+              <a:ext uri="{FF2B5EF4-FFF2-40B4-BE49-F238E27FC236}">
+                <a16:creationId xmlns:a16="http://schemas.microsoft.com/office/drawing/2014/main" id="{BB7E58BB-6C62-4607-90F7-E801B9DEAD0F}"/>
+              </a:ext>
+            </a:extLst>
+          </p:cNvPr>
+          <p:cNvSpPr/>
+          <p:nvPr/>
+        </p:nvSpPr>
+        <p:spPr>
+          <a:xfrm>
+            <a:off x="0" y="1080000"/>
+            <a:ext cx="12192000" cy="108000"/>
+          </a:xfrm>
+          <a:prstGeom prst="rect">
+            <a:avLst/>
+          </a:prstGeom>
+          <a:solidFill>
+            <a:srgbClr val="F39100"/>
+          </a:solidFill>
+          <a:ln>
+            <a:noFill/>
+          </a:ln>
+        </p:spPr>
+        <p:style>
+          <a:lnRef idx="2">
+            <a:schemeClr val="accent1">
+              <a:shade val="50000"/>
+            </a:schemeClr>
+          </a:lnRef>
+          <a:fillRef idx="1">
+            <a:schemeClr val="accent1"/>
+          </a:fillRef>
+          <a:effectRef idx="0">
+            <a:schemeClr val="accent1"/>
+          </a:effectRef>
+          <a:fontRef idx="minor">
+            <a:schemeClr val="lt1"/>
+          </a:fontRef>
+        </p:style>
+        <p:txBody>
+          <a:bodyPr rtlCol="0" anchor="ctr"/>
+          <a:lstStyle/>
+          <a:p>
+            <a:pPr algn="ctr"/>
+            <a:endParaRPr lang="de-DE"/>
+          </a:p>
+        </p:txBody>
+      </p:sp>
+    </p:spTree>
+    <p:extLst>
+      <p:ext uri="{BB962C8B-B14F-4D97-AF65-F5344CB8AC3E}">
+        <p14:creationId xmlns:p14="http://schemas.microsoft.com/office/powerpoint/2010/main" val="2394412090"/>
       </p:ext>
     </p:extLst>
   </p:cSld>
@@ -869,7 +1266,7 @@
           <a:p>
             <a:fld id="{24884690-A043-4FCB-87D3-F17411ACC32B}" type="datetimeFigureOut">
               <a:rPr lang="de-DE" smtClean="0"/>
-              <a:t>22.11.2023</a:t>
+              <a:t>24.11.2023</a:t>
             </a:fld>
             <a:endParaRPr lang="de-DE"/>
           </a:p>
@@ -1144,7 +1541,7 @@
           <a:p>
             <a:fld id="{24884690-A043-4FCB-87D3-F17411ACC32B}" type="datetimeFigureOut">
               <a:rPr lang="de-DE" smtClean="0"/>
-              <a:t>22.11.2023</a:t>
+              <a:t>24.11.2023</a:t>
             </a:fld>
             <a:endParaRPr lang="de-DE"/>
           </a:p>
@@ -1409,7 +1806,7 @@
           <a:p>
             <a:fld id="{24884690-A043-4FCB-87D3-F17411ACC32B}" type="datetimeFigureOut">
               <a:rPr lang="de-DE" smtClean="0"/>
-              <a:t>22.11.2023</a:t>
+              <a:t>24.11.2023</a:t>
             </a:fld>
             <a:endParaRPr lang="de-DE"/>
           </a:p>
@@ -1821,7 +2218,7 @@
           <a:p>
             <a:fld id="{24884690-A043-4FCB-87D3-F17411ACC32B}" type="datetimeFigureOut">
               <a:rPr lang="de-DE" smtClean="0"/>
-              <a:t>22.11.2023</a:t>
+              <a:t>24.11.2023</a:t>
             </a:fld>
             <a:endParaRPr lang="de-DE"/>
           </a:p>
@@ -1962,7 +2359,7 @@
           <a:p>
             <a:fld id="{24884690-A043-4FCB-87D3-F17411ACC32B}" type="datetimeFigureOut">
               <a:rPr lang="de-DE" smtClean="0"/>
-              <a:t>22.11.2023</a:t>
+              <a:t>24.11.2023</a:t>
             </a:fld>
             <a:endParaRPr lang="de-DE"/>
           </a:p>
@@ -2075,7 +2472,7 @@
           <a:p>
             <a:fld id="{24884690-A043-4FCB-87D3-F17411ACC32B}" type="datetimeFigureOut">
               <a:rPr lang="de-DE" smtClean="0"/>
-              <a:t>22.11.2023</a:t>
+              <a:t>24.11.2023</a:t>
             </a:fld>
             <a:endParaRPr lang="de-DE"/>
           </a:p>
@@ -2386,7 +2783,7 @@
           <a:p>
             <a:fld id="{24884690-A043-4FCB-87D3-F17411ACC32B}" type="datetimeFigureOut">
               <a:rPr lang="de-DE" smtClean="0"/>
-              <a:t>22.11.2023</a:t>
+              <a:t>24.11.2023</a:t>
             </a:fld>
             <a:endParaRPr lang="de-DE"/>
           </a:p>
@@ -2674,7 +3071,7 @@
           <a:p>
             <a:fld id="{24884690-A043-4FCB-87D3-F17411ACC32B}" type="datetimeFigureOut">
               <a:rPr lang="de-DE" smtClean="0"/>
-              <a:t>22.11.2023</a:t>
+              <a:t>24.11.2023</a:t>
             </a:fld>
             <a:endParaRPr lang="de-DE"/>
           </a:p>
@@ -2915,7 +3312,7 @@
           <a:p>
             <a:fld id="{24884690-A043-4FCB-87D3-F17411ACC32B}" type="datetimeFigureOut">
               <a:rPr lang="de-DE" smtClean="0"/>
-              <a:t>22.11.2023</a:t>
+              <a:t>24.11.2023</a:t>
             </a:fld>
             <a:endParaRPr lang="de-DE"/>
           </a:p>
@@ -3031,6 +3428,7 @@
     <p:sldLayoutId id="2147483657" r:id="rId9"/>
     <p:sldLayoutId id="2147483658" r:id="rId10"/>
     <p:sldLayoutId id="2147483659" r:id="rId11"/>
+    <p:sldLayoutId id="2147483660" r:id="rId12"/>
   </p:sldLayoutIdLst>
   <p:txStyles>
     <p:titleStyle>
@@ -3334,10 +3732,10 @@
       </p:grpSpPr>
       <p:sp>
         <p:nvSpPr>
-          <p:cNvPr id="2" name="Titel 1">
-            <a:extLst>
-              <a:ext uri="{FF2B5EF4-FFF2-40B4-BE49-F238E27FC236}">
-                <a16:creationId xmlns:a16="http://schemas.microsoft.com/office/drawing/2014/main" id="{B2B40B69-24E4-17C6-9673-25A0D278D73D}"/>
+          <p:cNvPr id="2" name="Title 1">
+            <a:extLst>
+              <a:ext uri="{FF2B5EF4-FFF2-40B4-BE49-F238E27FC236}">
+                <a16:creationId xmlns:a16="http://schemas.microsoft.com/office/drawing/2014/main" id="{F312442B-F209-5A99-D589-8323330F6354}"/>
               </a:ext>
             </a:extLst>
           </p:cNvPr>
@@ -3348,15 +3746,20 @@
             <p:ph type="ctrTitle"/>
           </p:nvPr>
         </p:nvSpPr>
-        <p:spPr/>
+        <p:spPr>
+          <a:xfrm>
+            <a:off x="720000" y="1188000"/>
+            <a:ext cx="10752000" cy="5202000"/>
+          </a:xfrm>
+        </p:spPr>
         <p:txBody>
           <a:bodyPr>
-            <a:normAutofit fontScale="90000"/>
+            <a:normAutofit/>
           </a:bodyPr>
           <a:lstStyle/>
           <a:p>
             <a:r>
-              <a:rPr lang="de-DE" dirty="0"/>
+              <a:rPr lang="de-DE" sz="6000" dirty="0"/>
               <a:t>Vergleich verlustfreier Datenkompressionsverfahren auf Bilddaten</a:t>
             </a:r>
           </a:p>
@@ -3364,10 +3767,10 @@
       </p:sp>
       <p:sp>
         <p:nvSpPr>
-          <p:cNvPr id="3" name="Untertitel 2">
-            <a:extLst>
-              <a:ext uri="{FF2B5EF4-FFF2-40B4-BE49-F238E27FC236}">
-                <a16:creationId xmlns:a16="http://schemas.microsoft.com/office/drawing/2014/main" id="{09BEC892-966B-E14D-EF89-24AD6107D319}"/>
+          <p:cNvPr id="4" name="Footer Placeholder 3">
+            <a:extLst>
+              <a:ext uri="{FF2B5EF4-FFF2-40B4-BE49-F238E27FC236}">
+                <a16:creationId xmlns:a16="http://schemas.microsoft.com/office/drawing/2014/main" id="{898A889A-0494-48B1-A6C6-B2834F51C151}"/>
               </a:ext>
             </a:extLst>
           </p:cNvPr>
@@ -3375,7 +3778,7 @@
             <a:spLocks noGrp="1"/>
           </p:cNvSpPr>
           <p:nvPr>
-            <p:ph type="subTitle" idx="1"/>
+            <p:ph type="ftr" sz="quarter" idx="11"/>
           </p:nvPr>
         </p:nvSpPr>
         <p:spPr/>
@@ -3383,6 +3786,39 @@
           <a:bodyPr/>
           <a:lstStyle/>
           <a:p>
+            <a:r>
+              <a:rPr lang="de-DE" dirty="0"/>
+              <a:t>Nick Schreiber</a:t>
+            </a:r>
+          </a:p>
+        </p:txBody>
+      </p:sp>
+      <p:sp>
+        <p:nvSpPr>
+          <p:cNvPr id="5" name="Slide Number Placeholder 4">
+            <a:extLst>
+              <a:ext uri="{FF2B5EF4-FFF2-40B4-BE49-F238E27FC236}">
+                <a16:creationId xmlns:a16="http://schemas.microsoft.com/office/drawing/2014/main" id="{58800E52-8559-34A1-87B2-065652ACA334}"/>
+              </a:ext>
+            </a:extLst>
+          </p:cNvPr>
+          <p:cNvSpPr>
+            <a:spLocks noGrp="1"/>
+          </p:cNvSpPr>
+          <p:nvPr>
+            <p:ph type="sldNum" sz="quarter" idx="12"/>
+          </p:nvPr>
+        </p:nvSpPr>
+        <p:spPr/>
+        <p:txBody>
+          <a:bodyPr/>
+          <a:lstStyle/>
+          <a:p>
+            <a:fld id="{629E1D32-139B-4C55-A3C3-B5F4791988C6}" type="slidenum">
+              <a:rPr lang="de-DE" smtClean="0"/>
+              <a:pPr/>
+              <a:t>1</a:t>
+            </a:fld>
             <a:endParaRPr lang="de-DE" dirty="0"/>
           </a:p>
         </p:txBody>
@@ -3390,7 +3826,7 @@
     </p:spTree>
     <p:extLst>
       <p:ext uri="{BB962C8B-B14F-4D97-AF65-F5344CB8AC3E}">
-        <p14:creationId xmlns:p14="http://schemas.microsoft.com/office/powerpoint/2010/main" val="2418360189"/>
+        <p14:creationId xmlns:p14="http://schemas.microsoft.com/office/powerpoint/2010/main" val="27466502"/>
       </p:ext>
     </p:extLst>
   </p:cSld>
@@ -3401,6 +3837,1583 @@
 </file>
 
 <file path=ppt/slides/slide10.xml><?xml version="1.0" encoding="utf-8"?>
+<p:sld xmlns:a="http://schemas.openxmlformats.org/drawingml/2006/main" xmlns:r="http://schemas.openxmlformats.org/officeDocument/2006/relationships" xmlns:p="http://schemas.openxmlformats.org/presentationml/2006/main" show="0">
+  <p:cSld>
+    <p:spTree>
+      <p:nvGrpSpPr>
+        <p:cNvPr id="1" name=""/>
+        <p:cNvGrpSpPr/>
+        <p:nvPr/>
+      </p:nvGrpSpPr>
+      <p:grpSpPr>
+        <a:xfrm>
+          <a:off x="0" y="0"/>
+          <a:ext cx="0" cy="0"/>
+          <a:chOff x="0" y="0"/>
+          <a:chExt cx="0" cy="0"/>
+        </a:xfrm>
+      </p:grpSpPr>
+      <p:pic>
+        <p:nvPicPr>
+          <p:cNvPr id="5" name="Grafik 4" descr="Ein Bild, das Vogel, Eisvogel, Wildleben, Schnabel enthält.&#10;&#10;Automatisch generierte Beschreibung">
+            <a:extLst>
+              <a:ext uri="{FF2B5EF4-FFF2-40B4-BE49-F238E27FC236}">
+                <a16:creationId xmlns:a16="http://schemas.microsoft.com/office/drawing/2014/main" id="{10B7B537-C1E4-13EB-DF89-3244B63C4D78}"/>
+              </a:ext>
+            </a:extLst>
+          </p:cNvPr>
+          <p:cNvPicPr>
+            <a:picLocks noChangeAspect="1"/>
+          </p:cNvPicPr>
+          <p:nvPr/>
+        </p:nvPicPr>
+        <p:blipFill>
+          <a:blip r:embed="rId2">
+            <a:extLst>
+              <a:ext uri="{28A0092B-C50C-407E-A947-70E740481C1C}">
+                <a14:useLocalDpi xmlns:a14="http://schemas.microsoft.com/office/drawing/2010/main" val="0"/>
+              </a:ext>
+            </a:extLst>
+          </a:blip>
+          <a:stretch>
+            <a:fillRect/>
+          </a:stretch>
+        </p:blipFill>
+        <p:spPr>
+          <a:xfrm>
+            <a:off x="722317" y="1353761"/>
+            <a:ext cx="2562726" cy="1708484"/>
+          </a:xfrm>
+          <a:prstGeom prst="rect">
+            <a:avLst/>
+          </a:prstGeom>
+        </p:spPr>
+      </p:pic>
+      <p:sp>
+        <p:nvSpPr>
+          <p:cNvPr id="6" name="Pfeil: nach rechts 5">
+            <a:extLst>
+              <a:ext uri="{FF2B5EF4-FFF2-40B4-BE49-F238E27FC236}">
+                <a16:creationId xmlns:a16="http://schemas.microsoft.com/office/drawing/2014/main" id="{1B445CB7-B81F-56BD-C0B0-1CF79A4085F5}"/>
+              </a:ext>
+            </a:extLst>
+          </p:cNvPr>
+          <p:cNvSpPr/>
+          <p:nvPr/>
+        </p:nvSpPr>
+        <p:spPr>
+          <a:xfrm>
+            <a:off x="3501748" y="1967057"/>
+            <a:ext cx="645459" cy="259976"/>
+          </a:xfrm>
+          <a:prstGeom prst="rightArrow">
+            <a:avLst/>
+          </a:prstGeom>
+        </p:spPr>
+        <p:style>
+          <a:lnRef idx="2">
+            <a:schemeClr val="dk1">
+              <a:shade val="15000"/>
+            </a:schemeClr>
+          </a:lnRef>
+          <a:fillRef idx="1">
+            <a:schemeClr val="dk1"/>
+          </a:fillRef>
+          <a:effectRef idx="0">
+            <a:schemeClr val="dk1"/>
+          </a:effectRef>
+          <a:fontRef idx="minor">
+            <a:schemeClr val="lt1"/>
+          </a:fontRef>
+        </p:style>
+        <p:txBody>
+          <a:bodyPr rtlCol="0" anchor="ctr"/>
+          <a:lstStyle/>
+          <a:p>
+            <a:pPr algn="ctr"/>
+            <a:endParaRPr lang="de-DE" dirty="0"/>
+          </a:p>
+        </p:txBody>
+      </p:sp>
+      <p:sp>
+        <p:nvSpPr>
+          <p:cNvPr id="7" name="Textfeld 6">
+            <a:extLst>
+              <a:ext uri="{FF2B5EF4-FFF2-40B4-BE49-F238E27FC236}">
+                <a16:creationId xmlns:a16="http://schemas.microsoft.com/office/drawing/2014/main" id="{CAAD860C-C9D6-369B-F8D9-306DA2FBE4FD}"/>
+              </a:ext>
+            </a:extLst>
+          </p:cNvPr>
+          <p:cNvSpPr txBox="1"/>
+          <p:nvPr/>
+        </p:nvSpPr>
+        <p:spPr>
+          <a:xfrm>
+            <a:off x="959292" y="873471"/>
+            <a:ext cx="2088777" cy="369332"/>
+          </a:xfrm>
+          <a:prstGeom prst="rect">
+            <a:avLst/>
+          </a:prstGeom>
+          <a:noFill/>
+        </p:spPr>
+        <p:txBody>
+          <a:bodyPr wrap="square" rtlCol="0">
+            <a:spAutoFit/>
+          </a:bodyPr>
+          <a:lstStyle/>
+          <a:p>
+            <a:pPr algn="ctr"/>
+            <a:r>
+              <a:rPr lang="de-DE" dirty="0"/>
+              <a:t>Originalbild (RAW)</a:t>
+            </a:r>
+          </a:p>
+        </p:txBody>
+      </p:sp>
+      <p:pic>
+        <p:nvPicPr>
+          <p:cNvPr id="13" name="Grafik 12" descr="Ein Bild, das Text, Screenshot, Quadrat, Rechteck enthält.&#10;&#10;Automatisch generierte Beschreibung">
+            <a:extLst>
+              <a:ext uri="{FF2B5EF4-FFF2-40B4-BE49-F238E27FC236}">
+                <a16:creationId xmlns:a16="http://schemas.microsoft.com/office/drawing/2014/main" id="{933E9079-8C15-54FB-4BE9-BBBFE7838D1D}"/>
+              </a:ext>
+            </a:extLst>
+          </p:cNvPr>
+          <p:cNvPicPr>
+            <a:picLocks noChangeAspect="1"/>
+          </p:cNvPicPr>
+          <p:nvPr/>
+        </p:nvPicPr>
+        <p:blipFill>
+          <a:blip r:embed="rId3">
+            <a:extLst>
+              <a:ext uri="{28A0092B-C50C-407E-A947-70E740481C1C}">
+                <a14:useLocalDpi xmlns:a14="http://schemas.microsoft.com/office/drawing/2010/main" val="0"/>
+              </a:ext>
+            </a:extLst>
+          </a:blip>
+          <a:stretch>
+            <a:fillRect/>
+          </a:stretch>
+        </p:blipFill>
+        <p:spPr>
+          <a:xfrm>
+            <a:off x="4363911" y="1242803"/>
+            <a:ext cx="2413000" cy="1930400"/>
+          </a:xfrm>
+          <a:prstGeom prst="rect">
+            <a:avLst/>
+          </a:prstGeom>
+        </p:spPr>
+      </p:pic>
+      <p:sp>
+        <p:nvSpPr>
+          <p:cNvPr id="14" name="Textfeld 13">
+            <a:extLst>
+              <a:ext uri="{FF2B5EF4-FFF2-40B4-BE49-F238E27FC236}">
+                <a16:creationId xmlns:a16="http://schemas.microsoft.com/office/drawing/2014/main" id="{5423E1CD-4DAA-CF51-1196-3F946C63ED9E}"/>
+              </a:ext>
+            </a:extLst>
+          </p:cNvPr>
+          <p:cNvSpPr txBox="1"/>
+          <p:nvPr/>
+        </p:nvSpPr>
+        <p:spPr>
+          <a:xfrm>
+            <a:off x="4526022" y="873471"/>
+            <a:ext cx="2088777" cy="369332"/>
+          </a:xfrm>
+          <a:prstGeom prst="rect">
+            <a:avLst/>
+          </a:prstGeom>
+          <a:noFill/>
+        </p:spPr>
+        <p:txBody>
+          <a:bodyPr wrap="square" rtlCol="0">
+            <a:spAutoFit/>
+          </a:bodyPr>
+          <a:lstStyle/>
+          <a:p>
+            <a:pPr algn="ctr"/>
+            <a:r>
+              <a:rPr lang="de-DE" dirty="0"/>
+              <a:t>RGB-Matrix</a:t>
+            </a:r>
+          </a:p>
+        </p:txBody>
+      </p:sp>
+      <p:sp>
+        <p:nvSpPr>
+          <p:cNvPr id="15" name="Pfeil: nach rechts 14">
+            <a:extLst>
+              <a:ext uri="{FF2B5EF4-FFF2-40B4-BE49-F238E27FC236}">
+                <a16:creationId xmlns:a16="http://schemas.microsoft.com/office/drawing/2014/main" id="{81096BE4-7812-49DD-811E-F68A3E331BB1}"/>
+              </a:ext>
+            </a:extLst>
+          </p:cNvPr>
+          <p:cNvSpPr/>
+          <p:nvPr/>
+        </p:nvSpPr>
+        <p:spPr>
+          <a:xfrm>
+            <a:off x="6993615" y="1948027"/>
+            <a:ext cx="645459" cy="259976"/>
+          </a:xfrm>
+          <a:prstGeom prst="rightArrow">
+            <a:avLst/>
+          </a:prstGeom>
+        </p:spPr>
+        <p:style>
+          <a:lnRef idx="2">
+            <a:schemeClr val="dk1">
+              <a:shade val="15000"/>
+            </a:schemeClr>
+          </a:lnRef>
+          <a:fillRef idx="1">
+            <a:schemeClr val="dk1"/>
+          </a:fillRef>
+          <a:effectRef idx="0">
+            <a:schemeClr val="dk1"/>
+          </a:effectRef>
+          <a:fontRef idx="minor">
+            <a:schemeClr val="lt1"/>
+          </a:fontRef>
+        </p:style>
+        <p:txBody>
+          <a:bodyPr rtlCol="0" anchor="ctr"/>
+          <a:lstStyle/>
+          <a:p>
+            <a:pPr algn="ctr"/>
+            <a:endParaRPr lang="de-DE" dirty="0"/>
+          </a:p>
+        </p:txBody>
+      </p:sp>
+      <p:pic>
+        <p:nvPicPr>
+          <p:cNvPr id="19" name="Grafik 18" descr="Ein Bild, das Screenshot, Schrift, Grafiken, Farbigkeit enthält.&#10;&#10;Automatisch generierte Beschreibung">
+            <a:extLst>
+              <a:ext uri="{FF2B5EF4-FFF2-40B4-BE49-F238E27FC236}">
+                <a16:creationId xmlns:a16="http://schemas.microsoft.com/office/drawing/2014/main" id="{BD04B801-88E1-3507-2E51-CC0B32ED36C1}"/>
+              </a:ext>
+            </a:extLst>
+          </p:cNvPr>
+          <p:cNvPicPr>
+            <a:picLocks noChangeAspect="1"/>
+          </p:cNvPicPr>
+          <p:nvPr/>
+        </p:nvPicPr>
+        <p:blipFill>
+          <a:blip r:embed="rId4">
+            <a:extLst>
+              <a:ext uri="{28A0092B-C50C-407E-A947-70E740481C1C}">
+                <a14:useLocalDpi xmlns:a14="http://schemas.microsoft.com/office/drawing/2010/main" val="0"/>
+              </a:ext>
+            </a:extLst>
+          </a:blip>
+          <a:stretch>
+            <a:fillRect/>
+          </a:stretch>
+        </p:blipFill>
+        <p:spPr>
+          <a:xfrm>
+            <a:off x="7855778" y="1880909"/>
+            <a:ext cx="3386606" cy="604431"/>
+          </a:xfrm>
+          <a:prstGeom prst="rect">
+            <a:avLst/>
+          </a:prstGeom>
+        </p:spPr>
+      </p:pic>
+      <p:sp>
+        <p:nvSpPr>
+          <p:cNvPr id="20" name="Textfeld 19">
+            <a:extLst>
+              <a:ext uri="{FF2B5EF4-FFF2-40B4-BE49-F238E27FC236}">
+                <a16:creationId xmlns:a16="http://schemas.microsoft.com/office/drawing/2014/main" id="{78515C7B-894D-D4B7-804E-A304BDD0842C}"/>
+              </a:ext>
+            </a:extLst>
+          </p:cNvPr>
+          <p:cNvSpPr txBox="1"/>
+          <p:nvPr/>
+        </p:nvSpPr>
+        <p:spPr>
+          <a:xfrm>
+            <a:off x="8405597" y="873471"/>
+            <a:ext cx="2088777" cy="369332"/>
+          </a:xfrm>
+          <a:prstGeom prst="rect">
+            <a:avLst/>
+          </a:prstGeom>
+          <a:noFill/>
+        </p:spPr>
+        <p:txBody>
+          <a:bodyPr wrap="square" rtlCol="0">
+            <a:spAutoFit/>
+          </a:bodyPr>
+          <a:lstStyle/>
+          <a:p>
+            <a:pPr algn="ctr"/>
+            <a:r>
+              <a:rPr lang="de-DE" dirty="0"/>
+              <a:t>RGB-Flat-Array</a:t>
+            </a:r>
+          </a:p>
+        </p:txBody>
+      </p:sp>
+      <p:sp>
+        <p:nvSpPr>
+          <p:cNvPr id="21" name="Pfeil: nach rechts 20">
+            <a:extLst>
+              <a:ext uri="{FF2B5EF4-FFF2-40B4-BE49-F238E27FC236}">
+                <a16:creationId xmlns:a16="http://schemas.microsoft.com/office/drawing/2014/main" id="{41EF1246-2E48-7CF5-B5A8-12FE245A693D}"/>
+              </a:ext>
+            </a:extLst>
+          </p:cNvPr>
+          <p:cNvSpPr/>
+          <p:nvPr/>
+        </p:nvSpPr>
+        <p:spPr>
+          <a:xfrm>
+            <a:off x="3647350" y="4503880"/>
+            <a:ext cx="645459" cy="259976"/>
+          </a:xfrm>
+          <a:prstGeom prst="rightArrow">
+            <a:avLst/>
+          </a:prstGeom>
+        </p:spPr>
+        <p:style>
+          <a:lnRef idx="2">
+            <a:schemeClr val="dk1">
+              <a:shade val="15000"/>
+            </a:schemeClr>
+          </a:lnRef>
+          <a:fillRef idx="1">
+            <a:schemeClr val="dk1"/>
+          </a:fillRef>
+          <a:effectRef idx="0">
+            <a:schemeClr val="dk1"/>
+          </a:effectRef>
+          <a:fontRef idx="minor">
+            <a:schemeClr val="lt1"/>
+          </a:fontRef>
+        </p:style>
+        <p:txBody>
+          <a:bodyPr rtlCol="0" anchor="ctr"/>
+          <a:lstStyle/>
+          <a:p>
+            <a:pPr algn="ctr"/>
+            <a:endParaRPr lang="de-DE" dirty="0"/>
+          </a:p>
+        </p:txBody>
+      </p:sp>
+      <p:sp>
+        <p:nvSpPr>
+          <p:cNvPr id="22" name="Textfeld 21">
+            <a:extLst>
+              <a:ext uri="{FF2B5EF4-FFF2-40B4-BE49-F238E27FC236}">
+                <a16:creationId xmlns:a16="http://schemas.microsoft.com/office/drawing/2014/main" id="{EAB8772C-DD23-423A-7EA5-B6A8C1B64254}"/>
+              </a:ext>
+            </a:extLst>
+          </p:cNvPr>
+          <p:cNvSpPr txBox="1"/>
+          <p:nvPr/>
+        </p:nvSpPr>
+        <p:spPr>
+          <a:xfrm>
+            <a:off x="3216654" y="3990088"/>
+            <a:ext cx="1512745" cy="369332"/>
+          </a:xfrm>
+          <a:prstGeom prst="rect">
+            <a:avLst/>
+          </a:prstGeom>
+          <a:noFill/>
+          <a:ln>
+            <a:solidFill>
+              <a:schemeClr val="tx1"/>
+            </a:solidFill>
+            <a:prstDash val="solid"/>
+          </a:ln>
+        </p:spPr>
+        <p:txBody>
+          <a:bodyPr wrap="square" rtlCol="0">
+            <a:spAutoFit/>
+          </a:bodyPr>
+          <a:lstStyle/>
+          <a:p>
+            <a:pPr algn="ctr"/>
+            <a:r>
+              <a:rPr lang="de-DE" dirty="0"/>
+              <a:t>Kompression</a:t>
+            </a:r>
+          </a:p>
+        </p:txBody>
+      </p:sp>
+      <p:sp>
+        <p:nvSpPr>
+          <p:cNvPr id="23" name="Textfeld 22">
+            <a:extLst>
+              <a:ext uri="{FF2B5EF4-FFF2-40B4-BE49-F238E27FC236}">
+                <a16:creationId xmlns:a16="http://schemas.microsoft.com/office/drawing/2014/main" id="{31679E80-7D6D-4AC4-BFC0-E5C77C867669}"/>
+              </a:ext>
+            </a:extLst>
+          </p:cNvPr>
+          <p:cNvSpPr txBox="1"/>
+          <p:nvPr/>
+        </p:nvSpPr>
+        <p:spPr>
+          <a:xfrm>
+            <a:off x="4892091" y="4466256"/>
+            <a:ext cx="2088777" cy="369332"/>
+          </a:xfrm>
+          <a:prstGeom prst="rect">
+            <a:avLst/>
+          </a:prstGeom>
+          <a:solidFill>
+            <a:schemeClr val="bg1">
+              <a:lumMod val="95000"/>
+            </a:schemeClr>
+          </a:solidFill>
+          <a:ln>
+            <a:solidFill>
+              <a:schemeClr val="tx1"/>
+            </a:solidFill>
+          </a:ln>
+        </p:spPr>
+        <p:txBody>
+          <a:bodyPr wrap="square" rtlCol="0">
+            <a:spAutoFit/>
+          </a:bodyPr>
+          <a:lstStyle/>
+          <a:p>
+            <a:pPr algn="ctr"/>
+            <a:r>
+              <a:rPr lang="de-DE" dirty="0"/>
+              <a:t>Komprimiertes Bild</a:t>
+            </a:r>
+          </a:p>
+        </p:txBody>
+      </p:sp>
+      <p:sp>
+        <p:nvSpPr>
+          <p:cNvPr id="24" name="Pfeil: nach rechts 23">
+            <a:extLst>
+              <a:ext uri="{FF2B5EF4-FFF2-40B4-BE49-F238E27FC236}">
+                <a16:creationId xmlns:a16="http://schemas.microsoft.com/office/drawing/2014/main" id="{46C1C592-3288-FF19-2BA5-D0B012904B4D}"/>
+              </a:ext>
+            </a:extLst>
+          </p:cNvPr>
+          <p:cNvSpPr/>
+          <p:nvPr/>
+        </p:nvSpPr>
+        <p:spPr>
+          <a:xfrm>
+            <a:off x="7580149" y="4534382"/>
+            <a:ext cx="645459" cy="259976"/>
+          </a:xfrm>
+          <a:prstGeom prst="rightArrow">
+            <a:avLst/>
+          </a:prstGeom>
+        </p:spPr>
+        <p:style>
+          <a:lnRef idx="2">
+            <a:schemeClr val="dk1">
+              <a:shade val="15000"/>
+            </a:schemeClr>
+          </a:lnRef>
+          <a:fillRef idx="1">
+            <a:schemeClr val="dk1"/>
+          </a:fillRef>
+          <a:effectRef idx="0">
+            <a:schemeClr val="dk1"/>
+          </a:effectRef>
+          <a:fontRef idx="minor">
+            <a:schemeClr val="lt1"/>
+          </a:fontRef>
+        </p:style>
+        <p:txBody>
+          <a:bodyPr rtlCol="0" anchor="ctr"/>
+          <a:lstStyle/>
+          <a:p>
+            <a:pPr algn="ctr"/>
+            <a:endParaRPr lang="de-DE" dirty="0"/>
+          </a:p>
+        </p:txBody>
+      </p:sp>
+      <p:sp>
+        <p:nvSpPr>
+          <p:cNvPr id="25" name="Textfeld 24">
+            <a:extLst>
+              <a:ext uri="{FF2B5EF4-FFF2-40B4-BE49-F238E27FC236}">
+                <a16:creationId xmlns:a16="http://schemas.microsoft.com/office/drawing/2014/main" id="{9D59AB6B-4800-86DC-B942-6A6A57D6675B}"/>
+              </a:ext>
+            </a:extLst>
+          </p:cNvPr>
+          <p:cNvSpPr txBox="1"/>
+          <p:nvPr/>
+        </p:nvSpPr>
+        <p:spPr>
+          <a:xfrm>
+            <a:off x="7090659" y="3992036"/>
+            <a:ext cx="1624437" cy="369332"/>
+          </a:xfrm>
+          <a:prstGeom prst="rect">
+            <a:avLst/>
+          </a:prstGeom>
+          <a:noFill/>
+          <a:ln>
+            <a:solidFill>
+              <a:schemeClr val="tx1"/>
+            </a:solidFill>
+            <a:prstDash val="solid"/>
+          </a:ln>
+        </p:spPr>
+        <p:txBody>
+          <a:bodyPr wrap="square" rtlCol="0">
+            <a:spAutoFit/>
+          </a:bodyPr>
+          <a:lstStyle/>
+          <a:p>
+            <a:pPr algn="ctr"/>
+            <a:r>
+              <a:rPr lang="de-DE" dirty="0"/>
+              <a:t>Dekompression</a:t>
+            </a:r>
+          </a:p>
+        </p:txBody>
+      </p:sp>
+      <p:sp>
+        <p:nvSpPr>
+          <p:cNvPr id="26" name="Textfeld 25">
+            <a:extLst>
+              <a:ext uri="{FF2B5EF4-FFF2-40B4-BE49-F238E27FC236}">
+                <a16:creationId xmlns:a16="http://schemas.microsoft.com/office/drawing/2014/main" id="{3698922E-3AFC-E22F-6240-B417AB7031FC}"/>
+              </a:ext>
+            </a:extLst>
+          </p:cNvPr>
+          <p:cNvSpPr txBox="1"/>
+          <p:nvPr/>
+        </p:nvSpPr>
+        <p:spPr>
+          <a:xfrm>
+            <a:off x="8824890" y="4465332"/>
+            <a:ext cx="2302580" cy="369332"/>
+          </a:xfrm>
+          <a:prstGeom prst="rect">
+            <a:avLst/>
+          </a:prstGeom>
+          <a:solidFill>
+            <a:schemeClr val="bg1">
+              <a:lumMod val="95000"/>
+            </a:schemeClr>
+          </a:solidFill>
+          <a:ln>
+            <a:solidFill>
+              <a:schemeClr val="tx1"/>
+            </a:solidFill>
+          </a:ln>
+        </p:spPr>
+        <p:txBody>
+          <a:bodyPr wrap="square" rtlCol="0">
+            <a:spAutoFit/>
+          </a:bodyPr>
+          <a:lstStyle/>
+          <a:p>
+            <a:pPr algn="ctr"/>
+            <a:r>
+              <a:rPr lang="de-DE" dirty="0"/>
+              <a:t>Dekomprimiertes Bild</a:t>
+            </a:r>
+          </a:p>
+        </p:txBody>
+      </p:sp>
+      <p:sp>
+        <p:nvSpPr>
+          <p:cNvPr id="27" name="Textfeld 26">
+            <a:extLst>
+              <a:ext uri="{FF2B5EF4-FFF2-40B4-BE49-F238E27FC236}">
+                <a16:creationId xmlns:a16="http://schemas.microsoft.com/office/drawing/2014/main" id="{9033E466-59E1-69B6-171D-13C71BD63C94}"/>
+              </a:ext>
+            </a:extLst>
+          </p:cNvPr>
+          <p:cNvSpPr txBox="1"/>
+          <p:nvPr/>
+        </p:nvSpPr>
+        <p:spPr>
+          <a:xfrm>
+            <a:off x="959292" y="4430986"/>
+            <a:ext cx="2088777" cy="369332"/>
+          </a:xfrm>
+          <a:prstGeom prst="rect">
+            <a:avLst/>
+          </a:prstGeom>
+          <a:solidFill>
+            <a:schemeClr val="bg1">
+              <a:lumMod val="95000"/>
+            </a:schemeClr>
+          </a:solidFill>
+          <a:ln>
+            <a:solidFill>
+              <a:schemeClr val="tx1"/>
+            </a:solidFill>
+          </a:ln>
+        </p:spPr>
+        <p:txBody>
+          <a:bodyPr wrap="square" rtlCol="0">
+            <a:spAutoFit/>
+          </a:bodyPr>
+          <a:lstStyle/>
+          <a:p>
+            <a:pPr algn="ctr"/>
+            <a:r>
+              <a:rPr lang="de-DE" dirty="0"/>
+              <a:t>RGB-Flat-Array</a:t>
+            </a:r>
+          </a:p>
+        </p:txBody>
+      </p:sp>
+      <p:sp>
+        <p:nvSpPr>
+          <p:cNvPr id="28" name="Textfeld 27">
+            <a:extLst>
+              <a:ext uri="{FF2B5EF4-FFF2-40B4-BE49-F238E27FC236}">
+                <a16:creationId xmlns:a16="http://schemas.microsoft.com/office/drawing/2014/main" id="{353BBC8A-DF67-9B51-C156-875F2F0015D4}"/>
+              </a:ext>
+            </a:extLst>
+          </p:cNvPr>
+          <p:cNvSpPr txBox="1"/>
+          <p:nvPr/>
+        </p:nvSpPr>
+        <p:spPr>
+          <a:xfrm>
+            <a:off x="3272276" y="4981744"/>
+            <a:ext cx="1377866" cy="369332"/>
+          </a:xfrm>
+          <a:prstGeom prst="rect">
+            <a:avLst/>
+          </a:prstGeom>
+          <a:noFill/>
+          <a:ln>
+            <a:solidFill>
+              <a:schemeClr val="tx1"/>
+            </a:solidFill>
+            <a:prstDash val="sysDot"/>
+          </a:ln>
+        </p:spPr>
+        <p:txBody>
+          <a:bodyPr wrap="square" rtlCol="0">
+            <a:spAutoFit/>
+          </a:bodyPr>
+          <a:lstStyle/>
+          <a:p>
+            <a:pPr algn="ctr"/>
+            <a:r>
+              <a:rPr lang="de-DE" dirty="0"/>
+              <a:t>Zeitmessung</a:t>
+            </a:r>
+          </a:p>
+        </p:txBody>
+      </p:sp>
+      <p:sp>
+        <p:nvSpPr>
+          <p:cNvPr id="30" name="Textfeld 29">
+            <a:extLst>
+              <a:ext uri="{FF2B5EF4-FFF2-40B4-BE49-F238E27FC236}">
+                <a16:creationId xmlns:a16="http://schemas.microsoft.com/office/drawing/2014/main" id="{0A2D6757-F90F-E58E-22FA-D6718DD28B5D}"/>
+              </a:ext>
+            </a:extLst>
+          </p:cNvPr>
+          <p:cNvSpPr txBox="1"/>
+          <p:nvPr/>
+        </p:nvSpPr>
+        <p:spPr>
+          <a:xfrm>
+            <a:off x="5005095" y="4981744"/>
+            <a:ext cx="1862767" cy="369332"/>
+          </a:xfrm>
+          <a:prstGeom prst="rect">
+            <a:avLst/>
+          </a:prstGeom>
+          <a:noFill/>
+          <a:ln>
+            <a:solidFill>
+              <a:schemeClr val="tx1"/>
+            </a:solidFill>
+            <a:prstDash val="sysDot"/>
+          </a:ln>
+        </p:spPr>
+        <p:txBody>
+          <a:bodyPr wrap="square" rtlCol="0">
+            <a:spAutoFit/>
+          </a:bodyPr>
+          <a:lstStyle/>
+          <a:p>
+            <a:pPr algn="ctr"/>
+            <a:r>
+              <a:rPr lang="de-DE" dirty="0"/>
+              <a:t>Kompressionsrate</a:t>
+            </a:r>
+          </a:p>
+        </p:txBody>
+      </p:sp>
+      <p:sp>
+        <p:nvSpPr>
+          <p:cNvPr id="31" name="Textfeld 30">
+            <a:extLst>
+              <a:ext uri="{FF2B5EF4-FFF2-40B4-BE49-F238E27FC236}">
+                <a16:creationId xmlns:a16="http://schemas.microsoft.com/office/drawing/2014/main" id="{468E9E57-1656-7BF4-EE3D-B168E3B975B0}"/>
+              </a:ext>
+            </a:extLst>
+          </p:cNvPr>
+          <p:cNvSpPr txBox="1"/>
+          <p:nvPr/>
+        </p:nvSpPr>
+        <p:spPr>
+          <a:xfrm>
+            <a:off x="7213944" y="4983416"/>
+            <a:ext cx="1377866" cy="369332"/>
+          </a:xfrm>
+          <a:prstGeom prst="rect">
+            <a:avLst/>
+          </a:prstGeom>
+          <a:noFill/>
+          <a:ln>
+            <a:solidFill>
+              <a:schemeClr val="tx1"/>
+            </a:solidFill>
+            <a:prstDash val="sysDot"/>
+          </a:ln>
+        </p:spPr>
+        <p:txBody>
+          <a:bodyPr wrap="square" rtlCol="0">
+            <a:spAutoFit/>
+          </a:bodyPr>
+          <a:lstStyle/>
+          <a:p>
+            <a:pPr algn="ctr"/>
+            <a:r>
+              <a:rPr lang="de-DE" dirty="0"/>
+              <a:t>Zeitmessung</a:t>
+            </a:r>
+          </a:p>
+        </p:txBody>
+      </p:sp>
+    </p:spTree>
+    <p:extLst>
+      <p:ext uri="{BB962C8B-B14F-4D97-AF65-F5344CB8AC3E}">
+        <p14:creationId xmlns:p14="http://schemas.microsoft.com/office/powerpoint/2010/main" val="3582917766"/>
+      </p:ext>
+    </p:extLst>
+  </p:cSld>
+  <p:clrMapOvr>
+    <a:masterClrMapping/>
+  </p:clrMapOvr>
+</p:sld>
+</file>
+
+<file path=ppt/slides/slide11.xml><?xml version="1.0" encoding="utf-8"?>
+<p:sld xmlns:a="http://schemas.openxmlformats.org/drawingml/2006/main" xmlns:r="http://schemas.openxmlformats.org/officeDocument/2006/relationships" xmlns:p="http://schemas.openxmlformats.org/presentationml/2006/main" show="0">
+  <p:cSld>
+    <p:spTree>
+      <p:nvGrpSpPr>
+        <p:cNvPr id="1" name=""/>
+        <p:cNvGrpSpPr/>
+        <p:nvPr/>
+      </p:nvGrpSpPr>
+      <p:grpSpPr>
+        <a:xfrm>
+          <a:off x="0" y="0"/>
+          <a:ext cx="0" cy="0"/>
+          <a:chOff x="0" y="0"/>
+          <a:chExt cx="0" cy="0"/>
+        </a:xfrm>
+      </p:grpSpPr>
+      <p:sp>
+        <p:nvSpPr>
+          <p:cNvPr id="9" name="Rechteck 8">
+            <a:extLst>
+              <a:ext uri="{FF2B5EF4-FFF2-40B4-BE49-F238E27FC236}">
+                <a16:creationId xmlns:a16="http://schemas.microsoft.com/office/drawing/2014/main" id="{2EA49E79-528F-E529-48D0-38B7DA82F83D}"/>
+              </a:ext>
+            </a:extLst>
+          </p:cNvPr>
+          <p:cNvSpPr/>
+          <p:nvPr/>
+        </p:nvSpPr>
+        <p:spPr>
+          <a:xfrm>
+            <a:off x="2286000" y="1241168"/>
+            <a:ext cx="6083300" cy="4473831"/>
+          </a:xfrm>
+          <a:prstGeom prst="rect">
+            <a:avLst/>
+          </a:prstGeom>
+          <a:solidFill>
+            <a:schemeClr val="bg1"/>
+          </a:solidFill>
+          <a:ln>
+            <a:noFill/>
+          </a:ln>
+        </p:spPr>
+        <p:style>
+          <a:lnRef idx="2">
+            <a:schemeClr val="accent1">
+              <a:shade val="15000"/>
+            </a:schemeClr>
+          </a:lnRef>
+          <a:fillRef idx="1">
+            <a:schemeClr val="accent1"/>
+          </a:fillRef>
+          <a:effectRef idx="0">
+            <a:schemeClr val="accent1"/>
+          </a:effectRef>
+          <a:fontRef idx="minor">
+            <a:schemeClr val="lt1"/>
+          </a:fontRef>
+        </p:style>
+        <p:txBody>
+          <a:bodyPr rtlCol="0" anchor="ctr"/>
+          <a:lstStyle/>
+          <a:p>
+            <a:pPr algn="ctr"/>
+            <a:endParaRPr lang="de-DE"/>
+          </a:p>
+        </p:txBody>
+      </p:sp>
+      <p:graphicFrame>
+        <p:nvGraphicFramePr>
+          <p:cNvPr id="8" name="Tabelle 7">
+            <a:extLst>
+              <a:ext uri="{FF2B5EF4-FFF2-40B4-BE49-F238E27FC236}">
+                <a16:creationId xmlns:a16="http://schemas.microsoft.com/office/drawing/2014/main" id="{6F083249-84C5-1925-A3BD-57B24F494877}"/>
+              </a:ext>
+            </a:extLst>
+          </p:cNvPr>
+          <p:cNvGraphicFramePr>
+            <a:graphicFrameLocks noGrp="1"/>
+          </p:cNvGraphicFramePr>
+          <p:nvPr>
+            <p:extLst>
+              <p:ext uri="{D42A27DB-BD31-4B8C-83A1-F6EECF244321}">
+                <p14:modId xmlns:p14="http://schemas.microsoft.com/office/powerpoint/2010/main" val="187192532"/>
+              </p:ext>
+            </p:extLst>
+          </p:nvPr>
+        </p:nvGraphicFramePr>
+        <p:xfrm>
+          <a:off x="3943350" y="1404383"/>
+          <a:ext cx="4305300" cy="3094938"/>
+        </p:xfrm>
+        <a:graphic>
+          <a:graphicData uri="http://schemas.openxmlformats.org/drawingml/2006/table">
+            <a:tbl>
+              <a:tblPr bandRow="1">
+                <a:tableStyleId>{5940675A-B579-460E-94D1-54222C63F5DA}</a:tableStyleId>
+              </a:tblPr>
+              <a:tblGrid>
+                <a:gridCol w="1435100">
+                  <a:extLst>
+                    <a:ext uri="{9D8B030D-6E8A-4147-A177-3AD203B41FA5}">
+                      <a16:colId xmlns:a16="http://schemas.microsoft.com/office/drawing/2014/main" val="482029148"/>
+                    </a:ext>
+                  </a:extLst>
+                </a:gridCol>
+                <a:gridCol w="1435100">
+                  <a:extLst>
+                    <a:ext uri="{9D8B030D-6E8A-4147-A177-3AD203B41FA5}">
+                      <a16:colId xmlns:a16="http://schemas.microsoft.com/office/drawing/2014/main" val="2375623929"/>
+                    </a:ext>
+                  </a:extLst>
+                </a:gridCol>
+                <a:gridCol w="1435100">
+                  <a:extLst>
+                    <a:ext uri="{9D8B030D-6E8A-4147-A177-3AD203B41FA5}">
+                      <a16:colId xmlns:a16="http://schemas.microsoft.com/office/drawing/2014/main" val="2144761218"/>
+                    </a:ext>
+                  </a:extLst>
+                </a:gridCol>
+              </a:tblGrid>
+              <a:tr h="966611">
+                <a:tc>
+                  <a:txBody>
+                    <a:bodyPr/>
+                    <a:lstStyle/>
+                    <a:p>
+                      <a:pPr algn="ctr"/>
+                      <a:r>
+                        <a:rPr lang="de-DE" sz="6300" dirty="0"/>
+                        <a:t>23</a:t>
+                      </a:r>
+                    </a:p>
+                  </a:txBody>
+                  <a:tcPr marL="71526" marR="71526" marT="35763" marB="35763">
+                    <a:solidFill>
+                      <a:schemeClr val="accent1"/>
+                    </a:solidFill>
+                  </a:tcPr>
+                </a:tc>
+                <a:tc>
+                  <a:txBody>
+                    <a:bodyPr/>
+                    <a:lstStyle/>
+                    <a:p>
+                      <a:pPr algn="ctr"/>
+                      <a:r>
+                        <a:rPr lang="de-DE" sz="6300" dirty="0"/>
+                        <a:t>44</a:t>
+                      </a:r>
+                    </a:p>
+                  </a:txBody>
+                  <a:tcPr marL="71526" marR="71526" marT="35763" marB="35763">
+                    <a:solidFill>
+                      <a:schemeClr val="accent1"/>
+                    </a:solidFill>
+                  </a:tcPr>
+                </a:tc>
+                <a:tc>
+                  <a:txBody>
+                    <a:bodyPr/>
+                    <a:lstStyle/>
+                    <a:p>
+                      <a:pPr algn="ctr"/>
+                      <a:r>
+                        <a:rPr lang="de-DE" sz="6300" dirty="0"/>
+                        <a:t>15</a:t>
+                      </a:r>
+                    </a:p>
+                  </a:txBody>
+                  <a:tcPr marL="71526" marR="71526" marT="35763" marB="35763">
+                    <a:solidFill>
+                      <a:schemeClr val="accent1"/>
+                    </a:solidFill>
+                  </a:tcPr>
+                </a:tc>
+                <a:extLst>
+                  <a:ext uri="{0D108BD9-81ED-4DB2-BD59-A6C34878D82A}">
+                    <a16:rowId xmlns:a16="http://schemas.microsoft.com/office/drawing/2014/main" val="4173439310"/>
+                  </a:ext>
+                </a:extLst>
+              </a:tr>
+              <a:tr h="966611">
+                <a:tc>
+                  <a:txBody>
+                    <a:bodyPr/>
+                    <a:lstStyle/>
+                    <a:p>
+                      <a:pPr algn="ctr"/>
+                      <a:r>
+                        <a:rPr lang="de-DE" sz="6300" dirty="0"/>
+                        <a:t>254</a:t>
+                      </a:r>
+                    </a:p>
+                  </a:txBody>
+                  <a:tcPr marL="71526" marR="71526" marT="35763" marB="35763">
+                    <a:solidFill>
+                      <a:schemeClr val="accent1"/>
+                    </a:solidFill>
+                  </a:tcPr>
+                </a:tc>
+                <a:tc>
+                  <a:txBody>
+                    <a:bodyPr/>
+                    <a:lstStyle/>
+                    <a:p>
+                      <a:pPr algn="ctr"/>
+                      <a:r>
+                        <a:rPr lang="de-DE" sz="6300" dirty="0"/>
+                        <a:t>255</a:t>
+                      </a:r>
+                    </a:p>
+                  </a:txBody>
+                  <a:tcPr marL="71526" marR="71526" marT="35763" marB="35763">
+                    <a:solidFill>
+                      <a:schemeClr val="accent1"/>
+                    </a:solidFill>
+                  </a:tcPr>
+                </a:tc>
+                <a:tc>
+                  <a:txBody>
+                    <a:bodyPr/>
+                    <a:lstStyle/>
+                    <a:p>
+                      <a:pPr algn="ctr"/>
+                      <a:r>
+                        <a:rPr lang="de-DE" sz="6300" dirty="0"/>
+                        <a:t>63</a:t>
+                      </a:r>
+                    </a:p>
+                  </a:txBody>
+                  <a:tcPr marL="71526" marR="71526" marT="35763" marB="35763">
+                    <a:solidFill>
+                      <a:schemeClr val="accent1"/>
+                    </a:solidFill>
+                  </a:tcPr>
+                </a:tc>
+                <a:extLst>
+                  <a:ext uri="{0D108BD9-81ED-4DB2-BD59-A6C34878D82A}">
+                    <a16:rowId xmlns:a16="http://schemas.microsoft.com/office/drawing/2014/main" val="458106486"/>
+                  </a:ext>
+                </a:extLst>
+              </a:tr>
+              <a:tr h="966611">
+                <a:tc>
+                  <a:txBody>
+                    <a:bodyPr/>
+                    <a:lstStyle/>
+                    <a:p>
+                      <a:pPr algn="ctr"/>
+                      <a:r>
+                        <a:rPr lang="de-DE" sz="6300" dirty="0"/>
+                        <a:t>43</a:t>
+                      </a:r>
+                    </a:p>
+                  </a:txBody>
+                  <a:tcPr marL="71526" marR="71526" marT="35763" marB="35763">
+                    <a:solidFill>
+                      <a:schemeClr val="accent1"/>
+                    </a:solidFill>
+                  </a:tcPr>
+                </a:tc>
+                <a:tc>
+                  <a:txBody>
+                    <a:bodyPr/>
+                    <a:lstStyle/>
+                    <a:p>
+                      <a:pPr algn="ctr"/>
+                      <a:r>
+                        <a:rPr lang="de-DE" sz="6300" dirty="0"/>
+                        <a:t>75</a:t>
+                      </a:r>
+                    </a:p>
+                  </a:txBody>
+                  <a:tcPr marL="71526" marR="71526" marT="35763" marB="35763">
+                    <a:solidFill>
+                      <a:schemeClr val="accent1"/>
+                    </a:solidFill>
+                  </a:tcPr>
+                </a:tc>
+                <a:tc>
+                  <a:txBody>
+                    <a:bodyPr/>
+                    <a:lstStyle/>
+                    <a:p>
+                      <a:pPr algn="ctr"/>
+                      <a:r>
+                        <a:rPr lang="de-DE" sz="6300" dirty="0"/>
+                        <a:t>68</a:t>
+                      </a:r>
+                    </a:p>
+                  </a:txBody>
+                  <a:tcPr marL="71526" marR="71526" marT="35763" marB="35763">
+                    <a:solidFill>
+                      <a:schemeClr val="accent1"/>
+                    </a:solidFill>
+                  </a:tcPr>
+                </a:tc>
+                <a:extLst>
+                  <a:ext uri="{0D108BD9-81ED-4DB2-BD59-A6C34878D82A}">
+                    <a16:rowId xmlns:a16="http://schemas.microsoft.com/office/drawing/2014/main" val="2913790145"/>
+                  </a:ext>
+                </a:extLst>
+              </a:tr>
+            </a:tbl>
+          </a:graphicData>
+        </a:graphic>
+      </p:graphicFrame>
+      <p:graphicFrame>
+        <p:nvGraphicFramePr>
+          <p:cNvPr id="4" name="Tabelle 3">
+            <a:extLst>
+              <a:ext uri="{FF2B5EF4-FFF2-40B4-BE49-F238E27FC236}">
+                <a16:creationId xmlns:a16="http://schemas.microsoft.com/office/drawing/2014/main" id="{D98B223E-9C81-3D23-D50A-630C7BA2ECAD}"/>
+              </a:ext>
+            </a:extLst>
+          </p:cNvPr>
+          <p:cNvGraphicFramePr>
+            <a:graphicFrameLocks noGrp="1"/>
+          </p:cNvGraphicFramePr>
+          <p:nvPr>
+            <p:extLst>
+              <p:ext uri="{D42A27DB-BD31-4B8C-83A1-F6EECF244321}">
+                <p14:modId xmlns:p14="http://schemas.microsoft.com/office/powerpoint/2010/main" val="569450905"/>
+              </p:ext>
+            </p:extLst>
+          </p:nvPr>
+        </p:nvGraphicFramePr>
+        <p:xfrm>
+          <a:off x="3175001" y="1963138"/>
+          <a:ext cx="4305300" cy="3094938"/>
+        </p:xfrm>
+        <a:graphic>
+          <a:graphicData uri="http://schemas.openxmlformats.org/drawingml/2006/table">
+            <a:tbl>
+              <a:tblPr bandRow="1">
+                <a:tableStyleId>{5940675A-B579-460E-94D1-54222C63F5DA}</a:tableStyleId>
+              </a:tblPr>
+              <a:tblGrid>
+                <a:gridCol w="1435100">
+                  <a:extLst>
+                    <a:ext uri="{9D8B030D-6E8A-4147-A177-3AD203B41FA5}">
+                      <a16:colId xmlns:a16="http://schemas.microsoft.com/office/drawing/2014/main" val="482029148"/>
+                    </a:ext>
+                  </a:extLst>
+                </a:gridCol>
+                <a:gridCol w="1435100">
+                  <a:extLst>
+                    <a:ext uri="{9D8B030D-6E8A-4147-A177-3AD203B41FA5}">
+                      <a16:colId xmlns:a16="http://schemas.microsoft.com/office/drawing/2014/main" val="2375623929"/>
+                    </a:ext>
+                  </a:extLst>
+                </a:gridCol>
+                <a:gridCol w="1435100">
+                  <a:extLst>
+                    <a:ext uri="{9D8B030D-6E8A-4147-A177-3AD203B41FA5}">
+                      <a16:colId xmlns:a16="http://schemas.microsoft.com/office/drawing/2014/main" val="2144761218"/>
+                    </a:ext>
+                  </a:extLst>
+                </a:gridCol>
+              </a:tblGrid>
+              <a:tr h="966611">
+                <a:tc>
+                  <a:txBody>
+                    <a:bodyPr/>
+                    <a:lstStyle/>
+                    <a:p>
+                      <a:pPr algn="ctr"/>
+                      <a:r>
+                        <a:rPr lang="de-DE" sz="6300" dirty="0"/>
+                        <a:t>67</a:t>
+                      </a:r>
+                    </a:p>
+                  </a:txBody>
+                  <a:tcPr marL="71526" marR="71526" marT="35763" marB="35763">
+                    <a:solidFill>
+                      <a:schemeClr val="accent6"/>
+                    </a:solidFill>
+                  </a:tcPr>
+                </a:tc>
+                <a:tc>
+                  <a:txBody>
+                    <a:bodyPr/>
+                    <a:lstStyle/>
+                    <a:p>
+                      <a:pPr algn="ctr"/>
+                      <a:r>
+                        <a:rPr lang="de-DE" sz="6300" dirty="0"/>
+                        <a:t>26</a:t>
+                      </a:r>
+                    </a:p>
+                  </a:txBody>
+                  <a:tcPr marL="71526" marR="71526" marT="35763" marB="35763">
+                    <a:solidFill>
+                      <a:schemeClr val="accent6"/>
+                    </a:solidFill>
+                  </a:tcPr>
+                </a:tc>
+                <a:tc>
+                  <a:txBody>
+                    <a:bodyPr/>
+                    <a:lstStyle/>
+                    <a:p>
+                      <a:pPr algn="ctr"/>
+                      <a:r>
+                        <a:rPr lang="de-DE" sz="6300" dirty="0"/>
+                        <a:t>13</a:t>
+                      </a:r>
+                    </a:p>
+                  </a:txBody>
+                  <a:tcPr marL="71526" marR="71526" marT="35763" marB="35763">
+                    <a:solidFill>
+                      <a:schemeClr val="accent6"/>
+                    </a:solidFill>
+                  </a:tcPr>
+                </a:tc>
+                <a:extLst>
+                  <a:ext uri="{0D108BD9-81ED-4DB2-BD59-A6C34878D82A}">
+                    <a16:rowId xmlns:a16="http://schemas.microsoft.com/office/drawing/2014/main" val="4173439310"/>
+                  </a:ext>
+                </a:extLst>
+              </a:tr>
+              <a:tr h="966611">
+                <a:tc>
+                  <a:txBody>
+                    <a:bodyPr/>
+                    <a:lstStyle/>
+                    <a:p>
+                      <a:pPr algn="ctr"/>
+                      <a:r>
+                        <a:rPr lang="de-DE" sz="6300" dirty="0"/>
+                        <a:t>254</a:t>
+                      </a:r>
+                    </a:p>
+                  </a:txBody>
+                  <a:tcPr marL="71526" marR="71526" marT="35763" marB="35763">
+                    <a:solidFill>
+                      <a:schemeClr val="accent6"/>
+                    </a:solidFill>
+                  </a:tcPr>
+                </a:tc>
+                <a:tc>
+                  <a:txBody>
+                    <a:bodyPr/>
+                    <a:lstStyle/>
+                    <a:p>
+                      <a:pPr algn="ctr"/>
+                      <a:r>
+                        <a:rPr lang="de-DE" sz="6300" dirty="0"/>
+                        <a:t>255</a:t>
+                      </a:r>
+                    </a:p>
+                  </a:txBody>
+                  <a:tcPr marL="71526" marR="71526" marT="35763" marB="35763">
+                    <a:solidFill>
+                      <a:schemeClr val="accent6"/>
+                    </a:solidFill>
+                  </a:tcPr>
+                </a:tc>
+                <a:tc>
+                  <a:txBody>
+                    <a:bodyPr/>
+                    <a:lstStyle/>
+                    <a:p>
+                      <a:pPr algn="ctr"/>
+                      <a:r>
+                        <a:rPr lang="de-DE" sz="6300" dirty="0"/>
+                        <a:t>63</a:t>
+                      </a:r>
+                    </a:p>
+                  </a:txBody>
+                  <a:tcPr marL="71526" marR="71526" marT="35763" marB="35763">
+                    <a:solidFill>
+                      <a:schemeClr val="accent6"/>
+                    </a:solidFill>
+                  </a:tcPr>
+                </a:tc>
+                <a:extLst>
+                  <a:ext uri="{0D108BD9-81ED-4DB2-BD59-A6C34878D82A}">
+                    <a16:rowId xmlns:a16="http://schemas.microsoft.com/office/drawing/2014/main" val="458106486"/>
+                  </a:ext>
+                </a:extLst>
+              </a:tr>
+              <a:tr h="966611">
+                <a:tc>
+                  <a:txBody>
+                    <a:bodyPr/>
+                    <a:lstStyle/>
+                    <a:p>
+                      <a:pPr algn="ctr"/>
+                      <a:r>
+                        <a:rPr lang="de-DE" sz="6300" dirty="0"/>
+                        <a:t>43</a:t>
+                      </a:r>
+                    </a:p>
+                  </a:txBody>
+                  <a:tcPr marL="71526" marR="71526" marT="35763" marB="35763">
+                    <a:solidFill>
+                      <a:schemeClr val="accent6"/>
+                    </a:solidFill>
+                  </a:tcPr>
+                </a:tc>
+                <a:tc>
+                  <a:txBody>
+                    <a:bodyPr/>
+                    <a:lstStyle/>
+                    <a:p>
+                      <a:pPr algn="ctr"/>
+                      <a:r>
+                        <a:rPr lang="de-DE" sz="6300" dirty="0"/>
+                        <a:t>75</a:t>
+                      </a:r>
+                    </a:p>
+                  </a:txBody>
+                  <a:tcPr marL="71526" marR="71526" marT="35763" marB="35763">
+                    <a:solidFill>
+                      <a:schemeClr val="accent6"/>
+                    </a:solidFill>
+                  </a:tcPr>
+                </a:tc>
+                <a:tc>
+                  <a:txBody>
+                    <a:bodyPr/>
+                    <a:lstStyle/>
+                    <a:p>
+                      <a:pPr algn="ctr"/>
+                      <a:r>
+                        <a:rPr lang="de-DE" sz="6300" dirty="0"/>
+                        <a:t>66</a:t>
+                      </a:r>
+                    </a:p>
+                  </a:txBody>
+                  <a:tcPr marL="71526" marR="71526" marT="35763" marB="35763">
+                    <a:solidFill>
+                      <a:schemeClr val="accent6"/>
+                    </a:solidFill>
+                  </a:tcPr>
+                </a:tc>
+                <a:extLst>
+                  <a:ext uri="{0D108BD9-81ED-4DB2-BD59-A6C34878D82A}">
+                    <a16:rowId xmlns:a16="http://schemas.microsoft.com/office/drawing/2014/main" val="2913790145"/>
+                  </a:ext>
+                </a:extLst>
+              </a:tr>
+            </a:tbl>
+          </a:graphicData>
+        </a:graphic>
+      </p:graphicFrame>
+      <p:graphicFrame>
+        <p:nvGraphicFramePr>
+          <p:cNvPr id="5" name="Tabelle 4">
+            <a:extLst>
+              <a:ext uri="{FF2B5EF4-FFF2-40B4-BE49-F238E27FC236}">
+                <a16:creationId xmlns:a16="http://schemas.microsoft.com/office/drawing/2014/main" id="{3269E51C-0101-9778-A825-5BC006D15B42}"/>
+              </a:ext>
+            </a:extLst>
+          </p:cNvPr>
+          <p:cNvGraphicFramePr>
+            <a:graphicFrameLocks noGrp="1"/>
+          </p:cNvGraphicFramePr>
+          <p:nvPr>
+            <p:extLst>
+              <p:ext uri="{D42A27DB-BD31-4B8C-83A1-F6EECF244321}">
+                <p14:modId xmlns:p14="http://schemas.microsoft.com/office/powerpoint/2010/main" val="2892022335"/>
+              </p:ext>
+            </p:extLst>
+          </p:nvPr>
+        </p:nvGraphicFramePr>
+        <p:xfrm>
+          <a:off x="2406652" y="2521893"/>
+          <a:ext cx="4305300" cy="3094938"/>
+        </p:xfrm>
+        <a:graphic>
+          <a:graphicData uri="http://schemas.openxmlformats.org/drawingml/2006/table">
+            <a:tbl>
+              <a:tblPr bandRow="1">
+                <a:tableStyleId>{5940675A-B579-460E-94D1-54222C63F5DA}</a:tableStyleId>
+              </a:tblPr>
+              <a:tblGrid>
+                <a:gridCol w="1435100">
+                  <a:extLst>
+                    <a:ext uri="{9D8B030D-6E8A-4147-A177-3AD203B41FA5}">
+                      <a16:colId xmlns:a16="http://schemas.microsoft.com/office/drawing/2014/main" val="2023926192"/>
+                    </a:ext>
+                  </a:extLst>
+                </a:gridCol>
+                <a:gridCol w="1435100">
+                  <a:extLst>
+                    <a:ext uri="{9D8B030D-6E8A-4147-A177-3AD203B41FA5}">
+                      <a16:colId xmlns:a16="http://schemas.microsoft.com/office/drawing/2014/main" val="3435294500"/>
+                    </a:ext>
+                  </a:extLst>
+                </a:gridCol>
+                <a:gridCol w="1435100">
+                  <a:extLst>
+                    <a:ext uri="{9D8B030D-6E8A-4147-A177-3AD203B41FA5}">
+                      <a16:colId xmlns:a16="http://schemas.microsoft.com/office/drawing/2014/main" val="1133841169"/>
+                    </a:ext>
+                  </a:extLst>
+                </a:gridCol>
+              </a:tblGrid>
+              <a:tr h="966611">
+                <a:tc>
+                  <a:txBody>
+                    <a:bodyPr/>
+                    <a:lstStyle/>
+                    <a:p>
+                      <a:pPr algn="ctr"/>
+                      <a:r>
+                        <a:rPr lang="de-DE" sz="6300" dirty="0"/>
+                        <a:t>1</a:t>
+                      </a:r>
+                    </a:p>
+                  </a:txBody>
+                  <a:tcPr marL="71526" marR="71526" marT="35763" marB="35763">
+                    <a:solidFill>
+                      <a:srgbClr val="FF0000"/>
+                    </a:solidFill>
+                  </a:tcPr>
+                </a:tc>
+                <a:tc>
+                  <a:txBody>
+                    <a:bodyPr/>
+                    <a:lstStyle/>
+                    <a:p>
+                      <a:pPr algn="ctr"/>
+                      <a:r>
+                        <a:rPr lang="de-DE" sz="6300" dirty="0"/>
+                        <a:t>34</a:t>
+                      </a:r>
+                    </a:p>
+                  </a:txBody>
+                  <a:tcPr marL="71526" marR="71526" marT="35763" marB="35763">
+                    <a:solidFill>
+                      <a:srgbClr val="FF0000"/>
+                    </a:solidFill>
+                  </a:tcPr>
+                </a:tc>
+                <a:tc>
+                  <a:txBody>
+                    <a:bodyPr/>
+                    <a:lstStyle/>
+                    <a:p>
+                      <a:pPr algn="ctr"/>
+                      <a:r>
+                        <a:rPr lang="de-DE" sz="6300" dirty="0"/>
+                        <a:t>8</a:t>
+                      </a:r>
+                    </a:p>
+                  </a:txBody>
+                  <a:tcPr marL="71526" marR="71526" marT="35763" marB="35763">
+                    <a:solidFill>
+                      <a:srgbClr val="FF0000"/>
+                    </a:solidFill>
+                  </a:tcPr>
+                </a:tc>
+                <a:extLst>
+                  <a:ext uri="{0D108BD9-81ED-4DB2-BD59-A6C34878D82A}">
+                    <a16:rowId xmlns:a16="http://schemas.microsoft.com/office/drawing/2014/main" val="1001533987"/>
+                  </a:ext>
+                </a:extLst>
+              </a:tr>
+              <a:tr h="966611">
+                <a:tc>
+                  <a:txBody>
+                    <a:bodyPr/>
+                    <a:lstStyle/>
+                    <a:p>
+                      <a:pPr algn="ctr"/>
+                      <a:r>
+                        <a:rPr lang="de-DE" sz="6300" dirty="0"/>
+                        <a:t>254</a:t>
+                      </a:r>
+                    </a:p>
+                  </a:txBody>
+                  <a:tcPr marL="71526" marR="71526" marT="35763" marB="35763">
+                    <a:solidFill>
+                      <a:srgbClr val="FF0000"/>
+                    </a:solidFill>
+                  </a:tcPr>
+                </a:tc>
+                <a:tc>
+                  <a:txBody>
+                    <a:bodyPr/>
+                    <a:lstStyle/>
+                    <a:p>
+                      <a:pPr algn="ctr"/>
+                      <a:r>
+                        <a:rPr lang="de-DE" sz="6300" dirty="0"/>
+                        <a:t>255</a:t>
+                      </a:r>
+                    </a:p>
+                  </a:txBody>
+                  <a:tcPr marL="71526" marR="71526" marT="35763" marB="35763">
+                    <a:solidFill>
+                      <a:srgbClr val="FF0000"/>
+                    </a:solidFill>
+                  </a:tcPr>
+                </a:tc>
+                <a:tc>
+                  <a:txBody>
+                    <a:bodyPr/>
+                    <a:lstStyle/>
+                    <a:p>
+                      <a:pPr algn="ctr"/>
+                      <a:r>
+                        <a:rPr lang="de-DE" sz="6300" dirty="0"/>
+                        <a:t>6</a:t>
+                      </a:r>
+                    </a:p>
+                  </a:txBody>
+                  <a:tcPr marL="71526" marR="71526" marT="35763" marB="35763">
+                    <a:solidFill>
+                      <a:srgbClr val="FF0000"/>
+                    </a:solidFill>
+                  </a:tcPr>
+                </a:tc>
+                <a:extLst>
+                  <a:ext uri="{0D108BD9-81ED-4DB2-BD59-A6C34878D82A}">
+                    <a16:rowId xmlns:a16="http://schemas.microsoft.com/office/drawing/2014/main" val="4233893801"/>
+                  </a:ext>
+                </a:extLst>
+              </a:tr>
+              <a:tr h="966611">
+                <a:tc>
+                  <a:txBody>
+                    <a:bodyPr/>
+                    <a:lstStyle/>
+                    <a:p>
+                      <a:pPr algn="ctr"/>
+                      <a:r>
+                        <a:rPr lang="de-DE" sz="6300" dirty="0"/>
+                        <a:t>43</a:t>
+                      </a:r>
+                    </a:p>
+                  </a:txBody>
+                  <a:tcPr marL="71526" marR="71526" marT="35763" marB="35763">
+                    <a:solidFill>
+                      <a:srgbClr val="FF0000"/>
+                    </a:solidFill>
+                  </a:tcPr>
+                </a:tc>
+                <a:tc>
+                  <a:txBody>
+                    <a:bodyPr/>
+                    <a:lstStyle/>
+                    <a:p>
+                      <a:pPr algn="ctr"/>
+                      <a:r>
+                        <a:rPr lang="de-DE" sz="6300" dirty="0"/>
+                        <a:t>75</a:t>
+                      </a:r>
+                    </a:p>
+                  </a:txBody>
+                  <a:tcPr marL="71526" marR="71526" marT="35763" marB="35763">
+                    <a:solidFill>
+                      <a:srgbClr val="FF0000"/>
+                    </a:solidFill>
+                  </a:tcPr>
+                </a:tc>
+                <a:tc>
+                  <a:txBody>
+                    <a:bodyPr/>
+                    <a:lstStyle/>
+                    <a:p>
+                      <a:pPr algn="ctr"/>
+                      <a:r>
+                        <a:rPr lang="de-DE" sz="6300" dirty="0"/>
+                        <a:t>88</a:t>
+                      </a:r>
+                    </a:p>
+                  </a:txBody>
+                  <a:tcPr marL="71526" marR="71526" marT="35763" marB="35763">
+                    <a:solidFill>
+                      <a:srgbClr val="FF0000"/>
+                    </a:solidFill>
+                  </a:tcPr>
+                </a:tc>
+                <a:extLst>
+                  <a:ext uri="{0D108BD9-81ED-4DB2-BD59-A6C34878D82A}">
+                    <a16:rowId xmlns:a16="http://schemas.microsoft.com/office/drawing/2014/main" val="3478116178"/>
+                  </a:ext>
+                </a:extLst>
+              </a:tr>
+            </a:tbl>
+          </a:graphicData>
+        </a:graphic>
+      </p:graphicFrame>
+    </p:spTree>
+    <p:extLst>
+      <p:ext uri="{BB962C8B-B14F-4D97-AF65-F5344CB8AC3E}">
+        <p14:creationId xmlns:p14="http://schemas.microsoft.com/office/powerpoint/2010/main" val="2599868498"/>
+      </p:ext>
+    </p:extLst>
+  </p:cSld>
+  <p:clrMapOvr>
+    <a:masterClrMapping/>
+  </p:clrMapOvr>
+</p:sld>
+</file>
+
+<file path=ppt/slides/slide12.xml><?xml version="1.0" encoding="utf-8"?>
 <p:sld xmlns:a="http://schemas.openxmlformats.org/drawingml/2006/main" xmlns:r="http://schemas.openxmlformats.org/officeDocument/2006/relationships" xmlns:p="http://schemas.openxmlformats.org/presentationml/2006/main" show="0">
   <p:cSld>
     <p:spTree>
@@ -4150,7 +6163,7 @@
 </p:sld>
 </file>
 
-<file path=ppt/slides/slide11.xml><?xml version="1.0" encoding="utf-8"?>
+<file path=ppt/slides/slide13.xml><?xml version="1.0" encoding="utf-8"?>
 <p:sld xmlns:a="http://schemas.openxmlformats.org/drawingml/2006/main" xmlns:r="http://schemas.openxmlformats.org/officeDocument/2006/relationships" xmlns:p="http://schemas.openxmlformats.org/presentationml/2006/main" show="0">
   <p:cSld>
     <p:spTree>
@@ -4464,7 +6477,7 @@
 </p:sld>
 </file>
 
-<file path=ppt/slides/slide12.xml><?xml version="1.0" encoding="utf-8"?>
+<file path=ppt/slides/slide14.xml><?xml version="1.0" encoding="utf-8"?>
 <p:sld xmlns:a="http://schemas.openxmlformats.org/drawingml/2006/main" xmlns:r="http://schemas.openxmlformats.org/officeDocument/2006/relationships" xmlns:p="http://schemas.openxmlformats.org/presentationml/2006/main" show="0">
   <p:cSld>
     <p:spTree>
@@ -4847,10 +6860,10 @@
       </p:grpSpPr>
       <p:sp>
         <p:nvSpPr>
-          <p:cNvPr id="2" name="Titel 1">
-            <a:extLst>
-              <a:ext uri="{FF2B5EF4-FFF2-40B4-BE49-F238E27FC236}">
-                <a16:creationId xmlns:a16="http://schemas.microsoft.com/office/drawing/2014/main" id="{21673AD4-C0ED-3026-A481-4BFBA6955A63}"/>
+          <p:cNvPr id="4" name="Footer Placeholder 3">
+            <a:extLst>
+              <a:ext uri="{FF2B5EF4-FFF2-40B4-BE49-F238E27FC236}">
+                <a16:creationId xmlns:a16="http://schemas.microsoft.com/office/drawing/2014/main" id="{898A889A-0494-48B1-A6C6-B2834F51C151}"/>
               </a:ext>
             </a:extLst>
           </p:cNvPr>
@@ -4858,7 +6871,7 @@
             <a:spLocks noGrp="1"/>
           </p:cNvSpPr>
           <p:nvPr>
-            <p:ph type="title"/>
+            <p:ph type="ftr" sz="quarter" idx="11"/>
           </p:nvPr>
         </p:nvSpPr>
         <p:spPr/>
@@ -4866,16 +6879,19 @@
           <a:bodyPr/>
           <a:lstStyle/>
           <a:p>
-            <a:endParaRPr lang="de-DE"/>
-          </a:p>
-        </p:txBody>
-      </p:sp>
-      <p:sp>
-        <p:nvSpPr>
-          <p:cNvPr id="3" name="Inhaltsplatzhalter 2">
-            <a:extLst>
-              <a:ext uri="{FF2B5EF4-FFF2-40B4-BE49-F238E27FC236}">
-                <a16:creationId xmlns:a16="http://schemas.microsoft.com/office/drawing/2014/main" id="{E8EAB74D-16A4-1261-7979-CE65FDB56391}"/>
+            <a:r>
+              <a:rPr lang="de-DE" dirty="0"/>
+              <a:t>Nick Schreiber</a:t>
+            </a:r>
+          </a:p>
+        </p:txBody>
+      </p:sp>
+      <p:sp>
+        <p:nvSpPr>
+          <p:cNvPr id="5" name="Slide Number Placeholder 4">
+            <a:extLst>
+              <a:ext uri="{FF2B5EF4-FFF2-40B4-BE49-F238E27FC236}">
+                <a16:creationId xmlns:a16="http://schemas.microsoft.com/office/drawing/2014/main" id="{58800E52-8559-34A1-87B2-065652ACA334}"/>
               </a:ext>
             </a:extLst>
           </p:cNvPr>
@@ -4883,7 +6899,7 @@
             <a:spLocks noGrp="1"/>
           </p:cNvSpPr>
           <p:nvPr>
-            <p:ph idx="1"/>
+            <p:ph type="sldNum" sz="quarter" idx="12"/>
           </p:nvPr>
         </p:nvSpPr>
         <p:spPr/>
@@ -4891,9 +6907,264 @@
           <a:bodyPr/>
           <a:lstStyle/>
           <a:p>
+            <a:fld id="{629E1D32-139B-4C55-A3C3-B5F4791988C6}" type="slidenum">
+              <a:rPr lang="de-DE" smtClean="0"/>
+              <a:pPr/>
+              <a:t>2</a:t>
+            </a:fld>
+            <a:endParaRPr lang="de-DE" dirty="0"/>
+          </a:p>
+        </p:txBody>
+      </p:sp>
+      <p:sp>
+        <p:nvSpPr>
+          <p:cNvPr id="6" name="Textfeld 5">
+            <a:extLst>
+              <a:ext uri="{FF2B5EF4-FFF2-40B4-BE49-F238E27FC236}">
+                <a16:creationId xmlns:a16="http://schemas.microsoft.com/office/drawing/2014/main" id="{FADE83BF-E7DF-878D-B808-A84A4EFF15B4}"/>
+              </a:ext>
+            </a:extLst>
+          </p:cNvPr>
+          <p:cNvSpPr txBox="1"/>
+          <p:nvPr/>
+        </p:nvSpPr>
+        <p:spPr>
+          <a:xfrm>
+            <a:off x="720000" y="144379"/>
+            <a:ext cx="8664632" cy="923330"/>
+          </a:xfrm>
+          <a:prstGeom prst="rect">
+            <a:avLst/>
+          </a:prstGeom>
+          <a:noFill/>
+        </p:spPr>
+        <p:txBody>
+          <a:bodyPr wrap="square" rtlCol="0">
+            <a:spAutoFit/>
+          </a:bodyPr>
+          <a:lstStyle/>
+          <a:p>
+            <a:r>
+              <a:rPr lang="de-DE" sz="5400" dirty="0"/>
+              <a:t>Ziele der Arbeit</a:t>
+            </a:r>
+          </a:p>
+        </p:txBody>
+      </p:sp>
+      <p:sp>
+        <p:nvSpPr>
+          <p:cNvPr id="9" name="Textplatzhalter 5">
+            <a:extLst>
+              <a:ext uri="{FF2B5EF4-FFF2-40B4-BE49-F238E27FC236}">
+                <a16:creationId xmlns:a16="http://schemas.microsoft.com/office/drawing/2014/main" id="{CF5413E0-1CD0-80C3-6912-246522BAC478}"/>
+              </a:ext>
+            </a:extLst>
+          </p:cNvPr>
+          <p:cNvSpPr txBox="1">
+            <a:spLocks/>
+          </p:cNvSpPr>
+          <p:nvPr/>
+        </p:nvSpPr>
+        <p:spPr>
+          <a:xfrm>
+            <a:off x="720000" y="1584000"/>
+            <a:ext cx="10753200" cy="4410000"/>
+          </a:xfrm>
+          <a:prstGeom prst="rect">
+            <a:avLst/>
+          </a:prstGeom>
+        </p:spPr>
+        <p:txBody>
+          <a:bodyPr/>
+          <a:lstStyle>
+            <a:lvl1pPr marL="228600" indent="-228600" algn="l" defTabSz="914400" rtl="0" eaLnBrk="1" latinLnBrk="0" hangingPunct="1">
+              <a:lnSpc>
+                <a:spcPct val="90000"/>
+              </a:lnSpc>
+              <a:spcBef>
+                <a:spcPts val="1000"/>
+              </a:spcBef>
+              <a:buFont typeface="Arial" panose="020B0604020202020204" pitchFamily="34" charset="0"/>
+              <a:buChar char="•"/>
+              <a:defRPr sz="2800" kern="1200">
+                <a:solidFill>
+                  <a:schemeClr val="tx1"/>
+                </a:solidFill>
+                <a:latin typeface="+mn-lt"/>
+                <a:ea typeface="+mn-ea"/>
+                <a:cs typeface="+mn-cs"/>
+              </a:defRPr>
+            </a:lvl1pPr>
+            <a:lvl2pPr marL="685800" indent="-228600" algn="l" defTabSz="914400" rtl="0" eaLnBrk="1" latinLnBrk="0" hangingPunct="1">
+              <a:lnSpc>
+                <a:spcPct val="90000"/>
+              </a:lnSpc>
+              <a:spcBef>
+                <a:spcPts val="500"/>
+              </a:spcBef>
+              <a:buFont typeface="Arial" panose="020B0604020202020204" pitchFamily="34" charset="0"/>
+              <a:buChar char="•"/>
+              <a:defRPr sz="2400" kern="1200">
+                <a:solidFill>
+                  <a:schemeClr val="tx1"/>
+                </a:solidFill>
+                <a:latin typeface="+mn-lt"/>
+                <a:ea typeface="+mn-ea"/>
+                <a:cs typeface="+mn-cs"/>
+              </a:defRPr>
+            </a:lvl2pPr>
+            <a:lvl3pPr marL="1143000" indent="-228600" algn="l" defTabSz="914400" rtl="0" eaLnBrk="1" latinLnBrk="0" hangingPunct="1">
+              <a:lnSpc>
+                <a:spcPct val="90000"/>
+              </a:lnSpc>
+              <a:spcBef>
+                <a:spcPts val="500"/>
+              </a:spcBef>
+              <a:buFont typeface="Arial" panose="020B0604020202020204" pitchFamily="34" charset="0"/>
+              <a:buChar char="•"/>
+              <a:defRPr sz="2000" kern="1200">
+                <a:solidFill>
+                  <a:schemeClr val="tx1"/>
+                </a:solidFill>
+                <a:latin typeface="+mn-lt"/>
+                <a:ea typeface="+mn-ea"/>
+                <a:cs typeface="+mn-cs"/>
+              </a:defRPr>
+            </a:lvl3pPr>
+            <a:lvl4pPr marL="1600200" indent="-228600" algn="l" defTabSz="914400" rtl="0" eaLnBrk="1" latinLnBrk="0" hangingPunct="1">
+              <a:lnSpc>
+                <a:spcPct val="90000"/>
+              </a:lnSpc>
+              <a:spcBef>
+                <a:spcPts val="500"/>
+              </a:spcBef>
+              <a:buFont typeface="Arial" panose="020B0604020202020204" pitchFamily="34" charset="0"/>
+              <a:buChar char="•"/>
+              <a:defRPr sz="1800" kern="1200">
+                <a:solidFill>
+                  <a:schemeClr val="tx1"/>
+                </a:solidFill>
+                <a:latin typeface="+mn-lt"/>
+                <a:ea typeface="+mn-ea"/>
+                <a:cs typeface="+mn-cs"/>
+              </a:defRPr>
+            </a:lvl4pPr>
+            <a:lvl5pPr marL="2057400" indent="-228600" algn="l" defTabSz="914400" rtl="0" eaLnBrk="1" latinLnBrk="0" hangingPunct="1">
+              <a:lnSpc>
+                <a:spcPct val="90000"/>
+              </a:lnSpc>
+              <a:spcBef>
+                <a:spcPts val="500"/>
+              </a:spcBef>
+              <a:buFont typeface="Arial" panose="020B0604020202020204" pitchFamily="34" charset="0"/>
+              <a:buChar char="•"/>
+              <a:defRPr sz="1800" kern="1200">
+                <a:solidFill>
+                  <a:schemeClr val="tx1"/>
+                </a:solidFill>
+                <a:latin typeface="+mn-lt"/>
+                <a:ea typeface="+mn-ea"/>
+                <a:cs typeface="+mn-cs"/>
+              </a:defRPr>
+            </a:lvl5pPr>
+            <a:lvl6pPr marL="2514600" indent="-228600" algn="l" defTabSz="914400" rtl="0" eaLnBrk="1" latinLnBrk="0" hangingPunct="1">
+              <a:lnSpc>
+                <a:spcPct val="90000"/>
+              </a:lnSpc>
+              <a:spcBef>
+                <a:spcPts val="500"/>
+              </a:spcBef>
+              <a:buFont typeface="Arial" panose="020B0604020202020204" pitchFamily="34" charset="0"/>
+              <a:buChar char="•"/>
+              <a:defRPr sz="1800" kern="1200">
+                <a:solidFill>
+                  <a:schemeClr val="tx1"/>
+                </a:solidFill>
+                <a:latin typeface="+mn-lt"/>
+                <a:ea typeface="+mn-ea"/>
+                <a:cs typeface="+mn-cs"/>
+              </a:defRPr>
+            </a:lvl6pPr>
+            <a:lvl7pPr marL="2971800" indent="-228600" algn="l" defTabSz="914400" rtl="0" eaLnBrk="1" latinLnBrk="0" hangingPunct="1">
+              <a:lnSpc>
+                <a:spcPct val="90000"/>
+              </a:lnSpc>
+              <a:spcBef>
+                <a:spcPts val="500"/>
+              </a:spcBef>
+              <a:buFont typeface="Arial" panose="020B0604020202020204" pitchFamily="34" charset="0"/>
+              <a:buChar char="•"/>
+              <a:defRPr sz="1800" kern="1200">
+                <a:solidFill>
+                  <a:schemeClr val="tx1"/>
+                </a:solidFill>
+                <a:latin typeface="+mn-lt"/>
+                <a:ea typeface="+mn-ea"/>
+                <a:cs typeface="+mn-cs"/>
+              </a:defRPr>
+            </a:lvl7pPr>
+            <a:lvl8pPr marL="3429000" indent="-228600" algn="l" defTabSz="914400" rtl="0" eaLnBrk="1" latinLnBrk="0" hangingPunct="1">
+              <a:lnSpc>
+                <a:spcPct val="90000"/>
+              </a:lnSpc>
+              <a:spcBef>
+                <a:spcPts val="500"/>
+              </a:spcBef>
+              <a:buFont typeface="Arial" panose="020B0604020202020204" pitchFamily="34" charset="0"/>
+              <a:buChar char="•"/>
+              <a:defRPr sz="1800" kern="1200">
+                <a:solidFill>
+                  <a:schemeClr val="tx1"/>
+                </a:solidFill>
+                <a:latin typeface="+mn-lt"/>
+                <a:ea typeface="+mn-ea"/>
+                <a:cs typeface="+mn-cs"/>
+              </a:defRPr>
+            </a:lvl8pPr>
+            <a:lvl9pPr marL="3886200" indent="-228600" algn="l" defTabSz="914400" rtl="0" eaLnBrk="1" latinLnBrk="0" hangingPunct="1">
+              <a:lnSpc>
+                <a:spcPct val="90000"/>
+              </a:lnSpc>
+              <a:spcBef>
+                <a:spcPts val="500"/>
+              </a:spcBef>
+              <a:buFont typeface="Arial" panose="020B0604020202020204" pitchFamily="34" charset="0"/>
+              <a:buChar char="•"/>
+              <a:defRPr sz="1800" kern="1200">
+                <a:solidFill>
+                  <a:schemeClr val="tx1"/>
+                </a:solidFill>
+                <a:latin typeface="+mn-lt"/>
+                <a:ea typeface="+mn-ea"/>
+                <a:cs typeface="+mn-cs"/>
+              </a:defRPr>
+            </a:lvl9pPr>
+          </a:lstStyle>
+          <a:p>
             <a:r>
               <a:rPr lang="de-DE" dirty="0"/>
-              <a:t>Wieso ist Datenkompression wichtig?</a:t>
+              <a:t>Wieso sind einige Datenkompressionsverfahren für </a:t>
+            </a:r>
+            <a:r>
+              <a:rPr lang="de-DE" b="1" dirty="0"/>
+              <a:t>Bilddaten</a:t>
+            </a:r>
+            <a:r>
+              <a:rPr lang="de-DE" dirty="0"/>
+              <a:t> gut geeignet und andere nicht?</a:t>
+            </a:r>
+          </a:p>
+          <a:p>
+            <a:r>
+              <a:rPr lang="de-DE" dirty="0"/>
+              <a:t>Versuch: </a:t>
+            </a:r>
+            <a:br>
+              <a:rPr lang="de-DE" dirty="0"/>
+            </a:br>
+            <a:r>
+              <a:rPr lang="de-DE" dirty="0"/>
+              <a:t>Implementierung verschiedener Kompressionsverfahren Vergleich mit verschiedenen Bildern</a:t>
             </a:r>
           </a:p>
         </p:txBody>
@@ -4901,7 +7172,7 @@
     </p:spTree>
     <p:extLst>
       <p:ext uri="{BB962C8B-B14F-4D97-AF65-F5344CB8AC3E}">
-        <p14:creationId xmlns:p14="http://schemas.microsoft.com/office/powerpoint/2010/main" val="519134336"/>
+        <p14:creationId xmlns:p14="http://schemas.microsoft.com/office/powerpoint/2010/main" val="1667945402"/>
       </p:ext>
     </p:extLst>
   </p:cSld>
@@ -4930,10 +7201,10 @@
       </p:grpSpPr>
       <p:sp>
         <p:nvSpPr>
-          <p:cNvPr id="2" name="Titel 1">
-            <a:extLst>
-              <a:ext uri="{FF2B5EF4-FFF2-40B4-BE49-F238E27FC236}">
-                <a16:creationId xmlns:a16="http://schemas.microsoft.com/office/drawing/2014/main" id="{1C51FAC4-B0DE-D17E-46A9-4DA21F018465}"/>
+          <p:cNvPr id="4" name="Footer Placeholder 3">
+            <a:extLst>
+              <a:ext uri="{FF2B5EF4-FFF2-40B4-BE49-F238E27FC236}">
+                <a16:creationId xmlns:a16="http://schemas.microsoft.com/office/drawing/2014/main" id="{898A889A-0494-48B1-A6C6-B2834F51C151}"/>
               </a:ext>
             </a:extLst>
           </p:cNvPr>
@@ -4941,7 +7212,7 @@
             <a:spLocks noGrp="1"/>
           </p:cNvSpPr>
           <p:nvPr>
-            <p:ph type="title"/>
+            <p:ph type="ftr" sz="quarter" idx="11"/>
           </p:nvPr>
         </p:nvSpPr>
         <p:spPr/>
@@ -4949,20 +7220,19 @@
           <a:bodyPr/>
           <a:lstStyle/>
           <a:p>
-            <a:pPr algn="ctr"/>
             <a:r>
               <a:rPr lang="de-DE" dirty="0"/>
-              <a:t>Ziele der Arbeit</a:t>
-            </a:r>
-          </a:p>
-        </p:txBody>
-      </p:sp>
-      <p:sp>
-        <p:nvSpPr>
-          <p:cNvPr id="3" name="Inhaltsplatzhalter 2">
-            <a:extLst>
-              <a:ext uri="{FF2B5EF4-FFF2-40B4-BE49-F238E27FC236}">
-                <a16:creationId xmlns:a16="http://schemas.microsoft.com/office/drawing/2014/main" id="{E6113F60-11E5-8722-B6FA-183D44C54845}"/>
+              <a:t>Nick Schreiber</a:t>
+            </a:r>
+          </a:p>
+        </p:txBody>
+      </p:sp>
+      <p:sp>
+        <p:nvSpPr>
+          <p:cNvPr id="5" name="Slide Number Placeholder 4">
+            <a:extLst>
+              <a:ext uri="{FF2B5EF4-FFF2-40B4-BE49-F238E27FC236}">
+                <a16:creationId xmlns:a16="http://schemas.microsoft.com/office/drawing/2014/main" id="{58800E52-8559-34A1-87B2-065652ACA334}"/>
               </a:ext>
             </a:extLst>
           </p:cNvPr>
@@ -4970,7 +7240,7 @@
             <a:spLocks noGrp="1"/>
           </p:cNvSpPr>
           <p:nvPr>
-            <p:ph idx="1"/>
+            <p:ph type="sldNum" sz="quarter" idx="12"/>
           </p:nvPr>
         </p:nvSpPr>
         <p:spPr/>
@@ -4978,34 +7248,287 @@
           <a:bodyPr/>
           <a:lstStyle/>
           <a:p>
+            <a:fld id="{629E1D32-139B-4C55-A3C3-B5F4791988C6}" type="slidenum">
+              <a:rPr lang="de-DE" smtClean="0"/>
+              <a:pPr/>
+              <a:t>3</a:t>
+            </a:fld>
+            <a:endParaRPr lang="de-DE" dirty="0"/>
+          </a:p>
+        </p:txBody>
+      </p:sp>
+      <p:sp>
+        <p:nvSpPr>
+          <p:cNvPr id="6" name="Textfeld 5">
+            <a:extLst>
+              <a:ext uri="{FF2B5EF4-FFF2-40B4-BE49-F238E27FC236}">
+                <a16:creationId xmlns:a16="http://schemas.microsoft.com/office/drawing/2014/main" id="{FADE83BF-E7DF-878D-B808-A84A4EFF15B4}"/>
+              </a:ext>
+            </a:extLst>
+          </p:cNvPr>
+          <p:cNvSpPr txBox="1"/>
+          <p:nvPr/>
+        </p:nvSpPr>
+        <p:spPr>
+          <a:xfrm>
+            <a:off x="720000" y="144379"/>
+            <a:ext cx="8664632" cy="923330"/>
+          </a:xfrm>
+          <a:prstGeom prst="rect">
+            <a:avLst/>
+          </a:prstGeom>
+          <a:noFill/>
+        </p:spPr>
+        <p:txBody>
+          <a:bodyPr wrap="square" rtlCol="0">
+            <a:spAutoFit/>
+          </a:bodyPr>
+          <a:lstStyle/>
+          <a:p>
+            <a:r>
+              <a:rPr lang="de-DE" sz="5400" dirty="0"/>
+              <a:t>Gliederung</a:t>
+            </a:r>
+          </a:p>
+        </p:txBody>
+      </p:sp>
+      <p:sp>
+        <p:nvSpPr>
+          <p:cNvPr id="9" name="Textplatzhalter 5">
+            <a:extLst>
+              <a:ext uri="{FF2B5EF4-FFF2-40B4-BE49-F238E27FC236}">
+                <a16:creationId xmlns:a16="http://schemas.microsoft.com/office/drawing/2014/main" id="{CF5413E0-1CD0-80C3-6912-246522BAC478}"/>
+              </a:ext>
+            </a:extLst>
+          </p:cNvPr>
+          <p:cNvSpPr txBox="1">
+            <a:spLocks/>
+          </p:cNvSpPr>
+          <p:nvPr/>
+        </p:nvSpPr>
+        <p:spPr>
+          <a:xfrm>
+            <a:off x="720000" y="1584000"/>
+            <a:ext cx="10753200" cy="4410000"/>
+          </a:xfrm>
+          <a:prstGeom prst="rect">
+            <a:avLst/>
+          </a:prstGeom>
+        </p:spPr>
+        <p:txBody>
+          <a:bodyPr/>
+          <a:lstStyle>
+            <a:lvl1pPr marL="228600" indent="-228600" algn="l" defTabSz="914400" rtl="0" eaLnBrk="1" latinLnBrk="0" hangingPunct="1">
+              <a:lnSpc>
+                <a:spcPct val="90000"/>
+              </a:lnSpc>
+              <a:spcBef>
+                <a:spcPts val="1000"/>
+              </a:spcBef>
+              <a:buFont typeface="Arial" panose="020B0604020202020204" pitchFamily="34" charset="0"/>
+              <a:buChar char="•"/>
+              <a:defRPr sz="2800" kern="1200">
+                <a:solidFill>
+                  <a:schemeClr val="tx1"/>
+                </a:solidFill>
+                <a:latin typeface="+mn-lt"/>
+                <a:ea typeface="+mn-ea"/>
+                <a:cs typeface="+mn-cs"/>
+              </a:defRPr>
+            </a:lvl1pPr>
+            <a:lvl2pPr marL="685800" indent="-228600" algn="l" defTabSz="914400" rtl="0" eaLnBrk="1" latinLnBrk="0" hangingPunct="1">
+              <a:lnSpc>
+                <a:spcPct val="90000"/>
+              </a:lnSpc>
+              <a:spcBef>
+                <a:spcPts val="500"/>
+              </a:spcBef>
+              <a:buFont typeface="Arial" panose="020B0604020202020204" pitchFamily="34" charset="0"/>
+              <a:buChar char="•"/>
+              <a:defRPr sz="2400" kern="1200">
+                <a:solidFill>
+                  <a:schemeClr val="tx1"/>
+                </a:solidFill>
+                <a:latin typeface="+mn-lt"/>
+                <a:ea typeface="+mn-ea"/>
+                <a:cs typeface="+mn-cs"/>
+              </a:defRPr>
+            </a:lvl2pPr>
+            <a:lvl3pPr marL="1143000" indent="-228600" algn="l" defTabSz="914400" rtl="0" eaLnBrk="1" latinLnBrk="0" hangingPunct="1">
+              <a:lnSpc>
+                <a:spcPct val="90000"/>
+              </a:lnSpc>
+              <a:spcBef>
+                <a:spcPts val="500"/>
+              </a:spcBef>
+              <a:buFont typeface="Arial" panose="020B0604020202020204" pitchFamily="34" charset="0"/>
+              <a:buChar char="•"/>
+              <a:defRPr sz="2000" kern="1200">
+                <a:solidFill>
+                  <a:schemeClr val="tx1"/>
+                </a:solidFill>
+                <a:latin typeface="+mn-lt"/>
+                <a:ea typeface="+mn-ea"/>
+                <a:cs typeface="+mn-cs"/>
+              </a:defRPr>
+            </a:lvl3pPr>
+            <a:lvl4pPr marL="1600200" indent="-228600" algn="l" defTabSz="914400" rtl="0" eaLnBrk="1" latinLnBrk="0" hangingPunct="1">
+              <a:lnSpc>
+                <a:spcPct val="90000"/>
+              </a:lnSpc>
+              <a:spcBef>
+                <a:spcPts val="500"/>
+              </a:spcBef>
+              <a:buFont typeface="Arial" panose="020B0604020202020204" pitchFamily="34" charset="0"/>
+              <a:buChar char="•"/>
+              <a:defRPr sz="1800" kern="1200">
+                <a:solidFill>
+                  <a:schemeClr val="tx1"/>
+                </a:solidFill>
+                <a:latin typeface="+mn-lt"/>
+                <a:ea typeface="+mn-ea"/>
+                <a:cs typeface="+mn-cs"/>
+              </a:defRPr>
+            </a:lvl4pPr>
+            <a:lvl5pPr marL="2057400" indent="-228600" algn="l" defTabSz="914400" rtl="0" eaLnBrk="1" latinLnBrk="0" hangingPunct="1">
+              <a:lnSpc>
+                <a:spcPct val="90000"/>
+              </a:lnSpc>
+              <a:spcBef>
+                <a:spcPts val="500"/>
+              </a:spcBef>
+              <a:buFont typeface="Arial" panose="020B0604020202020204" pitchFamily="34" charset="0"/>
+              <a:buChar char="•"/>
+              <a:defRPr sz="1800" kern="1200">
+                <a:solidFill>
+                  <a:schemeClr val="tx1"/>
+                </a:solidFill>
+                <a:latin typeface="+mn-lt"/>
+                <a:ea typeface="+mn-ea"/>
+                <a:cs typeface="+mn-cs"/>
+              </a:defRPr>
+            </a:lvl5pPr>
+            <a:lvl6pPr marL="2514600" indent="-228600" algn="l" defTabSz="914400" rtl="0" eaLnBrk="1" latinLnBrk="0" hangingPunct="1">
+              <a:lnSpc>
+                <a:spcPct val="90000"/>
+              </a:lnSpc>
+              <a:spcBef>
+                <a:spcPts val="500"/>
+              </a:spcBef>
+              <a:buFont typeface="Arial" panose="020B0604020202020204" pitchFamily="34" charset="0"/>
+              <a:buChar char="•"/>
+              <a:defRPr sz="1800" kern="1200">
+                <a:solidFill>
+                  <a:schemeClr val="tx1"/>
+                </a:solidFill>
+                <a:latin typeface="+mn-lt"/>
+                <a:ea typeface="+mn-ea"/>
+                <a:cs typeface="+mn-cs"/>
+              </a:defRPr>
+            </a:lvl6pPr>
+            <a:lvl7pPr marL="2971800" indent="-228600" algn="l" defTabSz="914400" rtl="0" eaLnBrk="1" latinLnBrk="0" hangingPunct="1">
+              <a:lnSpc>
+                <a:spcPct val="90000"/>
+              </a:lnSpc>
+              <a:spcBef>
+                <a:spcPts val="500"/>
+              </a:spcBef>
+              <a:buFont typeface="Arial" panose="020B0604020202020204" pitchFamily="34" charset="0"/>
+              <a:buChar char="•"/>
+              <a:defRPr sz="1800" kern="1200">
+                <a:solidFill>
+                  <a:schemeClr val="tx1"/>
+                </a:solidFill>
+                <a:latin typeface="+mn-lt"/>
+                <a:ea typeface="+mn-ea"/>
+                <a:cs typeface="+mn-cs"/>
+              </a:defRPr>
+            </a:lvl7pPr>
+            <a:lvl8pPr marL="3429000" indent="-228600" algn="l" defTabSz="914400" rtl="0" eaLnBrk="1" latinLnBrk="0" hangingPunct="1">
+              <a:lnSpc>
+                <a:spcPct val="90000"/>
+              </a:lnSpc>
+              <a:spcBef>
+                <a:spcPts val="500"/>
+              </a:spcBef>
+              <a:buFont typeface="Arial" panose="020B0604020202020204" pitchFamily="34" charset="0"/>
+              <a:buChar char="•"/>
+              <a:defRPr sz="1800" kern="1200">
+                <a:solidFill>
+                  <a:schemeClr val="tx1"/>
+                </a:solidFill>
+                <a:latin typeface="+mn-lt"/>
+                <a:ea typeface="+mn-ea"/>
+                <a:cs typeface="+mn-cs"/>
+              </a:defRPr>
+            </a:lvl8pPr>
+            <a:lvl9pPr marL="3886200" indent="-228600" algn="l" defTabSz="914400" rtl="0" eaLnBrk="1" latinLnBrk="0" hangingPunct="1">
+              <a:lnSpc>
+                <a:spcPct val="90000"/>
+              </a:lnSpc>
+              <a:spcBef>
+                <a:spcPts val="500"/>
+              </a:spcBef>
+              <a:buFont typeface="Arial" panose="020B0604020202020204" pitchFamily="34" charset="0"/>
+              <a:buChar char="•"/>
+              <a:defRPr sz="1800" kern="1200">
+                <a:solidFill>
+                  <a:schemeClr val="tx1"/>
+                </a:solidFill>
+                <a:latin typeface="+mn-lt"/>
+                <a:ea typeface="+mn-ea"/>
+                <a:cs typeface="+mn-cs"/>
+              </a:defRPr>
+            </a:lvl9pPr>
+          </a:lstStyle>
+          <a:p>
             <a:r>
               <a:rPr lang="de-DE" dirty="0"/>
-              <a:t>Wieso sind einige Datenkompressionsverfahren für </a:t>
-            </a:r>
-            <a:r>
-              <a:rPr lang="de-DE" b="1" dirty="0"/>
-              <a:t>Bilddaten</a:t>
-            </a:r>
+              <a:t>Datenkompression allgemein</a:t>
+            </a:r>
+          </a:p>
+          <a:p>
             <a:r>
               <a:rPr lang="de-DE" dirty="0"/>
-              <a:t> gut geeignet und andere nicht</a:t>
+              <a:t>Vorstellung der Kompressionsverfahren</a:t>
             </a:r>
           </a:p>
           <a:p>
             <a:r>
               <a:rPr lang="de-DE" dirty="0"/>
-              <a:t>Versuch: Implementierung verschiedener Kompressionsverfahren in Python und vergleich mit verschiedenen Bildern</a:t>
-            </a:r>
-          </a:p>
-          <a:p>
-            <a:endParaRPr lang="de-DE" dirty="0"/>
+              <a:t>Messbarkeit definieren</a:t>
+            </a:r>
+          </a:p>
+          <a:p>
+            <a:r>
+              <a:rPr lang="de-DE" dirty="0"/>
+              <a:t>Theoretischer Vergleich der Kompressionsverfahren (Erwartungen)</a:t>
+            </a:r>
+          </a:p>
+          <a:p>
+            <a:r>
+              <a:rPr lang="de-DE" dirty="0"/>
+              <a:t>Versuch</a:t>
+            </a:r>
+          </a:p>
+          <a:p>
+            <a:r>
+              <a:rPr lang="de-DE" dirty="0"/>
+              <a:t>Interpretation der Ergebnisse</a:t>
+            </a:r>
+          </a:p>
+          <a:p>
+            <a:r>
+              <a:rPr lang="de-DE" dirty="0"/>
+              <a:t>Fazit: Was ist entscheidend, damit ein Kompressionsalgorithmus Bilddaten „gut“ komprimieren kann</a:t>
+            </a:r>
           </a:p>
         </p:txBody>
       </p:sp>
     </p:spTree>
     <p:extLst>
       <p:ext uri="{BB962C8B-B14F-4D97-AF65-F5344CB8AC3E}">
-        <p14:creationId xmlns:p14="http://schemas.microsoft.com/office/powerpoint/2010/main" val="2943620310"/>
+        <p14:creationId xmlns:p14="http://schemas.microsoft.com/office/powerpoint/2010/main" val="21500782"/>
       </p:ext>
     </p:extLst>
   </p:cSld>
@@ -5034,10 +7557,10 @@
       </p:grpSpPr>
       <p:sp>
         <p:nvSpPr>
-          <p:cNvPr id="2" name="Titel 1">
-            <a:extLst>
-              <a:ext uri="{FF2B5EF4-FFF2-40B4-BE49-F238E27FC236}">
-                <a16:creationId xmlns:a16="http://schemas.microsoft.com/office/drawing/2014/main" id="{17DF623A-FB54-9543-8534-BE5B41FA804C}"/>
+          <p:cNvPr id="4" name="Footer Placeholder 3">
+            <a:extLst>
+              <a:ext uri="{FF2B5EF4-FFF2-40B4-BE49-F238E27FC236}">
+                <a16:creationId xmlns:a16="http://schemas.microsoft.com/office/drawing/2014/main" id="{898A889A-0494-48B1-A6C6-B2834F51C151}"/>
               </a:ext>
             </a:extLst>
           </p:cNvPr>
@@ -5045,7 +7568,7 @@
             <a:spLocks noGrp="1"/>
           </p:cNvSpPr>
           <p:nvPr>
-            <p:ph type="title"/>
+            <p:ph type="ftr" sz="quarter" idx="11"/>
           </p:nvPr>
         </p:nvSpPr>
         <p:spPr/>
@@ -5053,20 +7576,19 @@
           <a:bodyPr/>
           <a:lstStyle/>
           <a:p>
-            <a:pPr algn="ctr"/>
             <a:r>
               <a:rPr lang="de-DE" dirty="0"/>
-              <a:t>Was wird Verglichen?</a:t>
-            </a:r>
-          </a:p>
-        </p:txBody>
-      </p:sp>
-      <p:sp>
-        <p:nvSpPr>
-          <p:cNvPr id="3" name="Inhaltsplatzhalter 2">
-            <a:extLst>
-              <a:ext uri="{FF2B5EF4-FFF2-40B4-BE49-F238E27FC236}">
-                <a16:creationId xmlns:a16="http://schemas.microsoft.com/office/drawing/2014/main" id="{04A3BC3B-50D4-B9BB-8557-AEDABAD81D66}"/>
+              <a:t>Nick Schreiber</a:t>
+            </a:r>
+          </a:p>
+        </p:txBody>
+      </p:sp>
+      <p:sp>
+        <p:nvSpPr>
+          <p:cNvPr id="5" name="Slide Number Placeholder 4">
+            <a:extLst>
+              <a:ext uri="{FF2B5EF4-FFF2-40B4-BE49-F238E27FC236}">
+                <a16:creationId xmlns:a16="http://schemas.microsoft.com/office/drawing/2014/main" id="{58800E52-8559-34A1-87B2-065652ACA334}"/>
               </a:ext>
             </a:extLst>
           </p:cNvPr>
@@ -5074,13 +7596,247 @@
             <a:spLocks noGrp="1"/>
           </p:cNvSpPr>
           <p:nvPr>
-            <p:ph idx="1"/>
+            <p:ph type="sldNum" sz="quarter" idx="12"/>
           </p:nvPr>
         </p:nvSpPr>
         <p:spPr/>
         <p:txBody>
           <a:bodyPr/>
           <a:lstStyle/>
+          <a:p>
+            <a:fld id="{629E1D32-139B-4C55-A3C3-B5F4791988C6}" type="slidenum">
+              <a:rPr lang="de-DE" smtClean="0"/>
+              <a:pPr/>
+              <a:t>4</a:t>
+            </a:fld>
+            <a:endParaRPr lang="de-DE" dirty="0"/>
+          </a:p>
+        </p:txBody>
+      </p:sp>
+      <p:sp>
+        <p:nvSpPr>
+          <p:cNvPr id="6" name="Textfeld 5">
+            <a:extLst>
+              <a:ext uri="{FF2B5EF4-FFF2-40B4-BE49-F238E27FC236}">
+                <a16:creationId xmlns:a16="http://schemas.microsoft.com/office/drawing/2014/main" id="{FADE83BF-E7DF-878D-B808-A84A4EFF15B4}"/>
+              </a:ext>
+            </a:extLst>
+          </p:cNvPr>
+          <p:cNvSpPr txBox="1"/>
+          <p:nvPr/>
+        </p:nvSpPr>
+        <p:spPr>
+          <a:xfrm>
+            <a:off x="720000" y="144379"/>
+            <a:ext cx="8664632" cy="923330"/>
+          </a:xfrm>
+          <a:prstGeom prst="rect">
+            <a:avLst/>
+          </a:prstGeom>
+          <a:noFill/>
+        </p:spPr>
+        <p:txBody>
+          <a:bodyPr wrap="square" rtlCol="0">
+            <a:spAutoFit/>
+          </a:bodyPr>
+          <a:lstStyle/>
+          <a:p>
+            <a:r>
+              <a:rPr lang="de-DE" sz="5400" dirty="0"/>
+              <a:t>Kompressionsverfahren</a:t>
+            </a:r>
+          </a:p>
+        </p:txBody>
+      </p:sp>
+      <p:sp>
+        <p:nvSpPr>
+          <p:cNvPr id="9" name="Textplatzhalter 5">
+            <a:extLst>
+              <a:ext uri="{FF2B5EF4-FFF2-40B4-BE49-F238E27FC236}">
+                <a16:creationId xmlns:a16="http://schemas.microsoft.com/office/drawing/2014/main" id="{CF5413E0-1CD0-80C3-6912-246522BAC478}"/>
+              </a:ext>
+            </a:extLst>
+          </p:cNvPr>
+          <p:cNvSpPr txBox="1">
+            <a:spLocks/>
+          </p:cNvSpPr>
+          <p:nvPr/>
+        </p:nvSpPr>
+        <p:spPr>
+          <a:xfrm>
+            <a:off x="720000" y="1584000"/>
+            <a:ext cx="10753200" cy="4410000"/>
+          </a:xfrm>
+          <a:prstGeom prst="rect">
+            <a:avLst/>
+          </a:prstGeom>
+        </p:spPr>
+        <p:txBody>
+          <a:bodyPr/>
+          <a:lstStyle>
+            <a:lvl1pPr marL="228600" indent="-228600" algn="l" defTabSz="914400" rtl="0" eaLnBrk="1" latinLnBrk="0" hangingPunct="1">
+              <a:lnSpc>
+                <a:spcPct val="90000"/>
+              </a:lnSpc>
+              <a:spcBef>
+                <a:spcPts val="1000"/>
+              </a:spcBef>
+              <a:buFont typeface="Arial" panose="020B0604020202020204" pitchFamily="34" charset="0"/>
+              <a:buChar char="•"/>
+              <a:defRPr sz="2800" kern="1200">
+                <a:solidFill>
+                  <a:schemeClr val="tx1"/>
+                </a:solidFill>
+                <a:latin typeface="+mn-lt"/>
+                <a:ea typeface="+mn-ea"/>
+                <a:cs typeface="+mn-cs"/>
+              </a:defRPr>
+            </a:lvl1pPr>
+            <a:lvl2pPr marL="685800" indent="-228600" algn="l" defTabSz="914400" rtl="0" eaLnBrk="1" latinLnBrk="0" hangingPunct="1">
+              <a:lnSpc>
+                <a:spcPct val="90000"/>
+              </a:lnSpc>
+              <a:spcBef>
+                <a:spcPts val="500"/>
+              </a:spcBef>
+              <a:buFont typeface="Arial" panose="020B0604020202020204" pitchFamily="34" charset="0"/>
+              <a:buChar char="•"/>
+              <a:defRPr sz="2400" kern="1200">
+                <a:solidFill>
+                  <a:schemeClr val="tx1"/>
+                </a:solidFill>
+                <a:latin typeface="+mn-lt"/>
+                <a:ea typeface="+mn-ea"/>
+                <a:cs typeface="+mn-cs"/>
+              </a:defRPr>
+            </a:lvl2pPr>
+            <a:lvl3pPr marL="1143000" indent="-228600" algn="l" defTabSz="914400" rtl="0" eaLnBrk="1" latinLnBrk="0" hangingPunct="1">
+              <a:lnSpc>
+                <a:spcPct val="90000"/>
+              </a:lnSpc>
+              <a:spcBef>
+                <a:spcPts val="500"/>
+              </a:spcBef>
+              <a:buFont typeface="Arial" panose="020B0604020202020204" pitchFamily="34" charset="0"/>
+              <a:buChar char="•"/>
+              <a:defRPr sz="2000" kern="1200">
+                <a:solidFill>
+                  <a:schemeClr val="tx1"/>
+                </a:solidFill>
+                <a:latin typeface="+mn-lt"/>
+                <a:ea typeface="+mn-ea"/>
+                <a:cs typeface="+mn-cs"/>
+              </a:defRPr>
+            </a:lvl3pPr>
+            <a:lvl4pPr marL="1600200" indent="-228600" algn="l" defTabSz="914400" rtl="0" eaLnBrk="1" latinLnBrk="0" hangingPunct="1">
+              <a:lnSpc>
+                <a:spcPct val="90000"/>
+              </a:lnSpc>
+              <a:spcBef>
+                <a:spcPts val="500"/>
+              </a:spcBef>
+              <a:buFont typeface="Arial" panose="020B0604020202020204" pitchFamily="34" charset="0"/>
+              <a:buChar char="•"/>
+              <a:defRPr sz="1800" kern="1200">
+                <a:solidFill>
+                  <a:schemeClr val="tx1"/>
+                </a:solidFill>
+                <a:latin typeface="+mn-lt"/>
+                <a:ea typeface="+mn-ea"/>
+                <a:cs typeface="+mn-cs"/>
+              </a:defRPr>
+            </a:lvl4pPr>
+            <a:lvl5pPr marL="2057400" indent="-228600" algn="l" defTabSz="914400" rtl="0" eaLnBrk="1" latinLnBrk="0" hangingPunct="1">
+              <a:lnSpc>
+                <a:spcPct val="90000"/>
+              </a:lnSpc>
+              <a:spcBef>
+                <a:spcPts val="500"/>
+              </a:spcBef>
+              <a:buFont typeface="Arial" panose="020B0604020202020204" pitchFamily="34" charset="0"/>
+              <a:buChar char="•"/>
+              <a:defRPr sz="1800" kern="1200">
+                <a:solidFill>
+                  <a:schemeClr val="tx1"/>
+                </a:solidFill>
+                <a:latin typeface="+mn-lt"/>
+                <a:ea typeface="+mn-ea"/>
+                <a:cs typeface="+mn-cs"/>
+              </a:defRPr>
+            </a:lvl5pPr>
+            <a:lvl6pPr marL="2514600" indent="-228600" algn="l" defTabSz="914400" rtl="0" eaLnBrk="1" latinLnBrk="0" hangingPunct="1">
+              <a:lnSpc>
+                <a:spcPct val="90000"/>
+              </a:lnSpc>
+              <a:spcBef>
+                <a:spcPts val="500"/>
+              </a:spcBef>
+              <a:buFont typeface="Arial" panose="020B0604020202020204" pitchFamily="34" charset="0"/>
+              <a:buChar char="•"/>
+              <a:defRPr sz="1800" kern="1200">
+                <a:solidFill>
+                  <a:schemeClr val="tx1"/>
+                </a:solidFill>
+                <a:latin typeface="+mn-lt"/>
+                <a:ea typeface="+mn-ea"/>
+                <a:cs typeface="+mn-cs"/>
+              </a:defRPr>
+            </a:lvl6pPr>
+            <a:lvl7pPr marL="2971800" indent="-228600" algn="l" defTabSz="914400" rtl="0" eaLnBrk="1" latinLnBrk="0" hangingPunct="1">
+              <a:lnSpc>
+                <a:spcPct val="90000"/>
+              </a:lnSpc>
+              <a:spcBef>
+                <a:spcPts val="500"/>
+              </a:spcBef>
+              <a:buFont typeface="Arial" panose="020B0604020202020204" pitchFamily="34" charset="0"/>
+              <a:buChar char="•"/>
+              <a:defRPr sz="1800" kern="1200">
+                <a:solidFill>
+                  <a:schemeClr val="tx1"/>
+                </a:solidFill>
+                <a:latin typeface="+mn-lt"/>
+                <a:ea typeface="+mn-ea"/>
+                <a:cs typeface="+mn-cs"/>
+              </a:defRPr>
+            </a:lvl7pPr>
+            <a:lvl8pPr marL="3429000" indent="-228600" algn="l" defTabSz="914400" rtl="0" eaLnBrk="1" latinLnBrk="0" hangingPunct="1">
+              <a:lnSpc>
+                <a:spcPct val="90000"/>
+              </a:lnSpc>
+              <a:spcBef>
+                <a:spcPts val="500"/>
+              </a:spcBef>
+              <a:buFont typeface="Arial" panose="020B0604020202020204" pitchFamily="34" charset="0"/>
+              <a:buChar char="•"/>
+              <a:defRPr sz="1800" kern="1200">
+                <a:solidFill>
+                  <a:schemeClr val="tx1"/>
+                </a:solidFill>
+                <a:latin typeface="+mn-lt"/>
+                <a:ea typeface="+mn-ea"/>
+                <a:cs typeface="+mn-cs"/>
+              </a:defRPr>
+            </a:lvl8pPr>
+            <a:lvl9pPr marL="3886200" indent="-228600" algn="l" defTabSz="914400" rtl="0" eaLnBrk="1" latinLnBrk="0" hangingPunct="1">
+              <a:lnSpc>
+                <a:spcPct val="90000"/>
+              </a:lnSpc>
+              <a:spcBef>
+                <a:spcPts val="500"/>
+              </a:spcBef>
+              <a:buFont typeface="Arial" panose="020B0604020202020204" pitchFamily="34" charset="0"/>
+              <a:buChar char="•"/>
+              <a:defRPr sz="1800" kern="1200">
+                <a:solidFill>
+                  <a:schemeClr val="tx1"/>
+                </a:solidFill>
+                <a:latin typeface="+mn-lt"/>
+                <a:ea typeface="+mn-ea"/>
+                <a:cs typeface="+mn-cs"/>
+              </a:defRPr>
+            </a:lvl9pPr>
+          </a:lstStyle>
           <a:p>
             <a:r>
               <a:rPr lang="de-DE" dirty="0" err="1"/>
@@ -5088,15 +7844,7 @@
             </a:r>
             <a:r>
               <a:rPr lang="de-DE" dirty="0"/>
-              <a:t> </a:t>
-            </a:r>
-            <a:r>
-              <a:rPr lang="de-DE" dirty="0" err="1"/>
-              <a:t>encoding</a:t>
-            </a:r>
-            <a:r>
-              <a:rPr lang="de-DE" dirty="0"/>
-              <a:t> (RLE)</a:t>
+              <a:t>-Encoding (RLE)</a:t>
             </a:r>
           </a:p>
           <a:p>
@@ -5118,7 +7866,7 @@
             </a:r>
             <a:r>
               <a:rPr lang="de-DE" dirty="0"/>
-              <a:t> Algorithmus: LZ77 + Huffman</a:t>
+              <a:t>-Algorithmus: LZ77 + Huffman</a:t>
             </a:r>
           </a:p>
           <a:p>
@@ -5132,7 +7880,7 @@
             </a:r>
             <a:r>
               <a:rPr lang="de-DE" dirty="0"/>
-              <a:t> Algorithmus</a:t>
+              <a:t>-Algorithmus</a:t>
             </a:r>
           </a:p>
           <a:p>
@@ -5152,7 +7900,7 @@
     </p:spTree>
     <p:extLst>
       <p:ext uri="{BB962C8B-B14F-4D97-AF65-F5344CB8AC3E}">
-        <p14:creationId xmlns:p14="http://schemas.microsoft.com/office/powerpoint/2010/main" val="356538141"/>
+        <p14:creationId xmlns:p14="http://schemas.microsoft.com/office/powerpoint/2010/main" val="986663036"/>
       </p:ext>
     </p:extLst>
   </p:cSld>
@@ -5181,10 +7929,10 @@
       </p:grpSpPr>
       <p:sp>
         <p:nvSpPr>
-          <p:cNvPr id="2" name="Titel 1">
-            <a:extLst>
-              <a:ext uri="{FF2B5EF4-FFF2-40B4-BE49-F238E27FC236}">
-                <a16:creationId xmlns:a16="http://schemas.microsoft.com/office/drawing/2014/main" id="{F64D2612-8284-7B4E-1827-8B7CFBF175AB}"/>
+          <p:cNvPr id="4" name="Footer Placeholder 3">
+            <a:extLst>
+              <a:ext uri="{FF2B5EF4-FFF2-40B4-BE49-F238E27FC236}">
+                <a16:creationId xmlns:a16="http://schemas.microsoft.com/office/drawing/2014/main" id="{898A889A-0494-48B1-A6C6-B2834F51C151}"/>
               </a:ext>
             </a:extLst>
           </p:cNvPr>
@@ -5192,7 +7940,7 @@
             <a:spLocks noGrp="1"/>
           </p:cNvSpPr>
           <p:nvPr>
-            <p:ph type="title"/>
+            <p:ph type="ftr" sz="quarter" idx="11"/>
           </p:nvPr>
         </p:nvSpPr>
         <p:spPr/>
@@ -5200,20 +7948,19 @@
           <a:bodyPr/>
           <a:lstStyle/>
           <a:p>
-            <a:pPr algn="ctr"/>
             <a:r>
               <a:rPr lang="de-DE" dirty="0"/>
-              <a:t>Kompressionsverfahren messbar machen</a:t>
-            </a:r>
-          </a:p>
-        </p:txBody>
-      </p:sp>
-      <p:sp>
-        <p:nvSpPr>
-          <p:cNvPr id="3" name="Inhaltsplatzhalter 2">
-            <a:extLst>
-              <a:ext uri="{FF2B5EF4-FFF2-40B4-BE49-F238E27FC236}">
-                <a16:creationId xmlns:a16="http://schemas.microsoft.com/office/drawing/2014/main" id="{0BAA37DF-2704-FFDA-0E7F-19802EDB50A3}"/>
+              <a:t>Nick Schreiber</a:t>
+            </a:r>
+          </a:p>
+        </p:txBody>
+      </p:sp>
+      <p:sp>
+        <p:nvSpPr>
+          <p:cNvPr id="5" name="Slide Number Placeholder 4">
+            <a:extLst>
+              <a:ext uri="{FF2B5EF4-FFF2-40B4-BE49-F238E27FC236}">
+                <a16:creationId xmlns:a16="http://schemas.microsoft.com/office/drawing/2014/main" id="{58800E52-8559-34A1-87B2-065652ACA334}"/>
               </a:ext>
             </a:extLst>
           </p:cNvPr>
@@ -5221,13 +7968,262 @@
             <a:spLocks noGrp="1"/>
           </p:cNvSpPr>
           <p:nvPr>
-            <p:ph idx="1"/>
+            <p:ph type="sldNum" sz="quarter" idx="12"/>
           </p:nvPr>
         </p:nvSpPr>
         <p:spPr/>
         <p:txBody>
           <a:bodyPr/>
           <a:lstStyle/>
+          <a:p>
+            <a:fld id="{629E1D32-139B-4C55-A3C3-B5F4791988C6}" type="slidenum">
+              <a:rPr lang="de-DE" smtClean="0"/>
+              <a:pPr/>
+              <a:t>5</a:t>
+            </a:fld>
+            <a:endParaRPr lang="de-DE" dirty="0"/>
+          </a:p>
+        </p:txBody>
+      </p:sp>
+      <p:sp>
+        <p:nvSpPr>
+          <p:cNvPr id="6" name="Textfeld 5">
+            <a:extLst>
+              <a:ext uri="{FF2B5EF4-FFF2-40B4-BE49-F238E27FC236}">
+                <a16:creationId xmlns:a16="http://schemas.microsoft.com/office/drawing/2014/main" id="{FADE83BF-E7DF-878D-B808-A84A4EFF15B4}"/>
+              </a:ext>
+            </a:extLst>
+          </p:cNvPr>
+          <p:cNvSpPr txBox="1"/>
+          <p:nvPr/>
+        </p:nvSpPr>
+        <p:spPr>
+          <a:xfrm>
+            <a:off x="720000" y="156670"/>
+            <a:ext cx="8664632" cy="923330"/>
+          </a:xfrm>
+          <a:prstGeom prst="rect">
+            <a:avLst/>
+          </a:prstGeom>
+          <a:noFill/>
+        </p:spPr>
+        <p:txBody>
+          <a:bodyPr wrap="square" rtlCol="0">
+            <a:spAutoFit/>
+          </a:bodyPr>
+          <a:lstStyle/>
+          <a:p>
+            <a:r>
+              <a:rPr lang="de-DE" sz="5400" dirty="0"/>
+              <a:t>Messbarkeit</a:t>
+            </a:r>
+          </a:p>
+        </p:txBody>
+      </p:sp>
+      <p:sp>
+        <p:nvSpPr>
+          <p:cNvPr id="9" name="Textplatzhalter 5">
+            <a:extLst>
+              <a:ext uri="{FF2B5EF4-FFF2-40B4-BE49-F238E27FC236}">
+                <a16:creationId xmlns:a16="http://schemas.microsoft.com/office/drawing/2014/main" id="{CF5413E0-1CD0-80C3-6912-246522BAC478}"/>
+              </a:ext>
+            </a:extLst>
+          </p:cNvPr>
+          <p:cNvSpPr txBox="1">
+            <a:spLocks/>
+          </p:cNvSpPr>
+          <p:nvPr/>
+        </p:nvSpPr>
+        <p:spPr>
+          <a:xfrm>
+            <a:off x="720000" y="1584000"/>
+            <a:ext cx="10753200" cy="4410000"/>
+          </a:xfrm>
+          <a:prstGeom prst="rect">
+            <a:avLst/>
+          </a:prstGeom>
+        </p:spPr>
+        <p:txBody>
+          <a:bodyPr/>
+          <a:lstStyle>
+            <a:lvl1pPr marL="228600" indent="-228600" algn="l" defTabSz="914400" rtl="0" eaLnBrk="1" latinLnBrk="0" hangingPunct="1">
+              <a:lnSpc>
+                <a:spcPct val="90000"/>
+              </a:lnSpc>
+              <a:spcBef>
+                <a:spcPts val="1000"/>
+              </a:spcBef>
+              <a:buFont typeface="Arial" panose="020B0604020202020204" pitchFamily="34" charset="0"/>
+              <a:buChar char="•"/>
+              <a:defRPr sz="2800" kern="1200">
+                <a:solidFill>
+                  <a:schemeClr val="tx1"/>
+                </a:solidFill>
+                <a:latin typeface="+mn-lt"/>
+                <a:ea typeface="+mn-ea"/>
+                <a:cs typeface="+mn-cs"/>
+              </a:defRPr>
+            </a:lvl1pPr>
+            <a:lvl2pPr marL="685800" indent="-228600" algn="l" defTabSz="914400" rtl="0" eaLnBrk="1" latinLnBrk="0" hangingPunct="1">
+              <a:lnSpc>
+                <a:spcPct val="90000"/>
+              </a:lnSpc>
+              <a:spcBef>
+                <a:spcPts val="500"/>
+              </a:spcBef>
+              <a:buFont typeface="Arial" panose="020B0604020202020204" pitchFamily="34" charset="0"/>
+              <a:buChar char="•"/>
+              <a:defRPr sz="2400" kern="1200">
+                <a:solidFill>
+                  <a:schemeClr val="tx1"/>
+                </a:solidFill>
+                <a:latin typeface="+mn-lt"/>
+                <a:ea typeface="+mn-ea"/>
+                <a:cs typeface="+mn-cs"/>
+              </a:defRPr>
+            </a:lvl2pPr>
+            <a:lvl3pPr marL="1143000" indent="-228600" algn="l" defTabSz="914400" rtl="0" eaLnBrk="1" latinLnBrk="0" hangingPunct="1">
+              <a:lnSpc>
+                <a:spcPct val="90000"/>
+              </a:lnSpc>
+              <a:spcBef>
+                <a:spcPts val="500"/>
+              </a:spcBef>
+              <a:buFont typeface="Arial" panose="020B0604020202020204" pitchFamily="34" charset="0"/>
+              <a:buChar char="•"/>
+              <a:defRPr sz="2000" kern="1200">
+                <a:solidFill>
+                  <a:schemeClr val="tx1"/>
+                </a:solidFill>
+                <a:latin typeface="+mn-lt"/>
+                <a:ea typeface="+mn-ea"/>
+                <a:cs typeface="+mn-cs"/>
+              </a:defRPr>
+            </a:lvl3pPr>
+            <a:lvl4pPr marL="1600200" indent="-228600" algn="l" defTabSz="914400" rtl="0" eaLnBrk="1" latinLnBrk="0" hangingPunct="1">
+              <a:lnSpc>
+                <a:spcPct val="90000"/>
+              </a:lnSpc>
+              <a:spcBef>
+                <a:spcPts val="500"/>
+              </a:spcBef>
+              <a:buFont typeface="Arial" panose="020B0604020202020204" pitchFamily="34" charset="0"/>
+              <a:buChar char="•"/>
+              <a:defRPr sz="1800" kern="1200">
+                <a:solidFill>
+                  <a:schemeClr val="tx1"/>
+                </a:solidFill>
+                <a:latin typeface="+mn-lt"/>
+                <a:ea typeface="+mn-ea"/>
+                <a:cs typeface="+mn-cs"/>
+              </a:defRPr>
+            </a:lvl4pPr>
+            <a:lvl5pPr marL="2057400" indent="-228600" algn="l" defTabSz="914400" rtl="0" eaLnBrk="1" latinLnBrk="0" hangingPunct="1">
+              <a:lnSpc>
+                <a:spcPct val="90000"/>
+              </a:lnSpc>
+              <a:spcBef>
+                <a:spcPts val="500"/>
+              </a:spcBef>
+              <a:buFont typeface="Arial" panose="020B0604020202020204" pitchFamily="34" charset="0"/>
+              <a:buChar char="•"/>
+              <a:defRPr sz="1800" kern="1200">
+                <a:solidFill>
+                  <a:schemeClr val="tx1"/>
+                </a:solidFill>
+                <a:latin typeface="+mn-lt"/>
+                <a:ea typeface="+mn-ea"/>
+                <a:cs typeface="+mn-cs"/>
+              </a:defRPr>
+            </a:lvl5pPr>
+            <a:lvl6pPr marL="2514600" indent="-228600" algn="l" defTabSz="914400" rtl="0" eaLnBrk="1" latinLnBrk="0" hangingPunct="1">
+              <a:lnSpc>
+                <a:spcPct val="90000"/>
+              </a:lnSpc>
+              <a:spcBef>
+                <a:spcPts val="500"/>
+              </a:spcBef>
+              <a:buFont typeface="Arial" panose="020B0604020202020204" pitchFamily="34" charset="0"/>
+              <a:buChar char="•"/>
+              <a:defRPr sz="1800" kern="1200">
+                <a:solidFill>
+                  <a:schemeClr val="tx1"/>
+                </a:solidFill>
+                <a:latin typeface="+mn-lt"/>
+                <a:ea typeface="+mn-ea"/>
+                <a:cs typeface="+mn-cs"/>
+              </a:defRPr>
+            </a:lvl6pPr>
+            <a:lvl7pPr marL="2971800" indent="-228600" algn="l" defTabSz="914400" rtl="0" eaLnBrk="1" latinLnBrk="0" hangingPunct="1">
+              <a:lnSpc>
+                <a:spcPct val="90000"/>
+              </a:lnSpc>
+              <a:spcBef>
+                <a:spcPts val="500"/>
+              </a:spcBef>
+              <a:buFont typeface="Arial" panose="020B0604020202020204" pitchFamily="34" charset="0"/>
+              <a:buChar char="•"/>
+              <a:defRPr sz="1800" kern="1200">
+                <a:solidFill>
+                  <a:schemeClr val="tx1"/>
+                </a:solidFill>
+                <a:latin typeface="+mn-lt"/>
+                <a:ea typeface="+mn-ea"/>
+                <a:cs typeface="+mn-cs"/>
+              </a:defRPr>
+            </a:lvl7pPr>
+            <a:lvl8pPr marL="3429000" indent="-228600" algn="l" defTabSz="914400" rtl="0" eaLnBrk="1" latinLnBrk="0" hangingPunct="1">
+              <a:lnSpc>
+                <a:spcPct val="90000"/>
+              </a:lnSpc>
+              <a:spcBef>
+                <a:spcPts val="500"/>
+              </a:spcBef>
+              <a:buFont typeface="Arial" panose="020B0604020202020204" pitchFamily="34" charset="0"/>
+              <a:buChar char="•"/>
+              <a:defRPr sz="1800" kern="1200">
+                <a:solidFill>
+                  <a:schemeClr val="tx1"/>
+                </a:solidFill>
+                <a:latin typeface="+mn-lt"/>
+                <a:ea typeface="+mn-ea"/>
+                <a:cs typeface="+mn-cs"/>
+              </a:defRPr>
+            </a:lvl8pPr>
+            <a:lvl9pPr marL="3886200" indent="-228600" algn="l" defTabSz="914400" rtl="0" eaLnBrk="1" latinLnBrk="0" hangingPunct="1">
+              <a:lnSpc>
+                <a:spcPct val="90000"/>
+              </a:lnSpc>
+              <a:spcBef>
+                <a:spcPts val="500"/>
+              </a:spcBef>
+              <a:buFont typeface="Arial" panose="020B0604020202020204" pitchFamily="34" charset="0"/>
+              <a:buChar char="•"/>
+              <a:defRPr sz="1800" kern="1200">
+                <a:solidFill>
+                  <a:schemeClr val="tx1"/>
+                </a:solidFill>
+                <a:latin typeface="+mn-lt"/>
+                <a:ea typeface="+mn-ea"/>
+                <a:cs typeface="+mn-cs"/>
+              </a:defRPr>
+            </a:lvl9pPr>
+          </a:lstStyle>
+          <a:p>
+            <a:pPr marL="0" indent="0">
+              <a:buNone/>
+            </a:pPr>
+            <a:r>
+              <a:rPr lang="de-DE" dirty="0"/>
+              <a:t>Wie gut ist ein Kompressionsverfahren?</a:t>
+            </a:r>
+          </a:p>
+          <a:p>
+            <a:pPr marL="0" indent="0">
+              <a:buNone/>
+            </a:pPr>
+            <a:endParaRPr lang="de-DE" dirty="0"/>
+          </a:p>
           <a:p>
             <a:r>
               <a:rPr lang="de-DE" dirty="0"/>
@@ -5245,16 +8241,13 @@
               <a:rPr lang="de-DE" dirty="0"/>
               <a:t>Dekompressionsgeschwindigkeit</a:t>
             </a:r>
-          </a:p>
-          <a:p>
-            <a:endParaRPr lang="de-DE" dirty="0"/>
           </a:p>
         </p:txBody>
       </p:sp>
     </p:spTree>
     <p:extLst>
       <p:ext uri="{BB962C8B-B14F-4D97-AF65-F5344CB8AC3E}">
-        <p14:creationId xmlns:p14="http://schemas.microsoft.com/office/powerpoint/2010/main" val="1349925043"/>
+        <p14:creationId xmlns:p14="http://schemas.microsoft.com/office/powerpoint/2010/main" val="1260141268"/>
       </p:ext>
     </p:extLst>
   </p:cSld>
@@ -5283,10 +8276,10 @@
       </p:grpSpPr>
       <p:sp>
         <p:nvSpPr>
-          <p:cNvPr id="2" name="Titel 1">
-            <a:extLst>
-              <a:ext uri="{FF2B5EF4-FFF2-40B4-BE49-F238E27FC236}">
-                <a16:creationId xmlns:a16="http://schemas.microsoft.com/office/drawing/2014/main" id="{7DECDF19-B57D-4DF8-CF99-75ABE5C578CB}"/>
+          <p:cNvPr id="4" name="Footer Placeholder 3">
+            <a:extLst>
+              <a:ext uri="{FF2B5EF4-FFF2-40B4-BE49-F238E27FC236}">
+                <a16:creationId xmlns:a16="http://schemas.microsoft.com/office/drawing/2014/main" id="{898A889A-0494-48B1-A6C6-B2834F51C151}"/>
               </a:ext>
             </a:extLst>
           </p:cNvPr>
@@ -5294,7 +8287,7 @@
             <a:spLocks noGrp="1"/>
           </p:cNvSpPr>
           <p:nvPr>
-            <p:ph type="title"/>
+            <p:ph type="ftr" sz="quarter" idx="11"/>
           </p:nvPr>
         </p:nvSpPr>
         <p:spPr/>
@@ -5302,20 +8295,84 @@
           <a:bodyPr/>
           <a:lstStyle/>
           <a:p>
-            <a:pPr algn="ctr"/>
             <a:r>
               <a:rPr lang="de-DE" dirty="0"/>
-              <a:t>Versuchsaufbau</a:t>
+              <a:t>Nick Schreiber</a:t>
+            </a:r>
+          </a:p>
+        </p:txBody>
+      </p:sp>
+      <p:sp>
+        <p:nvSpPr>
+          <p:cNvPr id="5" name="Slide Number Placeholder 4">
+            <a:extLst>
+              <a:ext uri="{FF2B5EF4-FFF2-40B4-BE49-F238E27FC236}">
+                <a16:creationId xmlns:a16="http://schemas.microsoft.com/office/drawing/2014/main" id="{58800E52-8559-34A1-87B2-065652ACA334}"/>
+              </a:ext>
+            </a:extLst>
+          </p:cNvPr>
+          <p:cNvSpPr>
+            <a:spLocks noGrp="1"/>
+          </p:cNvSpPr>
+          <p:nvPr>
+            <p:ph type="sldNum" sz="quarter" idx="12"/>
+          </p:nvPr>
+        </p:nvSpPr>
+        <p:spPr/>
+        <p:txBody>
+          <a:bodyPr/>
+          <a:lstStyle/>
+          <a:p>
+            <a:fld id="{629E1D32-139B-4C55-A3C3-B5F4791988C6}" type="slidenum">
+              <a:rPr lang="de-DE" smtClean="0"/>
+              <a:pPr/>
+              <a:t>6</a:t>
+            </a:fld>
+            <a:endParaRPr lang="de-DE" dirty="0"/>
+          </a:p>
+        </p:txBody>
+      </p:sp>
+      <p:sp>
+        <p:nvSpPr>
+          <p:cNvPr id="6" name="Textfeld 5">
+            <a:extLst>
+              <a:ext uri="{FF2B5EF4-FFF2-40B4-BE49-F238E27FC236}">
+                <a16:creationId xmlns:a16="http://schemas.microsoft.com/office/drawing/2014/main" id="{FADE83BF-E7DF-878D-B808-A84A4EFF15B4}"/>
+              </a:ext>
+            </a:extLst>
+          </p:cNvPr>
+          <p:cNvSpPr txBox="1"/>
+          <p:nvPr/>
+        </p:nvSpPr>
+        <p:spPr>
+          <a:xfrm>
+            <a:off x="720000" y="144379"/>
+            <a:ext cx="8664632" cy="923330"/>
+          </a:xfrm>
+          <a:prstGeom prst="rect">
+            <a:avLst/>
+          </a:prstGeom>
+          <a:noFill/>
+        </p:spPr>
+        <p:txBody>
+          <a:bodyPr wrap="square" rtlCol="0">
+            <a:spAutoFit/>
+          </a:bodyPr>
+          <a:lstStyle/>
+          <a:p>
+            <a:r>
+              <a:rPr lang="de-DE" sz="5400" dirty="0"/>
+              <a:t>Versuch</a:t>
             </a:r>
           </a:p>
         </p:txBody>
       </p:sp>
       <p:pic>
         <p:nvPicPr>
-          <p:cNvPr id="6" name="Grafik 5" descr="Ein Bild, das Vogel, Eisvogel, Wildleben, Schnabel enthält.&#10;&#10;Automatisch generierte Beschreibung">
-            <a:extLst>
-              <a:ext uri="{FF2B5EF4-FFF2-40B4-BE49-F238E27FC236}">
-                <a16:creationId xmlns:a16="http://schemas.microsoft.com/office/drawing/2014/main" id="{7894C365-553E-7E13-F994-B88842EBF56B}"/>
+          <p:cNvPr id="2" name="Grafik 1" descr="Ein Bild, das Vogel, Eisvogel, Wildleben, Schnabel enthält.&#10;&#10;Automatisch generierte Beschreibung">
+            <a:extLst>
+              <a:ext uri="{FF2B5EF4-FFF2-40B4-BE49-F238E27FC236}">
+                <a16:creationId xmlns:a16="http://schemas.microsoft.com/office/drawing/2014/main" id="{85D012AE-E701-DBC7-52C6-5FD6FFE6EB8B}"/>
               </a:ext>
             </a:extLst>
           </p:cNvPr>
@@ -5338,7 +8395,7 @@
         </p:blipFill>
         <p:spPr>
           <a:xfrm>
-            <a:off x="833733" y="2412903"/>
+            <a:off x="833733" y="2144468"/>
             <a:ext cx="2562726" cy="1708484"/>
           </a:xfrm>
           <a:prstGeom prst="rect">
@@ -5348,10 +8405,10 @@
       </p:pic>
       <p:sp>
         <p:nvSpPr>
-          <p:cNvPr id="7" name="Pfeil: nach rechts 6">
-            <a:extLst>
-              <a:ext uri="{FF2B5EF4-FFF2-40B4-BE49-F238E27FC236}">
-                <a16:creationId xmlns:a16="http://schemas.microsoft.com/office/drawing/2014/main" id="{AB7781DA-5DA1-A6C7-6A40-75EA03709FC9}"/>
+          <p:cNvPr id="3" name="Pfeil: nach rechts 2">
+            <a:extLst>
+              <a:ext uri="{FF2B5EF4-FFF2-40B4-BE49-F238E27FC236}">
+                <a16:creationId xmlns:a16="http://schemas.microsoft.com/office/drawing/2014/main" id="{E4C77EB2-DA76-37B3-C465-E48DCFDDD510}"/>
               </a:ext>
             </a:extLst>
           </p:cNvPr>
@@ -5360,7 +8417,7 @@
         </p:nvSpPr>
         <p:spPr>
           <a:xfrm>
-            <a:off x="3613164" y="3026199"/>
+            <a:off x="3613164" y="2757764"/>
             <a:ext cx="645459" cy="259976"/>
           </a:xfrm>
           <a:prstGeom prst="rightArrow">
@@ -5394,10 +8451,10 @@
       </p:sp>
       <p:sp>
         <p:nvSpPr>
-          <p:cNvPr id="8" name="Textfeld 7">
-            <a:extLst>
-              <a:ext uri="{FF2B5EF4-FFF2-40B4-BE49-F238E27FC236}">
-                <a16:creationId xmlns:a16="http://schemas.microsoft.com/office/drawing/2014/main" id="{85AB653D-D87A-09FC-94AA-1CA7E23C42C6}"/>
+          <p:cNvPr id="7" name="Textfeld 6">
+            <a:extLst>
+              <a:ext uri="{FF2B5EF4-FFF2-40B4-BE49-F238E27FC236}">
+                <a16:creationId xmlns:a16="http://schemas.microsoft.com/office/drawing/2014/main" id="{858D19A5-220F-CC6D-2556-25EBD412B3A3}"/>
               </a:ext>
             </a:extLst>
           </p:cNvPr>
@@ -5406,7 +8463,7 @@
         </p:nvSpPr>
         <p:spPr>
           <a:xfrm>
-            <a:off x="1070708" y="1932613"/>
+            <a:off x="1070708" y="1664178"/>
             <a:ext cx="2088777" cy="369332"/>
           </a:xfrm>
           <a:prstGeom prst="rect">
@@ -5435,10 +8492,10 @@
       </p:sp>
       <p:pic>
         <p:nvPicPr>
-          <p:cNvPr id="9" name="Grafik 8" descr="Ein Bild, das Text, Screenshot, Quadrat, Rechteck enthält.&#10;&#10;Automatisch generierte Beschreibung">
-            <a:extLst>
-              <a:ext uri="{FF2B5EF4-FFF2-40B4-BE49-F238E27FC236}">
-                <a16:creationId xmlns:a16="http://schemas.microsoft.com/office/drawing/2014/main" id="{724CC587-2BD8-00E0-3B4B-A24AAF70631D}"/>
+          <p:cNvPr id="8" name="Grafik 7" descr="Ein Bild, das Text, Screenshot, Quadrat, Rechteck enthält.&#10;&#10;Automatisch generierte Beschreibung">
+            <a:extLst>
+              <a:ext uri="{FF2B5EF4-FFF2-40B4-BE49-F238E27FC236}">
+                <a16:creationId xmlns:a16="http://schemas.microsoft.com/office/drawing/2014/main" id="{32CD32A9-437D-0AD2-606D-EBB27E433AFB}"/>
               </a:ext>
             </a:extLst>
           </p:cNvPr>
@@ -5461,7 +8518,7 @@
         </p:blipFill>
         <p:spPr>
           <a:xfrm>
-            <a:off x="4475327" y="2301945"/>
+            <a:off x="4475327" y="2033510"/>
             <a:ext cx="2413000" cy="1930400"/>
           </a:xfrm>
           <a:prstGeom prst="rect">
@@ -5474,7 +8531,7 @@
           <p:cNvPr id="10" name="Textfeld 9">
             <a:extLst>
               <a:ext uri="{FF2B5EF4-FFF2-40B4-BE49-F238E27FC236}">
-                <a16:creationId xmlns:a16="http://schemas.microsoft.com/office/drawing/2014/main" id="{836B0E2B-CA27-5F09-1572-81EAC2BF140F}"/>
+                <a16:creationId xmlns:a16="http://schemas.microsoft.com/office/drawing/2014/main" id="{94818510-6899-4FE6-7BEE-234B41A382D1}"/>
               </a:ext>
             </a:extLst>
           </p:cNvPr>
@@ -5483,7 +8540,7 @@
         </p:nvSpPr>
         <p:spPr>
           <a:xfrm>
-            <a:off x="4637438" y="1932613"/>
+            <a:off x="4637438" y="1664178"/>
             <a:ext cx="2088777" cy="369332"/>
           </a:xfrm>
           <a:prstGeom prst="rect">
@@ -5515,7 +8572,7 @@
           <p:cNvPr id="11" name="Pfeil: nach rechts 10">
             <a:extLst>
               <a:ext uri="{FF2B5EF4-FFF2-40B4-BE49-F238E27FC236}">
-                <a16:creationId xmlns:a16="http://schemas.microsoft.com/office/drawing/2014/main" id="{E2022DA4-DC10-5CB1-D245-E551548ABD17}"/>
+                <a16:creationId xmlns:a16="http://schemas.microsoft.com/office/drawing/2014/main" id="{1FD7BCDE-522A-0689-CC70-A9E73EBD6607}"/>
               </a:ext>
             </a:extLst>
           </p:cNvPr>
@@ -5524,7 +8581,7 @@
         </p:nvSpPr>
         <p:spPr>
           <a:xfrm>
-            <a:off x="7105031" y="3007169"/>
+            <a:off x="7105031" y="2738734"/>
             <a:ext cx="645459" cy="259976"/>
           </a:xfrm>
           <a:prstGeom prst="rightArrow">
@@ -5561,7 +8618,7 @@
           <p:cNvPr id="12" name="Grafik 11" descr="Ein Bild, das Screenshot, Schrift, Grafiken, Farbigkeit enthält.&#10;&#10;Automatisch generierte Beschreibung">
             <a:extLst>
               <a:ext uri="{FF2B5EF4-FFF2-40B4-BE49-F238E27FC236}">
-                <a16:creationId xmlns:a16="http://schemas.microsoft.com/office/drawing/2014/main" id="{A10983B6-32CA-2521-08AF-97D51D6BFD5A}"/>
+                <a16:creationId xmlns:a16="http://schemas.microsoft.com/office/drawing/2014/main" id="{29B9C855-0897-A4D2-C32A-5C5CCE63C41E}"/>
               </a:ext>
             </a:extLst>
           </p:cNvPr>
@@ -5584,7 +8641,7 @@
         </p:blipFill>
         <p:spPr>
           <a:xfrm>
-            <a:off x="7967194" y="2940051"/>
+            <a:off x="7967194" y="2671616"/>
             <a:ext cx="3386606" cy="604431"/>
           </a:xfrm>
           <a:prstGeom prst="rect">
@@ -5597,7 +8654,7 @@
           <p:cNvPr id="13" name="Textfeld 12">
             <a:extLst>
               <a:ext uri="{FF2B5EF4-FFF2-40B4-BE49-F238E27FC236}">
-                <a16:creationId xmlns:a16="http://schemas.microsoft.com/office/drawing/2014/main" id="{43247F34-5E8D-AAA4-9049-A2868F688622}"/>
+                <a16:creationId xmlns:a16="http://schemas.microsoft.com/office/drawing/2014/main" id="{3518C984-8BFC-CEE2-EC3C-E0578347DD89}"/>
               </a:ext>
             </a:extLst>
           </p:cNvPr>
@@ -5606,7 +8663,7 @@
         </p:nvSpPr>
         <p:spPr>
           <a:xfrm>
-            <a:off x="8517013" y="1932613"/>
+            <a:off x="8517013" y="1664178"/>
             <a:ext cx="2088777" cy="369332"/>
           </a:xfrm>
           <a:prstGeom prst="rect">
@@ -5638,7 +8695,7 @@
           <p:cNvPr id="14" name="Pfeil: nach rechts 13">
             <a:extLst>
               <a:ext uri="{FF2B5EF4-FFF2-40B4-BE49-F238E27FC236}">
-                <a16:creationId xmlns:a16="http://schemas.microsoft.com/office/drawing/2014/main" id="{FB4855BA-7DDF-9F13-910B-00FEF1F7DA05}"/>
+                <a16:creationId xmlns:a16="http://schemas.microsoft.com/office/drawing/2014/main" id="{C3CC571F-727C-CA60-5262-EC0EBC1E4641}"/>
               </a:ext>
             </a:extLst>
           </p:cNvPr>
@@ -5647,7 +8704,7 @@
         </p:nvSpPr>
         <p:spPr>
           <a:xfrm>
-            <a:off x="3763233" y="5321097"/>
+            <a:off x="3763233" y="5052662"/>
             <a:ext cx="645459" cy="259976"/>
           </a:xfrm>
           <a:prstGeom prst="rightArrow">
@@ -5684,7 +8741,7 @@
           <p:cNvPr id="15" name="Textfeld 14">
             <a:extLst>
               <a:ext uri="{FF2B5EF4-FFF2-40B4-BE49-F238E27FC236}">
-                <a16:creationId xmlns:a16="http://schemas.microsoft.com/office/drawing/2014/main" id="{175968CC-6396-0BB1-2DBF-977E0FEB06C4}"/>
+                <a16:creationId xmlns:a16="http://schemas.microsoft.com/office/drawing/2014/main" id="{A190D9FD-9965-3CBD-3DC0-0EA8381058F4}"/>
               </a:ext>
             </a:extLst>
           </p:cNvPr>
@@ -5693,7 +8750,7 @@
         </p:nvSpPr>
         <p:spPr>
           <a:xfrm>
-            <a:off x="3332537" y="4807305"/>
+            <a:off x="3332537" y="4538870"/>
             <a:ext cx="1512745" cy="369332"/>
           </a:xfrm>
           <a:prstGeom prst="rect">
@@ -5726,7 +8783,7 @@
           <p:cNvPr id="16" name="Textfeld 15">
             <a:extLst>
               <a:ext uri="{FF2B5EF4-FFF2-40B4-BE49-F238E27FC236}">
-                <a16:creationId xmlns:a16="http://schemas.microsoft.com/office/drawing/2014/main" id="{4EE0FA83-C65A-056F-EA6B-B09C93B08178}"/>
+                <a16:creationId xmlns:a16="http://schemas.microsoft.com/office/drawing/2014/main" id="{982A757E-0994-C896-A3CD-1674D0FB1C8C}"/>
               </a:ext>
             </a:extLst>
           </p:cNvPr>
@@ -5735,7 +8792,7 @@
         </p:nvSpPr>
         <p:spPr>
           <a:xfrm>
-            <a:off x="5007974" y="5283473"/>
+            <a:off x="5007974" y="5015038"/>
             <a:ext cx="2088777" cy="369332"/>
           </a:xfrm>
           <a:prstGeom prst="rect">
@@ -5771,7 +8828,7 @@
           <p:cNvPr id="17" name="Pfeil: nach rechts 16">
             <a:extLst>
               <a:ext uri="{FF2B5EF4-FFF2-40B4-BE49-F238E27FC236}">
-                <a16:creationId xmlns:a16="http://schemas.microsoft.com/office/drawing/2014/main" id="{FFF94A04-C529-20EB-78DF-FABCFEEC9A25}"/>
+                <a16:creationId xmlns:a16="http://schemas.microsoft.com/office/drawing/2014/main" id="{997E9829-52B9-B4C6-B019-5F51A24660F5}"/>
               </a:ext>
             </a:extLst>
           </p:cNvPr>
@@ -5780,7 +8837,7 @@
         </p:nvSpPr>
         <p:spPr>
           <a:xfrm>
-            <a:off x="7696032" y="5351599"/>
+            <a:off x="7696032" y="5083164"/>
             <a:ext cx="645459" cy="259976"/>
           </a:xfrm>
           <a:prstGeom prst="rightArrow">
@@ -5817,7 +8874,7 @@
           <p:cNvPr id="18" name="Textfeld 17">
             <a:extLst>
               <a:ext uri="{FF2B5EF4-FFF2-40B4-BE49-F238E27FC236}">
-                <a16:creationId xmlns:a16="http://schemas.microsoft.com/office/drawing/2014/main" id="{CF7207A4-B2F0-6A14-6571-62AB4CAEF7F1}"/>
+                <a16:creationId xmlns:a16="http://schemas.microsoft.com/office/drawing/2014/main" id="{B19005F9-576E-D7BF-566B-3716C7D33A9B}"/>
               </a:ext>
             </a:extLst>
           </p:cNvPr>
@@ -5826,7 +8883,7 @@
         </p:nvSpPr>
         <p:spPr>
           <a:xfrm>
-            <a:off x="7206542" y="4809253"/>
+            <a:off x="7206542" y="4540818"/>
             <a:ext cx="1624437" cy="369332"/>
           </a:xfrm>
           <a:prstGeom prst="rect">
@@ -5859,7 +8916,7 @@
           <p:cNvPr id="19" name="Textfeld 18">
             <a:extLst>
               <a:ext uri="{FF2B5EF4-FFF2-40B4-BE49-F238E27FC236}">
-                <a16:creationId xmlns:a16="http://schemas.microsoft.com/office/drawing/2014/main" id="{52391B50-AAD0-9BCD-B786-15EC363EE314}"/>
+                <a16:creationId xmlns:a16="http://schemas.microsoft.com/office/drawing/2014/main" id="{C38FEE21-F641-C11A-9B9F-A6BC4605E458}"/>
               </a:ext>
             </a:extLst>
           </p:cNvPr>
@@ -5868,7 +8925,7 @@
         </p:nvSpPr>
         <p:spPr>
           <a:xfrm>
-            <a:off x="8942216" y="5283473"/>
+            <a:off x="8942216" y="5015038"/>
             <a:ext cx="2217346" cy="369332"/>
           </a:xfrm>
           <a:prstGeom prst="rect">
@@ -5904,7 +8961,7 @@
           <p:cNvPr id="20" name="Textfeld 19">
             <a:extLst>
               <a:ext uri="{FF2B5EF4-FFF2-40B4-BE49-F238E27FC236}">
-                <a16:creationId xmlns:a16="http://schemas.microsoft.com/office/drawing/2014/main" id="{04392066-E009-B1EF-116B-C91B52F49572}"/>
+                <a16:creationId xmlns:a16="http://schemas.microsoft.com/office/drawing/2014/main" id="{07C103E2-D30E-FC12-322A-4FA46EAFA008}"/>
               </a:ext>
             </a:extLst>
           </p:cNvPr>
@@ -5913,7 +8970,7 @@
         </p:nvSpPr>
         <p:spPr>
           <a:xfrm>
-            <a:off x="1075175" y="5248203"/>
+            <a:off x="1075175" y="4979768"/>
             <a:ext cx="2088777" cy="369332"/>
           </a:xfrm>
           <a:prstGeom prst="rect">
@@ -5949,7 +9006,7 @@
           <p:cNvPr id="21" name="Textfeld 20">
             <a:extLst>
               <a:ext uri="{FF2B5EF4-FFF2-40B4-BE49-F238E27FC236}">
-                <a16:creationId xmlns:a16="http://schemas.microsoft.com/office/drawing/2014/main" id="{F516724C-DE55-7451-ABC6-E1405FF0575F}"/>
+                <a16:creationId xmlns:a16="http://schemas.microsoft.com/office/drawing/2014/main" id="{C8034705-FEE9-2F16-E955-3E4DBF33F7A8}"/>
               </a:ext>
             </a:extLst>
           </p:cNvPr>
@@ -5958,7 +9015,7 @@
         </p:nvSpPr>
         <p:spPr>
           <a:xfrm>
-            <a:off x="3332538" y="5798961"/>
+            <a:off x="3332538" y="5530526"/>
             <a:ext cx="1512744" cy="369332"/>
           </a:xfrm>
           <a:prstGeom prst="rect">
@@ -5991,7 +9048,7 @@
           <p:cNvPr id="22" name="Textfeld 21">
             <a:extLst>
               <a:ext uri="{FF2B5EF4-FFF2-40B4-BE49-F238E27FC236}">
-                <a16:creationId xmlns:a16="http://schemas.microsoft.com/office/drawing/2014/main" id="{07216DFB-7184-FA88-7F01-86CC0841F95D}"/>
+                <a16:creationId xmlns:a16="http://schemas.microsoft.com/office/drawing/2014/main" id="{7379ABE7-C2DC-1A2A-5785-1FFD39B25384}"/>
               </a:ext>
             </a:extLst>
           </p:cNvPr>
@@ -6000,7 +9057,7 @@
         </p:nvSpPr>
         <p:spPr>
           <a:xfrm>
-            <a:off x="5007974" y="5798961"/>
+            <a:off x="5007974" y="5530526"/>
             <a:ext cx="2097057" cy="369332"/>
           </a:xfrm>
           <a:prstGeom prst="rect">
@@ -6033,7 +9090,7 @@
           <p:cNvPr id="23" name="Textfeld 22">
             <a:extLst>
               <a:ext uri="{FF2B5EF4-FFF2-40B4-BE49-F238E27FC236}">
-                <a16:creationId xmlns:a16="http://schemas.microsoft.com/office/drawing/2014/main" id="{B0D29B35-D207-E651-300A-DB3A9F894E30}"/>
+                <a16:creationId xmlns:a16="http://schemas.microsoft.com/office/drawing/2014/main" id="{D46119F8-A724-91FB-5280-5CEDA2946A33}"/>
               </a:ext>
             </a:extLst>
           </p:cNvPr>
@@ -6042,7 +9099,7 @@
         </p:nvSpPr>
         <p:spPr>
           <a:xfrm>
-            <a:off x="7206542" y="5800633"/>
+            <a:off x="7206542" y="5532198"/>
             <a:ext cx="1624437" cy="369332"/>
           </a:xfrm>
           <a:prstGeom prst="rect">
@@ -6073,7 +9130,7 @@
     </p:spTree>
     <p:extLst>
       <p:ext uri="{BB962C8B-B14F-4D97-AF65-F5344CB8AC3E}">
-        <p14:creationId xmlns:p14="http://schemas.microsoft.com/office/powerpoint/2010/main" val="654064437"/>
+        <p14:creationId xmlns:p14="http://schemas.microsoft.com/office/powerpoint/2010/main" val="2617031235"/>
       </p:ext>
     </p:extLst>
   </p:cSld>
@@ -6102,10 +9159,10 @@
       </p:grpSpPr>
       <p:sp>
         <p:nvSpPr>
-          <p:cNvPr id="2" name="Titel 1">
-            <a:extLst>
-              <a:ext uri="{FF2B5EF4-FFF2-40B4-BE49-F238E27FC236}">
-                <a16:creationId xmlns:a16="http://schemas.microsoft.com/office/drawing/2014/main" id="{1C5B2566-5662-DD96-27D3-D80AB737D2D7}"/>
+          <p:cNvPr id="4" name="Footer Placeholder 3">
+            <a:extLst>
+              <a:ext uri="{FF2B5EF4-FFF2-40B4-BE49-F238E27FC236}">
+                <a16:creationId xmlns:a16="http://schemas.microsoft.com/office/drawing/2014/main" id="{898A889A-0494-48B1-A6C6-B2834F51C151}"/>
               </a:ext>
             </a:extLst>
           </p:cNvPr>
@@ -6113,7 +9170,7 @@
             <a:spLocks noGrp="1"/>
           </p:cNvSpPr>
           <p:nvPr>
-            <p:ph type="title"/>
+            <p:ph type="ftr" sz="quarter" idx="11"/>
           </p:nvPr>
         </p:nvSpPr>
         <p:spPr/>
@@ -6121,16 +9178,19 @@
           <a:bodyPr/>
           <a:lstStyle/>
           <a:p>
-            <a:endParaRPr lang="de-DE"/>
-          </a:p>
-        </p:txBody>
-      </p:sp>
-      <p:sp>
-        <p:nvSpPr>
-          <p:cNvPr id="3" name="Inhaltsplatzhalter 2">
-            <a:extLst>
-              <a:ext uri="{FF2B5EF4-FFF2-40B4-BE49-F238E27FC236}">
-                <a16:creationId xmlns:a16="http://schemas.microsoft.com/office/drawing/2014/main" id="{8E2F0308-729B-1207-6A2C-EABCA7E01F09}"/>
+            <a:r>
+              <a:rPr lang="de-DE" dirty="0"/>
+              <a:t>Nick Schreiber</a:t>
+            </a:r>
+          </a:p>
+        </p:txBody>
+      </p:sp>
+      <p:sp>
+        <p:nvSpPr>
+          <p:cNvPr id="5" name="Slide Number Placeholder 4">
+            <a:extLst>
+              <a:ext uri="{FF2B5EF4-FFF2-40B4-BE49-F238E27FC236}">
+                <a16:creationId xmlns:a16="http://schemas.microsoft.com/office/drawing/2014/main" id="{58800E52-8559-34A1-87B2-065652ACA334}"/>
               </a:ext>
             </a:extLst>
           </p:cNvPr>
@@ -6138,7 +9198,7 @@
             <a:spLocks noGrp="1"/>
           </p:cNvSpPr>
           <p:nvPr>
-            <p:ph idx="1"/>
+            <p:ph type="sldNum" sz="quarter" idx="12"/>
           </p:nvPr>
         </p:nvSpPr>
         <p:spPr/>
@@ -6146,14 +9206,338 @@
           <a:bodyPr/>
           <a:lstStyle/>
           <a:p>
-            <a:endParaRPr lang="de-DE"/>
-          </a:p>
-        </p:txBody>
-      </p:sp>
+            <a:fld id="{629E1D32-139B-4C55-A3C3-B5F4791988C6}" type="slidenum">
+              <a:rPr lang="de-DE" smtClean="0"/>
+              <a:pPr/>
+              <a:t>7</a:t>
+            </a:fld>
+            <a:endParaRPr lang="de-DE" dirty="0"/>
+          </a:p>
+        </p:txBody>
+      </p:sp>
+      <p:sp>
+        <p:nvSpPr>
+          <p:cNvPr id="6" name="Textfeld 5">
+            <a:extLst>
+              <a:ext uri="{FF2B5EF4-FFF2-40B4-BE49-F238E27FC236}">
+                <a16:creationId xmlns:a16="http://schemas.microsoft.com/office/drawing/2014/main" id="{FADE83BF-E7DF-878D-B808-A84A4EFF15B4}"/>
+              </a:ext>
+            </a:extLst>
+          </p:cNvPr>
+          <p:cNvSpPr txBox="1"/>
+          <p:nvPr/>
+        </p:nvSpPr>
+        <p:spPr>
+          <a:xfrm>
+            <a:off x="720000" y="156670"/>
+            <a:ext cx="8664632" cy="923330"/>
+          </a:xfrm>
+          <a:prstGeom prst="rect">
+            <a:avLst/>
+          </a:prstGeom>
+          <a:noFill/>
+        </p:spPr>
+        <p:txBody>
+          <a:bodyPr wrap="square" rtlCol="0">
+            <a:spAutoFit/>
+          </a:bodyPr>
+          <a:lstStyle/>
+          <a:p>
+            <a:r>
+              <a:rPr lang="de-DE" sz="5400" dirty="0"/>
+              <a:t>Aktueller Stand</a:t>
+            </a:r>
+          </a:p>
+        </p:txBody>
+      </p:sp>
+      <p:sp>
+        <p:nvSpPr>
+          <p:cNvPr id="9" name="Textplatzhalter 5">
+            <a:extLst>
+              <a:ext uri="{FF2B5EF4-FFF2-40B4-BE49-F238E27FC236}">
+                <a16:creationId xmlns:a16="http://schemas.microsoft.com/office/drawing/2014/main" id="{CF5413E0-1CD0-80C3-6912-246522BAC478}"/>
+              </a:ext>
+            </a:extLst>
+          </p:cNvPr>
+          <p:cNvSpPr txBox="1">
+            <a:spLocks/>
+          </p:cNvSpPr>
+          <p:nvPr/>
+        </p:nvSpPr>
+        <p:spPr>
+          <a:xfrm>
+            <a:off x="720000" y="1584000"/>
+            <a:ext cx="10753200" cy="4410000"/>
+          </a:xfrm>
+          <a:prstGeom prst="rect">
+            <a:avLst/>
+          </a:prstGeom>
+        </p:spPr>
+        <p:txBody>
+          <a:bodyPr/>
+          <a:lstStyle>
+            <a:lvl1pPr marL="228600" indent="-228600" algn="l" defTabSz="914400" rtl="0" eaLnBrk="1" latinLnBrk="0" hangingPunct="1">
+              <a:lnSpc>
+                <a:spcPct val="90000"/>
+              </a:lnSpc>
+              <a:spcBef>
+                <a:spcPts val="1000"/>
+              </a:spcBef>
+              <a:buFont typeface="Arial" panose="020B0604020202020204" pitchFamily="34" charset="0"/>
+              <a:buChar char="•"/>
+              <a:defRPr sz="2800" kern="1200">
+                <a:solidFill>
+                  <a:schemeClr val="tx1"/>
+                </a:solidFill>
+                <a:latin typeface="+mn-lt"/>
+                <a:ea typeface="+mn-ea"/>
+                <a:cs typeface="+mn-cs"/>
+              </a:defRPr>
+            </a:lvl1pPr>
+            <a:lvl2pPr marL="685800" indent="-228600" algn="l" defTabSz="914400" rtl="0" eaLnBrk="1" latinLnBrk="0" hangingPunct="1">
+              <a:lnSpc>
+                <a:spcPct val="90000"/>
+              </a:lnSpc>
+              <a:spcBef>
+                <a:spcPts val="500"/>
+              </a:spcBef>
+              <a:buFont typeface="Arial" panose="020B0604020202020204" pitchFamily="34" charset="0"/>
+              <a:buChar char="•"/>
+              <a:defRPr sz="2400" kern="1200">
+                <a:solidFill>
+                  <a:schemeClr val="tx1"/>
+                </a:solidFill>
+                <a:latin typeface="+mn-lt"/>
+                <a:ea typeface="+mn-ea"/>
+                <a:cs typeface="+mn-cs"/>
+              </a:defRPr>
+            </a:lvl2pPr>
+            <a:lvl3pPr marL="1143000" indent="-228600" algn="l" defTabSz="914400" rtl="0" eaLnBrk="1" latinLnBrk="0" hangingPunct="1">
+              <a:lnSpc>
+                <a:spcPct val="90000"/>
+              </a:lnSpc>
+              <a:spcBef>
+                <a:spcPts val="500"/>
+              </a:spcBef>
+              <a:buFont typeface="Arial" panose="020B0604020202020204" pitchFamily="34" charset="0"/>
+              <a:buChar char="•"/>
+              <a:defRPr sz="2000" kern="1200">
+                <a:solidFill>
+                  <a:schemeClr val="tx1"/>
+                </a:solidFill>
+                <a:latin typeface="+mn-lt"/>
+                <a:ea typeface="+mn-ea"/>
+                <a:cs typeface="+mn-cs"/>
+              </a:defRPr>
+            </a:lvl3pPr>
+            <a:lvl4pPr marL="1600200" indent="-228600" algn="l" defTabSz="914400" rtl="0" eaLnBrk="1" latinLnBrk="0" hangingPunct="1">
+              <a:lnSpc>
+                <a:spcPct val="90000"/>
+              </a:lnSpc>
+              <a:spcBef>
+                <a:spcPts val="500"/>
+              </a:spcBef>
+              <a:buFont typeface="Arial" panose="020B0604020202020204" pitchFamily="34" charset="0"/>
+              <a:buChar char="•"/>
+              <a:defRPr sz="1800" kern="1200">
+                <a:solidFill>
+                  <a:schemeClr val="tx1"/>
+                </a:solidFill>
+                <a:latin typeface="+mn-lt"/>
+                <a:ea typeface="+mn-ea"/>
+                <a:cs typeface="+mn-cs"/>
+              </a:defRPr>
+            </a:lvl4pPr>
+            <a:lvl5pPr marL="2057400" indent="-228600" algn="l" defTabSz="914400" rtl="0" eaLnBrk="1" latinLnBrk="0" hangingPunct="1">
+              <a:lnSpc>
+                <a:spcPct val="90000"/>
+              </a:lnSpc>
+              <a:spcBef>
+                <a:spcPts val="500"/>
+              </a:spcBef>
+              <a:buFont typeface="Arial" panose="020B0604020202020204" pitchFamily="34" charset="0"/>
+              <a:buChar char="•"/>
+              <a:defRPr sz="1800" kern="1200">
+                <a:solidFill>
+                  <a:schemeClr val="tx1"/>
+                </a:solidFill>
+                <a:latin typeface="+mn-lt"/>
+                <a:ea typeface="+mn-ea"/>
+                <a:cs typeface="+mn-cs"/>
+              </a:defRPr>
+            </a:lvl5pPr>
+            <a:lvl6pPr marL="2514600" indent="-228600" algn="l" defTabSz="914400" rtl="0" eaLnBrk="1" latinLnBrk="0" hangingPunct="1">
+              <a:lnSpc>
+                <a:spcPct val="90000"/>
+              </a:lnSpc>
+              <a:spcBef>
+                <a:spcPts val="500"/>
+              </a:spcBef>
+              <a:buFont typeface="Arial" panose="020B0604020202020204" pitchFamily="34" charset="0"/>
+              <a:buChar char="•"/>
+              <a:defRPr sz="1800" kern="1200">
+                <a:solidFill>
+                  <a:schemeClr val="tx1"/>
+                </a:solidFill>
+                <a:latin typeface="+mn-lt"/>
+                <a:ea typeface="+mn-ea"/>
+                <a:cs typeface="+mn-cs"/>
+              </a:defRPr>
+            </a:lvl6pPr>
+            <a:lvl7pPr marL="2971800" indent="-228600" algn="l" defTabSz="914400" rtl="0" eaLnBrk="1" latinLnBrk="0" hangingPunct="1">
+              <a:lnSpc>
+                <a:spcPct val="90000"/>
+              </a:lnSpc>
+              <a:spcBef>
+                <a:spcPts val="500"/>
+              </a:spcBef>
+              <a:buFont typeface="Arial" panose="020B0604020202020204" pitchFamily="34" charset="0"/>
+              <a:buChar char="•"/>
+              <a:defRPr sz="1800" kern="1200">
+                <a:solidFill>
+                  <a:schemeClr val="tx1"/>
+                </a:solidFill>
+                <a:latin typeface="+mn-lt"/>
+                <a:ea typeface="+mn-ea"/>
+                <a:cs typeface="+mn-cs"/>
+              </a:defRPr>
+            </a:lvl7pPr>
+            <a:lvl8pPr marL="3429000" indent="-228600" algn="l" defTabSz="914400" rtl="0" eaLnBrk="1" latinLnBrk="0" hangingPunct="1">
+              <a:lnSpc>
+                <a:spcPct val="90000"/>
+              </a:lnSpc>
+              <a:spcBef>
+                <a:spcPts val="500"/>
+              </a:spcBef>
+              <a:buFont typeface="Arial" panose="020B0604020202020204" pitchFamily="34" charset="0"/>
+              <a:buChar char="•"/>
+              <a:defRPr sz="1800" kern="1200">
+                <a:solidFill>
+                  <a:schemeClr val="tx1"/>
+                </a:solidFill>
+                <a:latin typeface="+mn-lt"/>
+                <a:ea typeface="+mn-ea"/>
+                <a:cs typeface="+mn-cs"/>
+              </a:defRPr>
+            </a:lvl8pPr>
+            <a:lvl9pPr marL="3886200" indent="-228600" algn="l" defTabSz="914400" rtl="0" eaLnBrk="1" latinLnBrk="0" hangingPunct="1">
+              <a:lnSpc>
+                <a:spcPct val="90000"/>
+              </a:lnSpc>
+              <a:spcBef>
+                <a:spcPts val="500"/>
+              </a:spcBef>
+              <a:buFont typeface="Arial" panose="020B0604020202020204" pitchFamily="34" charset="0"/>
+              <a:buChar char="•"/>
+              <a:defRPr sz="1800" kern="1200">
+                <a:solidFill>
+                  <a:schemeClr val="tx1"/>
+                </a:solidFill>
+                <a:latin typeface="+mn-lt"/>
+                <a:ea typeface="+mn-ea"/>
+                <a:cs typeface="+mn-cs"/>
+              </a:defRPr>
+            </a:lvl9pPr>
+          </a:lstStyle>
+          <a:p>
+            <a:pPr marL="0" indent="0">
+              <a:buNone/>
+            </a:pPr>
+            <a:r>
+              <a:rPr lang="de-DE" dirty="0"/>
+              <a:t>Code läuft, erste Ergebnisse auf Testbild:</a:t>
+            </a:r>
+          </a:p>
+          <a:p>
+            <a:pPr marL="0" indent="0">
+              <a:buNone/>
+            </a:pPr>
+            <a:endParaRPr lang="de-DE" dirty="0"/>
+          </a:p>
+          <a:p>
+            <a:pPr marL="0" indent="0">
+              <a:buNone/>
+            </a:pPr>
+            <a:endParaRPr lang="de-DE" dirty="0"/>
+          </a:p>
+        </p:txBody>
+      </p:sp>
+      <p:pic>
+        <p:nvPicPr>
+          <p:cNvPr id="8" name="Grafik 7" descr="Ein Bild, das Text, Screenshot, Schrift, Reihe enthält.&#10;&#10;Automatisch generierte Beschreibung">
+            <a:extLst>
+              <a:ext uri="{FF2B5EF4-FFF2-40B4-BE49-F238E27FC236}">
+                <a16:creationId xmlns:a16="http://schemas.microsoft.com/office/drawing/2014/main" id="{3D9A4182-70B0-3DBD-D537-520DF319E7EF}"/>
+              </a:ext>
+            </a:extLst>
+          </p:cNvPr>
+          <p:cNvPicPr>
+            <a:picLocks noChangeAspect="1"/>
+          </p:cNvPicPr>
+          <p:nvPr/>
+        </p:nvPicPr>
+        <p:blipFill>
+          <a:blip r:embed="rId2">
+            <a:extLst>
+              <a:ext uri="{28A0092B-C50C-407E-A947-70E740481C1C}">
+                <a14:useLocalDpi xmlns:a14="http://schemas.microsoft.com/office/drawing/2010/main" val="0"/>
+              </a:ext>
+            </a:extLst>
+          </a:blip>
+          <a:stretch>
+            <a:fillRect/>
+          </a:stretch>
+        </p:blipFill>
+        <p:spPr>
+          <a:xfrm>
+            <a:off x="882316" y="3429000"/>
+            <a:ext cx="10427368" cy="1529884"/>
+          </a:xfrm>
+          <a:prstGeom prst="rect">
+            <a:avLst/>
+          </a:prstGeom>
+        </p:spPr>
+      </p:pic>
+      <p:pic>
+        <p:nvPicPr>
+          <p:cNvPr id="11" name="Grafik 10" descr="Ein Bild, das Text, Screenshot, Display, Schrift enthält.&#10;&#10;Automatisch generierte Beschreibung">
+            <a:extLst>
+              <a:ext uri="{FF2B5EF4-FFF2-40B4-BE49-F238E27FC236}">
+                <a16:creationId xmlns:a16="http://schemas.microsoft.com/office/drawing/2014/main" id="{91B2D1F6-D99C-517D-04F5-BA0B89F4FC57}"/>
+              </a:ext>
+            </a:extLst>
+          </p:cNvPr>
+          <p:cNvPicPr>
+            <a:picLocks noChangeAspect="1"/>
+          </p:cNvPicPr>
+          <p:nvPr/>
+        </p:nvPicPr>
+        <p:blipFill>
+          <a:blip r:embed="rId3">
+            <a:extLst>
+              <a:ext uri="{28A0092B-C50C-407E-A947-70E740481C1C}">
+                <a14:useLocalDpi xmlns:a14="http://schemas.microsoft.com/office/drawing/2010/main" val="0"/>
+              </a:ext>
+            </a:extLst>
+          </a:blip>
+          <a:stretch>
+            <a:fillRect/>
+          </a:stretch>
+        </p:blipFill>
+        <p:spPr>
+          <a:xfrm>
+            <a:off x="7819292" y="1190929"/>
+            <a:ext cx="2282308" cy="1734071"/>
+          </a:xfrm>
+          <a:prstGeom prst="rect">
+            <a:avLst/>
+          </a:prstGeom>
+        </p:spPr>
+      </p:pic>
     </p:spTree>
     <p:extLst>
       <p:ext uri="{BB962C8B-B14F-4D97-AF65-F5344CB8AC3E}">
-        <p14:creationId xmlns:p14="http://schemas.microsoft.com/office/powerpoint/2010/main" val="3867847779"/>
+        <p14:creationId xmlns:p14="http://schemas.microsoft.com/office/powerpoint/2010/main" val="3385906201"/>
       </p:ext>
     </p:extLst>
   </p:cSld>
@@ -6164,7 +9548,7 @@
 </file>
 
 <file path=ppt/slides/slide8.xml><?xml version="1.0" encoding="utf-8"?>
-<p:sld xmlns:a="http://schemas.openxmlformats.org/drawingml/2006/main" xmlns:r="http://schemas.openxmlformats.org/officeDocument/2006/relationships" xmlns:p="http://schemas.openxmlformats.org/presentationml/2006/main" show="0">
+<p:sld xmlns:a="http://schemas.openxmlformats.org/drawingml/2006/main" xmlns:r="http://schemas.openxmlformats.org/officeDocument/2006/relationships" xmlns:p="http://schemas.openxmlformats.org/presentationml/2006/main">
   <p:cSld>
     <p:spTree>
       <p:nvGrpSpPr>
@@ -6180,104 +9564,80 @@
           <a:chExt cx="0" cy="0"/>
         </a:xfrm>
       </p:grpSpPr>
-      <p:pic>
-        <p:nvPicPr>
-          <p:cNvPr id="5" name="Grafik 4" descr="Ein Bild, das Vogel, Eisvogel, Wildleben, Schnabel enthält.&#10;&#10;Automatisch generierte Beschreibung">
-            <a:extLst>
-              <a:ext uri="{FF2B5EF4-FFF2-40B4-BE49-F238E27FC236}">
-                <a16:creationId xmlns:a16="http://schemas.microsoft.com/office/drawing/2014/main" id="{10B7B537-C1E4-13EB-DF89-3244B63C4D78}"/>
-              </a:ext>
-            </a:extLst>
-          </p:cNvPr>
-          <p:cNvPicPr>
-            <a:picLocks noChangeAspect="1"/>
-          </p:cNvPicPr>
+      <p:sp>
+        <p:nvSpPr>
+          <p:cNvPr id="4" name="Footer Placeholder 3">
+            <a:extLst>
+              <a:ext uri="{FF2B5EF4-FFF2-40B4-BE49-F238E27FC236}">
+                <a16:creationId xmlns:a16="http://schemas.microsoft.com/office/drawing/2014/main" id="{898A889A-0494-48B1-A6C6-B2834F51C151}"/>
+              </a:ext>
+            </a:extLst>
+          </p:cNvPr>
+          <p:cNvSpPr>
+            <a:spLocks noGrp="1"/>
+          </p:cNvSpPr>
+          <p:nvPr>
+            <p:ph type="ftr" sz="quarter" idx="11"/>
+          </p:nvPr>
+        </p:nvSpPr>
+        <p:spPr/>
+        <p:txBody>
+          <a:bodyPr/>
+          <a:lstStyle/>
+          <a:p>
+            <a:r>
+              <a:rPr lang="de-DE" dirty="0"/>
+              <a:t>Nick Schreiber</a:t>
+            </a:r>
+          </a:p>
+        </p:txBody>
+      </p:sp>
+      <p:sp>
+        <p:nvSpPr>
+          <p:cNvPr id="5" name="Slide Number Placeholder 4">
+            <a:extLst>
+              <a:ext uri="{FF2B5EF4-FFF2-40B4-BE49-F238E27FC236}">
+                <a16:creationId xmlns:a16="http://schemas.microsoft.com/office/drawing/2014/main" id="{58800E52-8559-34A1-87B2-065652ACA334}"/>
+              </a:ext>
+            </a:extLst>
+          </p:cNvPr>
+          <p:cNvSpPr>
+            <a:spLocks noGrp="1"/>
+          </p:cNvSpPr>
+          <p:nvPr>
+            <p:ph type="sldNum" sz="quarter" idx="12"/>
+          </p:nvPr>
+        </p:nvSpPr>
+        <p:spPr/>
+        <p:txBody>
+          <a:bodyPr/>
+          <a:lstStyle/>
+          <a:p>
+            <a:fld id="{629E1D32-139B-4C55-A3C3-B5F4791988C6}" type="slidenum">
+              <a:rPr lang="de-DE" smtClean="0"/>
+              <a:pPr/>
+              <a:t>8</a:t>
+            </a:fld>
+            <a:endParaRPr lang="de-DE" dirty="0"/>
+          </a:p>
+        </p:txBody>
+      </p:sp>
+      <p:sp>
+        <p:nvSpPr>
+          <p:cNvPr id="6" name="Textfeld 5">
+            <a:extLst>
+              <a:ext uri="{FF2B5EF4-FFF2-40B4-BE49-F238E27FC236}">
+                <a16:creationId xmlns:a16="http://schemas.microsoft.com/office/drawing/2014/main" id="{FADE83BF-E7DF-878D-B808-A84A4EFF15B4}"/>
+              </a:ext>
+            </a:extLst>
+          </p:cNvPr>
+          <p:cNvSpPr txBox="1"/>
           <p:nvPr/>
-        </p:nvPicPr>
-        <p:blipFill>
-          <a:blip r:embed="rId2">
-            <a:extLst>
-              <a:ext uri="{28A0092B-C50C-407E-A947-70E740481C1C}">
-                <a14:useLocalDpi xmlns:a14="http://schemas.microsoft.com/office/drawing/2010/main" val="0"/>
-              </a:ext>
-            </a:extLst>
-          </a:blip>
-          <a:stretch>
-            <a:fillRect/>
-          </a:stretch>
-        </p:blipFill>
+        </p:nvSpPr>
         <p:spPr>
           <a:xfrm>
-            <a:off x="722317" y="1353761"/>
-            <a:ext cx="2562726" cy="1708484"/>
-          </a:xfrm>
-          <a:prstGeom prst="rect">
-            <a:avLst/>
-          </a:prstGeom>
-        </p:spPr>
-      </p:pic>
-      <p:sp>
-        <p:nvSpPr>
-          <p:cNvPr id="6" name="Pfeil: nach rechts 5">
-            <a:extLst>
-              <a:ext uri="{FF2B5EF4-FFF2-40B4-BE49-F238E27FC236}">
-                <a16:creationId xmlns:a16="http://schemas.microsoft.com/office/drawing/2014/main" id="{1B445CB7-B81F-56BD-C0B0-1CF79A4085F5}"/>
-              </a:ext>
-            </a:extLst>
-          </p:cNvPr>
-          <p:cNvSpPr/>
-          <p:nvPr/>
-        </p:nvSpPr>
-        <p:spPr>
-          <a:xfrm>
-            <a:off x="3501748" y="1967057"/>
-            <a:ext cx="645459" cy="259976"/>
-          </a:xfrm>
-          <a:prstGeom prst="rightArrow">
-            <a:avLst/>
-          </a:prstGeom>
-        </p:spPr>
-        <p:style>
-          <a:lnRef idx="2">
-            <a:schemeClr val="dk1">
-              <a:shade val="15000"/>
-            </a:schemeClr>
-          </a:lnRef>
-          <a:fillRef idx="1">
-            <a:schemeClr val="dk1"/>
-          </a:fillRef>
-          <a:effectRef idx="0">
-            <a:schemeClr val="dk1"/>
-          </a:effectRef>
-          <a:fontRef idx="minor">
-            <a:schemeClr val="lt1"/>
-          </a:fontRef>
-        </p:style>
-        <p:txBody>
-          <a:bodyPr rtlCol="0" anchor="ctr"/>
-          <a:lstStyle/>
-          <a:p>
-            <a:pPr algn="ctr"/>
-            <a:endParaRPr lang="de-DE" dirty="0"/>
-          </a:p>
-        </p:txBody>
-      </p:sp>
-      <p:sp>
-        <p:nvSpPr>
-          <p:cNvPr id="7" name="Textfeld 6">
-            <a:extLst>
-              <a:ext uri="{FF2B5EF4-FFF2-40B4-BE49-F238E27FC236}">
-                <a16:creationId xmlns:a16="http://schemas.microsoft.com/office/drawing/2014/main" id="{CAAD860C-C9D6-369B-F8D9-306DA2FBE4FD}"/>
-              </a:ext>
-            </a:extLst>
-          </p:cNvPr>
-          <p:cNvSpPr txBox="1"/>
-          <p:nvPr/>
-        </p:nvSpPr>
-        <p:spPr>
-          <a:xfrm>
-            <a:off x="959292" y="873471"/>
-            <a:ext cx="2088777" cy="369332"/>
+            <a:off x="720000" y="156670"/>
+            <a:ext cx="8664632" cy="923330"/>
           </a:xfrm>
           <a:prstGeom prst="rect">
             <a:avLst/>
@@ -6290,637 +9650,225 @@
           </a:bodyPr>
           <a:lstStyle/>
           <a:p>
-            <a:pPr algn="ctr"/>
-            <a:r>
-              <a:rPr lang="de-DE" dirty="0"/>
-              <a:t>Originalbild (RAW)</a:t>
-            </a:r>
-          </a:p>
-        </p:txBody>
-      </p:sp>
-      <p:pic>
-        <p:nvPicPr>
-          <p:cNvPr id="13" name="Grafik 12" descr="Ein Bild, das Text, Screenshot, Quadrat, Rechteck enthält.&#10;&#10;Automatisch generierte Beschreibung">
-            <a:extLst>
-              <a:ext uri="{FF2B5EF4-FFF2-40B4-BE49-F238E27FC236}">
-                <a16:creationId xmlns:a16="http://schemas.microsoft.com/office/drawing/2014/main" id="{933E9079-8C15-54FB-4BE9-BBBFE7838D1D}"/>
-              </a:ext>
-            </a:extLst>
-          </p:cNvPr>
-          <p:cNvPicPr>
-            <a:picLocks noChangeAspect="1"/>
-          </p:cNvPicPr>
+            <a:r>
+              <a:rPr lang="de-DE" sz="5400" dirty="0"/>
+              <a:t>Probleme</a:t>
+            </a:r>
+          </a:p>
+        </p:txBody>
+      </p:sp>
+      <p:sp>
+        <p:nvSpPr>
+          <p:cNvPr id="9" name="Textplatzhalter 5">
+            <a:extLst>
+              <a:ext uri="{FF2B5EF4-FFF2-40B4-BE49-F238E27FC236}">
+                <a16:creationId xmlns:a16="http://schemas.microsoft.com/office/drawing/2014/main" id="{CF5413E0-1CD0-80C3-6912-246522BAC478}"/>
+              </a:ext>
+            </a:extLst>
+          </p:cNvPr>
+          <p:cNvSpPr txBox="1">
+            <a:spLocks/>
+          </p:cNvSpPr>
           <p:nvPr/>
-        </p:nvPicPr>
-        <p:blipFill>
-          <a:blip r:embed="rId3">
-            <a:extLst>
-              <a:ext uri="{28A0092B-C50C-407E-A947-70E740481C1C}">
-                <a14:useLocalDpi xmlns:a14="http://schemas.microsoft.com/office/drawing/2010/main" val="0"/>
-              </a:ext>
-            </a:extLst>
-          </a:blip>
-          <a:stretch>
-            <a:fillRect/>
-          </a:stretch>
-        </p:blipFill>
+        </p:nvSpPr>
         <p:spPr>
           <a:xfrm>
-            <a:off x="4363911" y="1242803"/>
-            <a:ext cx="2413000" cy="1930400"/>
+            <a:off x="720000" y="1584000"/>
+            <a:ext cx="10753200" cy="4410000"/>
           </a:xfrm>
           <a:prstGeom prst="rect">
             <a:avLst/>
           </a:prstGeom>
         </p:spPr>
-      </p:pic>
-      <p:sp>
-        <p:nvSpPr>
-          <p:cNvPr id="14" name="Textfeld 13">
-            <a:extLst>
-              <a:ext uri="{FF2B5EF4-FFF2-40B4-BE49-F238E27FC236}">
-                <a16:creationId xmlns:a16="http://schemas.microsoft.com/office/drawing/2014/main" id="{5423E1CD-4DAA-CF51-1196-3F946C63ED9E}"/>
-              </a:ext>
-            </a:extLst>
-          </p:cNvPr>
-          <p:cNvSpPr txBox="1"/>
-          <p:nvPr/>
-        </p:nvSpPr>
-        <p:spPr>
-          <a:xfrm>
-            <a:off x="4526022" y="873471"/>
-            <a:ext cx="2088777" cy="369332"/>
-          </a:xfrm>
-          <a:prstGeom prst="rect">
-            <a:avLst/>
-          </a:prstGeom>
-          <a:noFill/>
-        </p:spPr>
-        <p:txBody>
-          <a:bodyPr wrap="square" rtlCol="0">
-            <a:spAutoFit/>
-          </a:bodyPr>
-          <a:lstStyle/>
-          <a:p>
-            <a:pPr algn="ctr"/>
+        <p:txBody>
+          <a:bodyPr/>
+          <a:lstStyle>
+            <a:lvl1pPr marL="228600" indent="-228600" algn="l" defTabSz="914400" rtl="0" eaLnBrk="1" latinLnBrk="0" hangingPunct="1">
+              <a:lnSpc>
+                <a:spcPct val="90000"/>
+              </a:lnSpc>
+              <a:spcBef>
+                <a:spcPts val="1000"/>
+              </a:spcBef>
+              <a:buFont typeface="Arial" panose="020B0604020202020204" pitchFamily="34" charset="0"/>
+              <a:buChar char="•"/>
+              <a:defRPr sz="2800" kern="1200">
+                <a:solidFill>
+                  <a:schemeClr val="tx1"/>
+                </a:solidFill>
+                <a:latin typeface="+mn-lt"/>
+                <a:ea typeface="+mn-ea"/>
+                <a:cs typeface="+mn-cs"/>
+              </a:defRPr>
+            </a:lvl1pPr>
+            <a:lvl2pPr marL="685800" indent="-228600" algn="l" defTabSz="914400" rtl="0" eaLnBrk="1" latinLnBrk="0" hangingPunct="1">
+              <a:lnSpc>
+                <a:spcPct val="90000"/>
+              </a:lnSpc>
+              <a:spcBef>
+                <a:spcPts val="500"/>
+              </a:spcBef>
+              <a:buFont typeface="Arial" panose="020B0604020202020204" pitchFamily="34" charset="0"/>
+              <a:buChar char="•"/>
+              <a:defRPr sz="2400" kern="1200">
+                <a:solidFill>
+                  <a:schemeClr val="tx1"/>
+                </a:solidFill>
+                <a:latin typeface="+mn-lt"/>
+                <a:ea typeface="+mn-ea"/>
+                <a:cs typeface="+mn-cs"/>
+              </a:defRPr>
+            </a:lvl2pPr>
+            <a:lvl3pPr marL="1143000" indent="-228600" algn="l" defTabSz="914400" rtl="0" eaLnBrk="1" latinLnBrk="0" hangingPunct="1">
+              <a:lnSpc>
+                <a:spcPct val="90000"/>
+              </a:lnSpc>
+              <a:spcBef>
+                <a:spcPts val="500"/>
+              </a:spcBef>
+              <a:buFont typeface="Arial" panose="020B0604020202020204" pitchFamily="34" charset="0"/>
+              <a:buChar char="•"/>
+              <a:defRPr sz="2000" kern="1200">
+                <a:solidFill>
+                  <a:schemeClr val="tx1"/>
+                </a:solidFill>
+                <a:latin typeface="+mn-lt"/>
+                <a:ea typeface="+mn-ea"/>
+                <a:cs typeface="+mn-cs"/>
+              </a:defRPr>
+            </a:lvl3pPr>
+            <a:lvl4pPr marL="1600200" indent="-228600" algn="l" defTabSz="914400" rtl="0" eaLnBrk="1" latinLnBrk="0" hangingPunct="1">
+              <a:lnSpc>
+                <a:spcPct val="90000"/>
+              </a:lnSpc>
+              <a:spcBef>
+                <a:spcPts val="500"/>
+              </a:spcBef>
+              <a:buFont typeface="Arial" panose="020B0604020202020204" pitchFamily="34" charset="0"/>
+              <a:buChar char="•"/>
+              <a:defRPr sz="1800" kern="1200">
+                <a:solidFill>
+                  <a:schemeClr val="tx1"/>
+                </a:solidFill>
+                <a:latin typeface="+mn-lt"/>
+                <a:ea typeface="+mn-ea"/>
+                <a:cs typeface="+mn-cs"/>
+              </a:defRPr>
+            </a:lvl4pPr>
+            <a:lvl5pPr marL="2057400" indent="-228600" algn="l" defTabSz="914400" rtl="0" eaLnBrk="1" latinLnBrk="0" hangingPunct="1">
+              <a:lnSpc>
+                <a:spcPct val="90000"/>
+              </a:lnSpc>
+              <a:spcBef>
+                <a:spcPts val="500"/>
+              </a:spcBef>
+              <a:buFont typeface="Arial" panose="020B0604020202020204" pitchFamily="34" charset="0"/>
+              <a:buChar char="•"/>
+              <a:defRPr sz="1800" kern="1200">
+                <a:solidFill>
+                  <a:schemeClr val="tx1"/>
+                </a:solidFill>
+                <a:latin typeface="+mn-lt"/>
+                <a:ea typeface="+mn-ea"/>
+                <a:cs typeface="+mn-cs"/>
+              </a:defRPr>
+            </a:lvl5pPr>
+            <a:lvl6pPr marL="2514600" indent="-228600" algn="l" defTabSz="914400" rtl="0" eaLnBrk="1" latinLnBrk="0" hangingPunct="1">
+              <a:lnSpc>
+                <a:spcPct val="90000"/>
+              </a:lnSpc>
+              <a:spcBef>
+                <a:spcPts val="500"/>
+              </a:spcBef>
+              <a:buFont typeface="Arial" panose="020B0604020202020204" pitchFamily="34" charset="0"/>
+              <a:buChar char="•"/>
+              <a:defRPr sz="1800" kern="1200">
+                <a:solidFill>
+                  <a:schemeClr val="tx1"/>
+                </a:solidFill>
+                <a:latin typeface="+mn-lt"/>
+                <a:ea typeface="+mn-ea"/>
+                <a:cs typeface="+mn-cs"/>
+              </a:defRPr>
+            </a:lvl6pPr>
+            <a:lvl7pPr marL="2971800" indent="-228600" algn="l" defTabSz="914400" rtl="0" eaLnBrk="1" latinLnBrk="0" hangingPunct="1">
+              <a:lnSpc>
+                <a:spcPct val="90000"/>
+              </a:lnSpc>
+              <a:spcBef>
+                <a:spcPts val="500"/>
+              </a:spcBef>
+              <a:buFont typeface="Arial" panose="020B0604020202020204" pitchFamily="34" charset="0"/>
+              <a:buChar char="•"/>
+              <a:defRPr sz="1800" kern="1200">
+                <a:solidFill>
+                  <a:schemeClr val="tx1"/>
+                </a:solidFill>
+                <a:latin typeface="+mn-lt"/>
+                <a:ea typeface="+mn-ea"/>
+                <a:cs typeface="+mn-cs"/>
+              </a:defRPr>
+            </a:lvl7pPr>
+            <a:lvl8pPr marL="3429000" indent="-228600" algn="l" defTabSz="914400" rtl="0" eaLnBrk="1" latinLnBrk="0" hangingPunct="1">
+              <a:lnSpc>
+                <a:spcPct val="90000"/>
+              </a:lnSpc>
+              <a:spcBef>
+                <a:spcPts val="500"/>
+              </a:spcBef>
+              <a:buFont typeface="Arial" panose="020B0604020202020204" pitchFamily="34" charset="0"/>
+              <a:buChar char="•"/>
+              <a:defRPr sz="1800" kern="1200">
+                <a:solidFill>
+                  <a:schemeClr val="tx1"/>
+                </a:solidFill>
+                <a:latin typeface="+mn-lt"/>
+                <a:ea typeface="+mn-ea"/>
+                <a:cs typeface="+mn-cs"/>
+              </a:defRPr>
+            </a:lvl8pPr>
+            <a:lvl9pPr marL="3886200" indent="-228600" algn="l" defTabSz="914400" rtl="0" eaLnBrk="1" latinLnBrk="0" hangingPunct="1">
+              <a:lnSpc>
+                <a:spcPct val="90000"/>
+              </a:lnSpc>
+              <a:spcBef>
+                <a:spcPts val="500"/>
+              </a:spcBef>
+              <a:buFont typeface="Arial" panose="020B0604020202020204" pitchFamily="34" charset="0"/>
+              <a:buChar char="•"/>
+              <a:defRPr sz="1800" kern="1200">
+                <a:solidFill>
+                  <a:schemeClr val="tx1"/>
+                </a:solidFill>
+                <a:latin typeface="+mn-lt"/>
+                <a:ea typeface="+mn-ea"/>
+                <a:cs typeface="+mn-cs"/>
+              </a:defRPr>
+            </a:lvl9pPr>
+          </a:lstStyle>
+          <a:p>
             <a:r>
               <a:rPr lang="de-DE" dirty="0"/>
-              <a:t>RGB-Matrix</a:t>
-            </a:r>
-          </a:p>
-        </p:txBody>
-      </p:sp>
-      <p:sp>
-        <p:nvSpPr>
-          <p:cNvPr id="15" name="Pfeil: nach rechts 14">
-            <a:extLst>
-              <a:ext uri="{FF2B5EF4-FFF2-40B4-BE49-F238E27FC236}">
-                <a16:creationId xmlns:a16="http://schemas.microsoft.com/office/drawing/2014/main" id="{81096BE4-7812-49DD-811E-F68A3E331BB1}"/>
-              </a:ext>
-            </a:extLst>
-          </p:cNvPr>
-          <p:cNvSpPr/>
-          <p:nvPr/>
-        </p:nvSpPr>
-        <p:spPr>
-          <a:xfrm>
-            <a:off x="6993615" y="1948027"/>
-            <a:ext cx="645459" cy="259976"/>
-          </a:xfrm>
-          <a:prstGeom prst="rightArrow">
-            <a:avLst/>
-          </a:prstGeom>
-        </p:spPr>
-        <p:style>
-          <a:lnRef idx="2">
-            <a:schemeClr val="dk1">
-              <a:shade val="15000"/>
-            </a:schemeClr>
-          </a:lnRef>
-          <a:fillRef idx="1">
-            <a:schemeClr val="dk1"/>
-          </a:fillRef>
-          <a:effectRef idx="0">
-            <a:schemeClr val="dk1"/>
-          </a:effectRef>
-          <a:fontRef idx="minor">
-            <a:schemeClr val="lt1"/>
-          </a:fontRef>
-        </p:style>
-        <p:txBody>
-          <a:bodyPr rtlCol="0" anchor="ctr"/>
-          <a:lstStyle/>
-          <a:p>
-            <a:pPr algn="ctr"/>
-            <a:endParaRPr lang="de-DE" dirty="0"/>
-          </a:p>
-        </p:txBody>
-      </p:sp>
-      <p:pic>
-        <p:nvPicPr>
-          <p:cNvPr id="19" name="Grafik 18" descr="Ein Bild, das Screenshot, Schrift, Grafiken, Farbigkeit enthält.&#10;&#10;Automatisch generierte Beschreibung">
-            <a:extLst>
-              <a:ext uri="{FF2B5EF4-FFF2-40B4-BE49-F238E27FC236}">
-                <a16:creationId xmlns:a16="http://schemas.microsoft.com/office/drawing/2014/main" id="{BD04B801-88E1-3507-2E51-CC0B32ED36C1}"/>
-              </a:ext>
-            </a:extLst>
-          </p:cNvPr>
-          <p:cNvPicPr>
-            <a:picLocks noChangeAspect="1"/>
-          </p:cNvPicPr>
-          <p:nvPr/>
-        </p:nvPicPr>
-        <p:blipFill>
-          <a:blip r:embed="rId4">
-            <a:extLst>
-              <a:ext uri="{28A0092B-C50C-407E-A947-70E740481C1C}">
-                <a14:useLocalDpi xmlns:a14="http://schemas.microsoft.com/office/drawing/2010/main" val="0"/>
-              </a:ext>
-            </a:extLst>
-          </a:blip>
-          <a:stretch>
-            <a:fillRect/>
-          </a:stretch>
-        </p:blipFill>
-        <p:spPr>
-          <a:xfrm>
-            <a:off x="7855778" y="1880909"/>
-            <a:ext cx="3386606" cy="604431"/>
-          </a:xfrm>
-          <a:prstGeom prst="rect">
-            <a:avLst/>
-          </a:prstGeom>
-        </p:spPr>
-      </p:pic>
-      <p:sp>
-        <p:nvSpPr>
-          <p:cNvPr id="20" name="Textfeld 19">
-            <a:extLst>
-              <a:ext uri="{FF2B5EF4-FFF2-40B4-BE49-F238E27FC236}">
-                <a16:creationId xmlns:a16="http://schemas.microsoft.com/office/drawing/2014/main" id="{78515C7B-894D-D4B7-804E-A304BDD0842C}"/>
-              </a:ext>
-            </a:extLst>
-          </p:cNvPr>
-          <p:cNvSpPr txBox="1"/>
-          <p:nvPr/>
-        </p:nvSpPr>
-        <p:spPr>
-          <a:xfrm>
-            <a:off x="8405597" y="873471"/>
-            <a:ext cx="2088777" cy="369332"/>
-          </a:xfrm>
-          <a:prstGeom prst="rect">
-            <a:avLst/>
-          </a:prstGeom>
-          <a:noFill/>
-        </p:spPr>
-        <p:txBody>
-          <a:bodyPr wrap="square" rtlCol="0">
-            <a:spAutoFit/>
-          </a:bodyPr>
-          <a:lstStyle/>
-          <a:p>
-            <a:pPr algn="ctr"/>
+              <a:t>Implementierung der Algorithmen ist nicht trivial</a:t>
+            </a:r>
+          </a:p>
+          <a:p>
             <a:r>
               <a:rPr lang="de-DE" dirty="0"/>
-              <a:t>RGB-Flat-Array</a:t>
-            </a:r>
-          </a:p>
-        </p:txBody>
-      </p:sp>
-      <p:sp>
-        <p:nvSpPr>
-          <p:cNvPr id="21" name="Pfeil: nach rechts 20">
-            <a:extLst>
-              <a:ext uri="{FF2B5EF4-FFF2-40B4-BE49-F238E27FC236}">
-                <a16:creationId xmlns:a16="http://schemas.microsoft.com/office/drawing/2014/main" id="{41EF1246-2E48-7CF5-B5A8-12FE245A693D}"/>
-              </a:ext>
-            </a:extLst>
-          </p:cNvPr>
-          <p:cNvSpPr/>
-          <p:nvPr/>
-        </p:nvSpPr>
-        <p:spPr>
-          <a:xfrm>
-            <a:off x="3647350" y="4503880"/>
-            <a:ext cx="645459" cy="259976"/>
-          </a:xfrm>
-          <a:prstGeom prst="rightArrow">
-            <a:avLst/>
-          </a:prstGeom>
-        </p:spPr>
-        <p:style>
-          <a:lnRef idx="2">
-            <a:schemeClr val="dk1">
-              <a:shade val="15000"/>
-            </a:schemeClr>
-          </a:lnRef>
-          <a:fillRef idx="1">
-            <a:schemeClr val="dk1"/>
-          </a:fillRef>
-          <a:effectRef idx="0">
-            <a:schemeClr val="dk1"/>
-          </a:effectRef>
-          <a:fontRef idx="minor">
-            <a:schemeClr val="lt1"/>
-          </a:fontRef>
-        </p:style>
-        <p:txBody>
-          <a:bodyPr rtlCol="0" anchor="ctr"/>
-          <a:lstStyle/>
-          <a:p>
-            <a:pPr algn="ctr"/>
-            <a:endParaRPr lang="de-DE" dirty="0"/>
-          </a:p>
-        </p:txBody>
-      </p:sp>
-      <p:sp>
-        <p:nvSpPr>
-          <p:cNvPr id="22" name="Textfeld 21">
-            <a:extLst>
-              <a:ext uri="{FF2B5EF4-FFF2-40B4-BE49-F238E27FC236}">
-                <a16:creationId xmlns:a16="http://schemas.microsoft.com/office/drawing/2014/main" id="{EAB8772C-DD23-423A-7EA5-B6A8C1B64254}"/>
-              </a:ext>
-            </a:extLst>
-          </p:cNvPr>
-          <p:cNvSpPr txBox="1"/>
-          <p:nvPr/>
-        </p:nvSpPr>
-        <p:spPr>
-          <a:xfrm>
-            <a:off x="3216654" y="3990088"/>
-            <a:ext cx="1512745" cy="369332"/>
-          </a:xfrm>
-          <a:prstGeom prst="rect">
-            <a:avLst/>
-          </a:prstGeom>
-          <a:noFill/>
-          <a:ln>
-            <a:solidFill>
-              <a:schemeClr val="tx1"/>
-            </a:solidFill>
-            <a:prstDash val="solid"/>
-          </a:ln>
-        </p:spPr>
-        <p:txBody>
-          <a:bodyPr wrap="square" rtlCol="0">
-            <a:spAutoFit/>
-          </a:bodyPr>
-          <a:lstStyle/>
-          <a:p>
-            <a:pPr algn="ctr"/>
-            <a:r>
+              <a:t>Große Matrizen sind eine Herausforderung </a:t>
+            </a:r>
+            <a:br>
               <a:rPr lang="de-DE" dirty="0"/>
-              <a:t>Kompression</a:t>
-            </a:r>
-          </a:p>
-        </p:txBody>
-      </p:sp>
-      <p:sp>
-        <p:nvSpPr>
-          <p:cNvPr id="23" name="Textfeld 22">
-            <a:extLst>
-              <a:ext uri="{FF2B5EF4-FFF2-40B4-BE49-F238E27FC236}">
-                <a16:creationId xmlns:a16="http://schemas.microsoft.com/office/drawing/2014/main" id="{31679E80-7D6D-4AC4-BFC0-E5C77C867669}"/>
-              </a:ext>
-            </a:extLst>
-          </p:cNvPr>
-          <p:cNvSpPr txBox="1"/>
-          <p:nvPr/>
-        </p:nvSpPr>
-        <p:spPr>
-          <a:xfrm>
-            <a:off x="4892091" y="4466256"/>
-            <a:ext cx="2088777" cy="369332"/>
-          </a:xfrm>
-          <a:prstGeom prst="rect">
-            <a:avLst/>
-          </a:prstGeom>
-          <a:solidFill>
-            <a:schemeClr val="bg1">
-              <a:lumMod val="95000"/>
-            </a:schemeClr>
-          </a:solidFill>
-          <a:ln>
-            <a:solidFill>
-              <a:schemeClr val="tx1"/>
-            </a:solidFill>
-          </a:ln>
-        </p:spPr>
-        <p:txBody>
-          <a:bodyPr wrap="square" rtlCol="0">
-            <a:spAutoFit/>
-          </a:bodyPr>
-          <a:lstStyle/>
-          <a:p>
-            <a:pPr algn="ctr"/>
+            </a:br>
             <a:r>
               <a:rPr lang="de-DE" dirty="0"/>
-              <a:t>Komprimiertes Bild</a:t>
-            </a:r>
-          </a:p>
-        </p:txBody>
-      </p:sp>
-      <p:sp>
-        <p:nvSpPr>
-          <p:cNvPr id="24" name="Pfeil: nach rechts 23">
-            <a:extLst>
-              <a:ext uri="{FF2B5EF4-FFF2-40B4-BE49-F238E27FC236}">
-                <a16:creationId xmlns:a16="http://schemas.microsoft.com/office/drawing/2014/main" id="{46C1C592-3288-FF19-2BA5-D0B012904B4D}"/>
-              </a:ext>
-            </a:extLst>
-          </p:cNvPr>
-          <p:cNvSpPr/>
-          <p:nvPr/>
-        </p:nvSpPr>
-        <p:spPr>
-          <a:xfrm>
-            <a:off x="7580149" y="4534382"/>
-            <a:ext cx="645459" cy="259976"/>
-          </a:xfrm>
-          <a:prstGeom prst="rightArrow">
-            <a:avLst/>
-          </a:prstGeom>
-        </p:spPr>
-        <p:style>
-          <a:lnRef idx="2">
-            <a:schemeClr val="dk1">
-              <a:shade val="15000"/>
-            </a:schemeClr>
-          </a:lnRef>
-          <a:fillRef idx="1">
-            <a:schemeClr val="dk1"/>
-          </a:fillRef>
-          <a:effectRef idx="0">
-            <a:schemeClr val="dk1"/>
-          </a:effectRef>
-          <a:fontRef idx="minor">
-            <a:schemeClr val="lt1"/>
-          </a:fontRef>
-        </p:style>
-        <p:txBody>
-          <a:bodyPr rtlCol="0" anchor="ctr"/>
-          <a:lstStyle/>
-          <a:p>
-            <a:pPr algn="ctr"/>
-            <a:endParaRPr lang="de-DE" dirty="0"/>
-          </a:p>
-        </p:txBody>
-      </p:sp>
-      <p:sp>
-        <p:nvSpPr>
-          <p:cNvPr id="25" name="Textfeld 24">
-            <a:extLst>
-              <a:ext uri="{FF2B5EF4-FFF2-40B4-BE49-F238E27FC236}">
-                <a16:creationId xmlns:a16="http://schemas.microsoft.com/office/drawing/2014/main" id="{9D59AB6B-4800-86DC-B942-6A6A57D6675B}"/>
-              </a:ext>
-            </a:extLst>
-          </p:cNvPr>
-          <p:cNvSpPr txBox="1"/>
-          <p:nvPr/>
-        </p:nvSpPr>
-        <p:spPr>
-          <a:xfrm>
-            <a:off x="7090659" y="3992036"/>
-            <a:ext cx="1624437" cy="369332"/>
-          </a:xfrm>
-          <a:prstGeom prst="rect">
-            <a:avLst/>
-          </a:prstGeom>
-          <a:noFill/>
-          <a:ln>
-            <a:solidFill>
-              <a:schemeClr val="tx1"/>
-            </a:solidFill>
-            <a:prstDash val="solid"/>
-          </a:ln>
-        </p:spPr>
-        <p:txBody>
-          <a:bodyPr wrap="square" rtlCol="0">
-            <a:spAutoFit/>
-          </a:bodyPr>
-          <a:lstStyle/>
-          <a:p>
-            <a:pPr algn="ctr"/>
+              <a:t>(Python ist high-level Sprache) </a:t>
+            </a:r>
+          </a:p>
+          <a:p>
             <a:r>
               <a:rPr lang="de-DE" dirty="0"/>
-              <a:t>Dekompression</a:t>
-            </a:r>
-          </a:p>
-        </p:txBody>
-      </p:sp>
-      <p:sp>
-        <p:nvSpPr>
-          <p:cNvPr id="26" name="Textfeld 25">
-            <a:extLst>
-              <a:ext uri="{FF2B5EF4-FFF2-40B4-BE49-F238E27FC236}">
-                <a16:creationId xmlns:a16="http://schemas.microsoft.com/office/drawing/2014/main" id="{3698922E-3AFC-E22F-6240-B417AB7031FC}"/>
-              </a:ext>
-            </a:extLst>
-          </p:cNvPr>
-          <p:cNvSpPr txBox="1"/>
-          <p:nvPr/>
-        </p:nvSpPr>
-        <p:spPr>
-          <a:xfrm>
-            <a:off x="8824890" y="4465332"/>
-            <a:ext cx="2302580" cy="369332"/>
-          </a:xfrm>
-          <a:prstGeom prst="rect">
-            <a:avLst/>
-          </a:prstGeom>
-          <a:solidFill>
-            <a:schemeClr val="bg1">
-              <a:lumMod val="95000"/>
-            </a:schemeClr>
-          </a:solidFill>
-          <a:ln>
-            <a:solidFill>
-              <a:schemeClr val="tx1"/>
-            </a:solidFill>
-          </a:ln>
-        </p:spPr>
-        <p:txBody>
-          <a:bodyPr wrap="square" rtlCol="0">
-            <a:spAutoFit/>
-          </a:bodyPr>
-          <a:lstStyle/>
-          <a:p>
-            <a:pPr algn="ctr"/>
-            <a:r>
-              <a:rPr lang="de-DE" dirty="0"/>
-              <a:t>Dekomprimiertes Bild</a:t>
-            </a:r>
-          </a:p>
-        </p:txBody>
-      </p:sp>
-      <p:sp>
-        <p:nvSpPr>
-          <p:cNvPr id="27" name="Textfeld 26">
-            <a:extLst>
-              <a:ext uri="{FF2B5EF4-FFF2-40B4-BE49-F238E27FC236}">
-                <a16:creationId xmlns:a16="http://schemas.microsoft.com/office/drawing/2014/main" id="{9033E466-59E1-69B6-171D-13C71BD63C94}"/>
-              </a:ext>
-            </a:extLst>
-          </p:cNvPr>
-          <p:cNvSpPr txBox="1"/>
-          <p:nvPr/>
-        </p:nvSpPr>
-        <p:spPr>
-          <a:xfrm>
-            <a:off x="959292" y="4430986"/>
-            <a:ext cx="2088777" cy="369332"/>
-          </a:xfrm>
-          <a:prstGeom prst="rect">
-            <a:avLst/>
-          </a:prstGeom>
-          <a:solidFill>
-            <a:schemeClr val="bg1">
-              <a:lumMod val="95000"/>
-            </a:schemeClr>
-          </a:solidFill>
-          <a:ln>
-            <a:solidFill>
-              <a:schemeClr val="tx1"/>
-            </a:solidFill>
-          </a:ln>
-        </p:spPr>
-        <p:txBody>
-          <a:bodyPr wrap="square" rtlCol="0">
-            <a:spAutoFit/>
-          </a:bodyPr>
-          <a:lstStyle/>
-          <a:p>
-            <a:pPr algn="ctr"/>
-            <a:r>
-              <a:rPr lang="de-DE" dirty="0"/>
-              <a:t>RGB-Flat-Array</a:t>
-            </a:r>
-          </a:p>
-        </p:txBody>
-      </p:sp>
-      <p:sp>
-        <p:nvSpPr>
-          <p:cNvPr id="28" name="Textfeld 27">
-            <a:extLst>
-              <a:ext uri="{FF2B5EF4-FFF2-40B4-BE49-F238E27FC236}">
-                <a16:creationId xmlns:a16="http://schemas.microsoft.com/office/drawing/2014/main" id="{353BBC8A-DF67-9B51-C156-875F2F0015D4}"/>
-              </a:ext>
-            </a:extLst>
-          </p:cNvPr>
-          <p:cNvSpPr txBox="1"/>
-          <p:nvPr/>
-        </p:nvSpPr>
-        <p:spPr>
-          <a:xfrm>
-            <a:off x="3272276" y="4981744"/>
-            <a:ext cx="1377866" cy="369332"/>
-          </a:xfrm>
-          <a:prstGeom prst="rect">
-            <a:avLst/>
-          </a:prstGeom>
-          <a:noFill/>
-          <a:ln>
-            <a:solidFill>
-              <a:schemeClr val="tx1"/>
-            </a:solidFill>
-            <a:prstDash val="sysDot"/>
-          </a:ln>
-        </p:spPr>
-        <p:txBody>
-          <a:bodyPr wrap="square" rtlCol="0">
-            <a:spAutoFit/>
-          </a:bodyPr>
-          <a:lstStyle/>
-          <a:p>
-            <a:pPr algn="ctr"/>
-            <a:r>
-              <a:rPr lang="de-DE" dirty="0"/>
-              <a:t>Zeitmessung</a:t>
-            </a:r>
-          </a:p>
-        </p:txBody>
-      </p:sp>
-      <p:sp>
-        <p:nvSpPr>
-          <p:cNvPr id="30" name="Textfeld 29">
-            <a:extLst>
-              <a:ext uri="{FF2B5EF4-FFF2-40B4-BE49-F238E27FC236}">
-                <a16:creationId xmlns:a16="http://schemas.microsoft.com/office/drawing/2014/main" id="{0A2D6757-F90F-E58E-22FA-D6718DD28B5D}"/>
-              </a:ext>
-            </a:extLst>
-          </p:cNvPr>
-          <p:cNvSpPr txBox="1"/>
-          <p:nvPr/>
-        </p:nvSpPr>
-        <p:spPr>
-          <a:xfrm>
-            <a:off x="5005095" y="4981744"/>
-            <a:ext cx="1862767" cy="369332"/>
-          </a:xfrm>
-          <a:prstGeom prst="rect">
-            <a:avLst/>
-          </a:prstGeom>
-          <a:noFill/>
-          <a:ln>
-            <a:solidFill>
-              <a:schemeClr val="tx1"/>
-            </a:solidFill>
-            <a:prstDash val="sysDot"/>
-          </a:ln>
-        </p:spPr>
-        <p:txBody>
-          <a:bodyPr wrap="square" rtlCol="0">
-            <a:spAutoFit/>
-          </a:bodyPr>
-          <a:lstStyle/>
-          <a:p>
-            <a:pPr algn="ctr"/>
-            <a:r>
-              <a:rPr lang="de-DE" dirty="0"/>
-              <a:t>Kompressionsrate</a:t>
-            </a:r>
-          </a:p>
-        </p:txBody>
-      </p:sp>
-      <p:sp>
-        <p:nvSpPr>
-          <p:cNvPr id="31" name="Textfeld 30">
-            <a:extLst>
-              <a:ext uri="{FF2B5EF4-FFF2-40B4-BE49-F238E27FC236}">
-                <a16:creationId xmlns:a16="http://schemas.microsoft.com/office/drawing/2014/main" id="{468E9E57-1656-7BF4-EE3D-B168E3B975B0}"/>
-              </a:ext>
-            </a:extLst>
-          </p:cNvPr>
-          <p:cNvSpPr txBox="1"/>
-          <p:nvPr/>
-        </p:nvSpPr>
-        <p:spPr>
-          <a:xfrm>
-            <a:off x="7213944" y="4983416"/>
-            <a:ext cx="1377866" cy="369332"/>
-          </a:xfrm>
-          <a:prstGeom prst="rect">
-            <a:avLst/>
-          </a:prstGeom>
-          <a:noFill/>
-          <a:ln>
-            <a:solidFill>
-              <a:schemeClr val="tx1"/>
-            </a:solidFill>
-            <a:prstDash val="sysDot"/>
-          </a:ln>
-        </p:spPr>
-        <p:txBody>
-          <a:bodyPr wrap="square" rtlCol="0">
-            <a:spAutoFit/>
-          </a:bodyPr>
-          <a:lstStyle/>
-          <a:p>
-            <a:pPr algn="ctr"/>
-            <a:r>
-              <a:rPr lang="de-DE" dirty="0"/>
-              <a:t>Zeitmessung</a:t>
+              <a:t>Kompressionsalgorithmen werden normalerweise nicht auf Bilddaten angewandt, manuelle Konvertierung und Anpassung an das Problem</a:t>
             </a:r>
           </a:p>
         </p:txBody>
@@ -6928,7 +9876,7 @@
     </p:spTree>
     <p:extLst>
       <p:ext uri="{BB962C8B-B14F-4D97-AF65-F5344CB8AC3E}">
-        <p14:creationId xmlns:p14="http://schemas.microsoft.com/office/powerpoint/2010/main" val="3582917766"/>
+        <p14:creationId xmlns:p14="http://schemas.microsoft.com/office/powerpoint/2010/main" val="3395505949"/>
       </p:ext>
     </p:extLst>
   </p:cSld>
@@ -6939,7 +9887,7 @@
 </file>
 
 <file path=ppt/slides/slide9.xml><?xml version="1.0" encoding="utf-8"?>
-<p:sld xmlns:a="http://schemas.openxmlformats.org/drawingml/2006/main" xmlns:r="http://schemas.openxmlformats.org/officeDocument/2006/relationships" xmlns:p="http://schemas.openxmlformats.org/presentationml/2006/main" show="0">
+<p:sld xmlns:a="http://schemas.openxmlformats.org/drawingml/2006/main" xmlns:r="http://schemas.openxmlformats.org/officeDocument/2006/relationships" xmlns:p="http://schemas.openxmlformats.org/presentationml/2006/main">
   <p:cSld>
     <p:spTree>
       <p:nvGrpSpPr>
@@ -6957,780 +9905,356 @@
       </p:grpSpPr>
       <p:sp>
         <p:nvSpPr>
-          <p:cNvPr id="9" name="Rechteck 8">
-            <a:extLst>
-              <a:ext uri="{FF2B5EF4-FFF2-40B4-BE49-F238E27FC236}">
-                <a16:creationId xmlns:a16="http://schemas.microsoft.com/office/drawing/2014/main" id="{2EA49E79-528F-E529-48D0-38B7DA82F83D}"/>
-              </a:ext>
-            </a:extLst>
-          </p:cNvPr>
-          <p:cNvSpPr/>
+          <p:cNvPr id="4" name="Footer Placeholder 3">
+            <a:extLst>
+              <a:ext uri="{FF2B5EF4-FFF2-40B4-BE49-F238E27FC236}">
+                <a16:creationId xmlns:a16="http://schemas.microsoft.com/office/drawing/2014/main" id="{898A889A-0494-48B1-A6C6-B2834F51C151}"/>
+              </a:ext>
+            </a:extLst>
+          </p:cNvPr>
+          <p:cNvSpPr>
+            <a:spLocks noGrp="1"/>
+          </p:cNvSpPr>
+          <p:nvPr>
+            <p:ph type="ftr" sz="quarter" idx="11"/>
+          </p:nvPr>
+        </p:nvSpPr>
+        <p:spPr/>
+        <p:txBody>
+          <a:bodyPr/>
+          <a:lstStyle/>
+          <a:p>
+            <a:r>
+              <a:rPr lang="de-DE" dirty="0"/>
+              <a:t>Nick Schreiber</a:t>
+            </a:r>
+          </a:p>
+        </p:txBody>
+      </p:sp>
+      <p:sp>
+        <p:nvSpPr>
+          <p:cNvPr id="5" name="Slide Number Placeholder 4">
+            <a:extLst>
+              <a:ext uri="{FF2B5EF4-FFF2-40B4-BE49-F238E27FC236}">
+                <a16:creationId xmlns:a16="http://schemas.microsoft.com/office/drawing/2014/main" id="{58800E52-8559-34A1-87B2-065652ACA334}"/>
+              </a:ext>
+            </a:extLst>
+          </p:cNvPr>
+          <p:cNvSpPr>
+            <a:spLocks noGrp="1"/>
+          </p:cNvSpPr>
+          <p:nvPr>
+            <p:ph type="sldNum" sz="quarter" idx="12"/>
+          </p:nvPr>
+        </p:nvSpPr>
+        <p:spPr/>
+        <p:txBody>
+          <a:bodyPr/>
+          <a:lstStyle/>
+          <a:p>
+            <a:fld id="{629E1D32-139B-4C55-A3C3-B5F4791988C6}" type="slidenum">
+              <a:rPr lang="de-DE" smtClean="0"/>
+              <a:pPr/>
+              <a:t>9</a:t>
+            </a:fld>
+            <a:endParaRPr lang="de-DE" dirty="0"/>
+          </a:p>
+        </p:txBody>
+      </p:sp>
+      <p:sp>
+        <p:nvSpPr>
+          <p:cNvPr id="6" name="Textfeld 5">
+            <a:extLst>
+              <a:ext uri="{FF2B5EF4-FFF2-40B4-BE49-F238E27FC236}">
+                <a16:creationId xmlns:a16="http://schemas.microsoft.com/office/drawing/2014/main" id="{FADE83BF-E7DF-878D-B808-A84A4EFF15B4}"/>
+              </a:ext>
+            </a:extLst>
+          </p:cNvPr>
+          <p:cNvSpPr txBox="1"/>
           <p:nvPr/>
         </p:nvSpPr>
         <p:spPr>
           <a:xfrm>
-            <a:off x="2286000" y="1241168"/>
-            <a:ext cx="6083300" cy="4473831"/>
+            <a:off x="720000" y="156670"/>
+            <a:ext cx="8664632" cy="923330"/>
           </a:xfrm>
           <a:prstGeom prst="rect">
             <a:avLst/>
           </a:prstGeom>
-          <a:solidFill>
-            <a:schemeClr val="bg1"/>
-          </a:solidFill>
-          <a:ln>
-            <a:noFill/>
-          </a:ln>
+          <a:noFill/>
         </p:spPr>
-        <p:style>
-          <a:lnRef idx="2">
-            <a:schemeClr val="accent1">
-              <a:shade val="15000"/>
-            </a:schemeClr>
-          </a:lnRef>
-          <a:fillRef idx="1">
-            <a:schemeClr val="accent1"/>
-          </a:fillRef>
-          <a:effectRef idx="0">
-            <a:schemeClr val="accent1"/>
-          </a:effectRef>
-          <a:fontRef idx="minor">
-            <a:schemeClr val="lt1"/>
-          </a:fontRef>
-        </p:style>
-        <p:txBody>
-          <a:bodyPr rtlCol="0" anchor="ctr"/>
-          <a:lstStyle/>
-          <a:p>
-            <a:pPr algn="ctr"/>
-            <a:endParaRPr lang="de-DE"/>
-          </a:p>
-        </p:txBody>
-      </p:sp>
-      <p:graphicFrame>
-        <p:nvGraphicFramePr>
-          <p:cNvPr id="8" name="Tabelle 7">
-            <a:extLst>
-              <a:ext uri="{FF2B5EF4-FFF2-40B4-BE49-F238E27FC236}">
-                <a16:creationId xmlns:a16="http://schemas.microsoft.com/office/drawing/2014/main" id="{6F083249-84C5-1925-A3BD-57B24F494877}"/>
-              </a:ext>
-            </a:extLst>
-          </p:cNvPr>
-          <p:cNvGraphicFramePr>
-            <a:graphicFrameLocks noGrp="1"/>
-          </p:cNvGraphicFramePr>
-          <p:nvPr>
-            <p:extLst>
-              <p:ext uri="{D42A27DB-BD31-4B8C-83A1-F6EECF244321}">
-                <p14:modId xmlns:p14="http://schemas.microsoft.com/office/powerpoint/2010/main" val="187192532"/>
-              </p:ext>
-            </p:extLst>
-          </p:nvPr>
-        </p:nvGraphicFramePr>
-        <p:xfrm>
-          <a:off x="3943350" y="1404383"/>
-          <a:ext cx="4305300" cy="3094938"/>
-        </p:xfrm>
-        <a:graphic>
-          <a:graphicData uri="http://schemas.openxmlformats.org/drawingml/2006/table">
-            <a:tbl>
-              <a:tblPr bandRow="1">
-                <a:tableStyleId>{5940675A-B579-460E-94D1-54222C63F5DA}</a:tableStyleId>
-              </a:tblPr>
-              <a:tblGrid>
-                <a:gridCol w="1435100">
-                  <a:extLst>
-                    <a:ext uri="{9D8B030D-6E8A-4147-A177-3AD203B41FA5}">
-                      <a16:colId xmlns:a16="http://schemas.microsoft.com/office/drawing/2014/main" val="482029148"/>
-                    </a:ext>
-                  </a:extLst>
-                </a:gridCol>
-                <a:gridCol w="1435100">
-                  <a:extLst>
-                    <a:ext uri="{9D8B030D-6E8A-4147-A177-3AD203B41FA5}">
-                      <a16:colId xmlns:a16="http://schemas.microsoft.com/office/drawing/2014/main" val="2375623929"/>
-                    </a:ext>
-                  </a:extLst>
-                </a:gridCol>
-                <a:gridCol w="1435100">
-                  <a:extLst>
-                    <a:ext uri="{9D8B030D-6E8A-4147-A177-3AD203B41FA5}">
-                      <a16:colId xmlns:a16="http://schemas.microsoft.com/office/drawing/2014/main" val="2144761218"/>
-                    </a:ext>
-                  </a:extLst>
-                </a:gridCol>
-              </a:tblGrid>
-              <a:tr h="966611">
-                <a:tc>
-                  <a:txBody>
-                    <a:bodyPr/>
-                    <a:lstStyle/>
-                    <a:p>
-                      <a:pPr algn="ctr"/>
-                      <a:r>
-                        <a:rPr lang="de-DE" sz="6300" dirty="0"/>
-                        <a:t>23</a:t>
-                      </a:r>
-                    </a:p>
-                  </a:txBody>
-                  <a:tcPr marL="71526" marR="71526" marT="35763" marB="35763">
-                    <a:solidFill>
-                      <a:schemeClr val="accent1"/>
-                    </a:solidFill>
-                  </a:tcPr>
-                </a:tc>
-                <a:tc>
-                  <a:txBody>
-                    <a:bodyPr/>
-                    <a:lstStyle/>
-                    <a:p>
-                      <a:pPr algn="ctr"/>
-                      <a:r>
-                        <a:rPr lang="de-DE" sz="6300" dirty="0"/>
-                        <a:t>44</a:t>
-                      </a:r>
-                    </a:p>
-                  </a:txBody>
-                  <a:tcPr marL="71526" marR="71526" marT="35763" marB="35763">
-                    <a:solidFill>
-                      <a:schemeClr val="accent1"/>
-                    </a:solidFill>
-                  </a:tcPr>
-                </a:tc>
-                <a:tc>
-                  <a:txBody>
-                    <a:bodyPr/>
-                    <a:lstStyle/>
-                    <a:p>
-                      <a:pPr algn="ctr"/>
-                      <a:r>
-                        <a:rPr lang="de-DE" sz="6300" dirty="0"/>
-                        <a:t>15</a:t>
-                      </a:r>
-                    </a:p>
-                  </a:txBody>
-                  <a:tcPr marL="71526" marR="71526" marT="35763" marB="35763">
-                    <a:solidFill>
-                      <a:schemeClr val="accent1"/>
-                    </a:solidFill>
-                  </a:tcPr>
-                </a:tc>
-                <a:extLst>
-                  <a:ext uri="{0D108BD9-81ED-4DB2-BD59-A6C34878D82A}">
-                    <a16:rowId xmlns:a16="http://schemas.microsoft.com/office/drawing/2014/main" val="4173439310"/>
-                  </a:ext>
-                </a:extLst>
-              </a:tr>
-              <a:tr h="966611">
-                <a:tc>
-                  <a:txBody>
-                    <a:bodyPr/>
-                    <a:lstStyle/>
-                    <a:p>
-                      <a:pPr algn="ctr"/>
-                      <a:r>
-                        <a:rPr lang="de-DE" sz="6300" dirty="0"/>
-                        <a:t>254</a:t>
-                      </a:r>
-                    </a:p>
-                  </a:txBody>
-                  <a:tcPr marL="71526" marR="71526" marT="35763" marB="35763">
-                    <a:solidFill>
-                      <a:schemeClr val="accent1"/>
-                    </a:solidFill>
-                  </a:tcPr>
-                </a:tc>
-                <a:tc>
-                  <a:txBody>
-                    <a:bodyPr/>
-                    <a:lstStyle/>
-                    <a:p>
-                      <a:pPr algn="ctr"/>
-                      <a:r>
-                        <a:rPr lang="de-DE" sz="6300" dirty="0"/>
-                        <a:t>255</a:t>
-                      </a:r>
-                    </a:p>
-                  </a:txBody>
-                  <a:tcPr marL="71526" marR="71526" marT="35763" marB="35763">
-                    <a:solidFill>
-                      <a:schemeClr val="accent1"/>
-                    </a:solidFill>
-                  </a:tcPr>
-                </a:tc>
-                <a:tc>
-                  <a:txBody>
-                    <a:bodyPr/>
-                    <a:lstStyle/>
-                    <a:p>
-                      <a:pPr algn="ctr"/>
-                      <a:r>
-                        <a:rPr lang="de-DE" sz="6300" dirty="0"/>
-                        <a:t>63</a:t>
-                      </a:r>
-                    </a:p>
-                  </a:txBody>
-                  <a:tcPr marL="71526" marR="71526" marT="35763" marB="35763">
-                    <a:solidFill>
-                      <a:schemeClr val="accent1"/>
-                    </a:solidFill>
-                  </a:tcPr>
-                </a:tc>
-                <a:extLst>
-                  <a:ext uri="{0D108BD9-81ED-4DB2-BD59-A6C34878D82A}">
-                    <a16:rowId xmlns:a16="http://schemas.microsoft.com/office/drawing/2014/main" val="458106486"/>
-                  </a:ext>
-                </a:extLst>
-              </a:tr>
-              <a:tr h="966611">
-                <a:tc>
-                  <a:txBody>
-                    <a:bodyPr/>
-                    <a:lstStyle/>
-                    <a:p>
-                      <a:pPr algn="ctr"/>
-                      <a:r>
-                        <a:rPr lang="de-DE" sz="6300" dirty="0"/>
-                        <a:t>43</a:t>
-                      </a:r>
-                    </a:p>
-                  </a:txBody>
-                  <a:tcPr marL="71526" marR="71526" marT="35763" marB="35763">
-                    <a:solidFill>
-                      <a:schemeClr val="accent1"/>
-                    </a:solidFill>
-                  </a:tcPr>
-                </a:tc>
-                <a:tc>
-                  <a:txBody>
-                    <a:bodyPr/>
-                    <a:lstStyle/>
-                    <a:p>
-                      <a:pPr algn="ctr"/>
-                      <a:r>
-                        <a:rPr lang="de-DE" sz="6300" dirty="0"/>
-                        <a:t>75</a:t>
-                      </a:r>
-                    </a:p>
-                  </a:txBody>
-                  <a:tcPr marL="71526" marR="71526" marT="35763" marB="35763">
-                    <a:solidFill>
-                      <a:schemeClr val="accent1"/>
-                    </a:solidFill>
-                  </a:tcPr>
-                </a:tc>
-                <a:tc>
-                  <a:txBody>
-                    <a:bodyPr/>
-                    <a:lstStyle/>
-                    <a:p>
-                      <a:pPr algn="ctr"/>
-                      <a:r>
-                        <a:rPr lang="de-DE" sz="6300" dirty="0"/>
-                        <a:t>68</a:t>
-                      </a:r>
-                    </a:p>
-                  </a:txBody>
-                  <a:tcPr marL="71526" marR="71526" marT="35763" marB="35763">
-                    <a:solidFill>
-                      <a:schemeClr val="accent1"/>
-                    </a:solidFill>
-                  </a:tcPr>
-                </a:tc>
-                <a:extLst>
-                  <a:ext uri="{0D108BD9-81ED-4DB2-BD59-A6C34878D82A}">
-                    <a16:rowId xmlns:a16="http://schemas.microsoft.com/office/drawing/2014/main" val="2913790145"/>
-                  </a:ext>
-                </a:extLst>
-              </a:tr>
-            </a:tbl>
-          </a:graphicData>
-        </a:graphic>
-      </p:graphicFrame>
-      <p:graphicFrame>
-        <p:nvGraphicFramePr>
-          <p:cNvPr id="4" name="Tabelle 3">
-            <a:extLst>
-              <a:ext uri="{FF2B5EF4-FFF2-40B4-BE49-F238E27FC236}">
-                <a16:creationId xmlns:a16="http://schemas.microsoft.com/office/drawing/2014/main" id="{D98B223E-9C81-3D23-D50A-630C7BA2ECAD}"/>
-              </a:ext>
-            </a:extLst>
-          </p:cNvPr>
-          <p:cNvGraphicFramePr>
-            <a:graphicFrameLocks noGrp="1"/>
-          </p:cNvGraphicFramePr>
-          <p:nvPr>
-            <p:extLst>
-              <p:ext uri="{D42A27DB-BD31-4B8C-83A1-F6EECF244321}">
-                <p14:modId xmlns:p14="http://schemas.microsoft.com/office/powerpoint/2010/main" val="569450905"/>
-              </p:ext>
-            </p:extLst>
-          </p:nvPr>
-        </p:nvGraphicFramePr>
-        <p:xfrm>
-          <a:off x="3175001" y="1963138"/>
-          <a:ext cx="4305300" cy="3094938"/>
-        </p:xfrm>
-        <a:graphic>
-          <a:graphicData uri="http://schemas.openxmlformats.org/drawingml/2006/table">
-            <a:tbl>
-              <a:tblPr bandRow="1">
-                <a:tableStyleId>{5940675A-B579-460E-94D1-54222C63F5DA}</a:tableStyleId>
-              </a:tblPr>
-              <a:tblGrid>
-                <a:gridCol w="1435100">
-                  <a:extLst>
-                    <a:ext uri="{9D8B030D-6E8A-4147-A177-3AD203B41FA5}">
-                      <a16:colId xmlns:a16="http://schemas.microsoft.com/office/drawing/2014/main" val="482029148"/>
-                    </a:ext>
-                  </a:extLst>
-                </a:gridCol>
-                <a:gridCol w="1435100">
-                  <a:extLst>
-                    <a:ext uri="{9D8B030D-6E8A-4147-A177-3AD203B41FA5}">
-                      <a16:colId xmlns:a16="http://schemas.microsoft.com/office/drawing/2014/main" val="2375623929"/>
-                    </a:ext>
-                  </a:extLst>
-                </a:gridCol>
-                <a:gridCol w="1435100">
-                  <a:extLst>
-                    <a:ext uri="{9D8B030D-6E8A-4147-A177-3AD203B41FA5}">
-                      <a16:colId xmlns:a16="http://schemas.microsoft.com/office/drawing/2014/main" val="2144761218"/>
-                    </a:ext>
-                  </a:extLst>
-                </a:gridCol>
-              </a:tblGrid>
-              <a:tr h="966611">
-                <a:tc>
-                  <a:txBody>
-                    <a:bodyPr/>
-                    <a:lstStyle/>
-                    <a:p>
-                      <a:pPr algn="ctr"/>
-                      <a:r>
-                        <a:rPr lang="de-DE" sz="6300" dirty="0"/>
-                        <a:t>67</a:t>
-                      </a:r>
-                    </a:p>
-                  </a:txBody>
-                  <a:tcPr marL="71526" marR="71526" marT="35763" marB="35763">
-                    <a:solidFill>
-                      <a:schemeClr val="accent6"/>
-                    </a:solidFill>
-                  </a:tcPr>
-                </a:tc>
-                <a:tc>
-                  <a:txBody>
-                    <a:bodyPr/>
-                    <a:lstStyle/>
-                    <a:p>
-                      <a:pPr algn="ctr"/>
-                      <a:r>
-                        <a:rPr lang="de-DE" sz="6300" dirty="0"/>
-                        <a:t>26</a:t>
-                      </a:r>
-                    </a:p>
-                  </a:txBody>
-                  <a:tcPr marL="71526" marR="71526" marT="35763" marB="35763">
-                    <a:solidFill>
-                      <a:schemeClr val="accent6"/>
-                    </a:solidFill>
-                  </a:tcPr>
-                </a:tc>
-                <a:tc>
-                  <a:txBody>
-                    <a:bodyPr/>
-                    <a:lstStyle/>
-                    <a:p>
-                      <a:pPr algn="ctr"/>
-                      <a:r>
-                        <a:rPr lang="de-DE" sz="6300" dirty="0"/>
-                        <a:t>13</a:t>
-                      </a:r>
-                    </a:p>
-                  </a:txBody>
-                  <a:tcPr marL="71526" marR="71526" marT="35763" marB="35763">
-                    <a:solidFill>
-                      <a:schemeClr val="accent6"/>
-                    </a:solidFill>
-                  </a:tcPr>
-                </a:tc>
-                <a:extLst>
-                  <a:ext uri="{0D108BD9-81ED-4DB2-BD59-A6C34878D82A}">
-                    <a16:rowId xmlns:a16="http://schemas.microsoft.com/office/drawing/2014/main" val="4173439310"/>
-                  </a:ext>
-                </a:extLst>
-              </a:tr>
-              <a:tr h="966611">
-                <a:tc>
-                  <a:txBody>
-                    <a:bodyPr/>
-                    <a:lstStyle/>
-                    <a:p>
-                      <a:pPr algn="ctr"/>
-                      <a:r>
-                        <a:rPr lang="de-DE" sz="6300" dirty="0"/>
-                        <a:t>254</a:t>
-                      </a:r>
-                    </a:p>
-                  </a:txBody>
-                  <a:tcPr marL="71526" marR="71526" marT="35763" marB="35763">
-                    <a:solidFill>
-                      <a:schemeClr val="accent6"/>
-                    </a:solidFill>
-                  </a:tcPr>
-                </a:tc>
-                <a:tc>
-                  <a:txBody>
-                    <a:bodyPr/>
-                    <a:lstStyle/>
-                    <a:p>
-                      <a:pPr algn="ctr"/>
-                      <a:r>
-                        <a:rPr lang="de-DE" sz="6300" dirty="0"/>
-                        <a:t>255</a:t>
-                      </a:r>
-                    </a:p>
-                  </a:txBody>
-                  <a:tcPr marL="71526" marR="71526" marT="35763" marB="35763">
-                    <a:solidFill>
-                      <a:schemeClr val="accent6"/>
-                    </a:solidFill>
-                  </a:tcPr>
-                </a:tc>
-                <a:tc>
-                  <a:txBody>
-                    <a:bodyPr/>
-                    <a:lstStyle/>
-                    <a:p>
-                      <a:pPr algn="ctr"/>
-                      <a:r>
-                        <a:rPr lang="de-DE" sz="6300" dirty="0"/>
-                        <a:t>63</a:t>
-                      </a:r>
-                    </a:p>
-                  </a:txBody>
-                  <a:tcPr marL="71526" marR="71526" marT="35763" marB="35763">
-                    <a:solidFill>
-                      <a:schemeClr val="accent6"/>
-                    </a:solidFill>
-                  </a:tcPr>
-                </a:tc>
-                <a:extLst>
-                  <a:ext uri="{0D108BD9-81ED-4DB2-BD59-A6C34878D82A}">
-                    <a16:rowId xmlns:a16="http://schemas.microsoft.com/office/drawing/2014/main" val="458106486"/>
-                  </a:ext>
-                </a:extLst>
-              </a:tr>
-              <a:tr h="966611">
-                <a:tc>
-                  <a:txBody>
-                    <a:bodyPr/>
-                    <a:lstStyle/>
-                    <a:p>
-                      <a:pPr algn="ctr"/>
-                      <a:r>
-                        <a:rPr lang="de-DE" sz="6300" dirty="0"/>
-                        <a:t>43</a:t>
-                      </a:r>
-                    </a:p>
-                  </a:txBody>
-                  <a:tcPr marL="71526" marR="71526" marT="35763" marB="35763">
-                    <a:solidFill>
-                      <a:schemeClr val="accent6"/>
-                    </a:solidFill>
-                  </a:tcPr>
-                </a:tc>
-                <a:tc>
-                  <a:txBody>
-                    <a:bodyPr/>
-                    <a:lstStyle/>
-                    <a:p>
-                      <a:pPr algn="ctr"/>
-                      <a:r>
-                        <a:rPr lang="de-DE" sz="6300" dirty="0"/>
-                        <a:t>75</a:t>
-                      </a:r>
-                    </a:p>
-                  </a:txBody>
-                  <a:tcPr marL="71526" marR="71526" marT="35763" marB="35763">
-                    <a:solidFill>
-                      <a:schemeClr val="accent6"/>
-                    </a:solidFill>
-                  </a:tcPr>
-                </a:tc>
-                <a:tc>
-                  <a:txBody>
-                    <a:bodyPr/>
-                    <a:lstStyle/>
-                    <a:p>
-                      <a:pPr algn="ctr"/>
-                      <a:r>
-                        <a:rPr lang="de-DE" sz="6300" dirty="0"/>
-                        <a:t>66</a:t>
-                      </a:r>
-                    </a:p>
-                  </a:txBody>
-                  <a:tcPr marL="71526" marR="71526" marT="35763" marB="35763">
-                    <a:solidFill>
-                      <a:schemeClr val="accent6"/>
-                    </a:solidFill>
-                  </a:tcPr>
-                </a:tc>
-                <a:extLst>
-                  <a:ext uri="{0D108BD9-81ED-4DB2-BD59-A6C34878D82A}">
-                    <a16:rowId xmlns:a16="http://schemas.microsoft.com/office/drawing/2014/main" val="2913790145"/>
-                  </a:ext>
-                </a:extLst>
-              </a:tr>
-            </a:tbl>
-          </a:graphicData>
-        </a:graphic>
-      </p:graphicFrame>
-      <p:graphicFrame>
-        <p:nvGraphicFramePr>
-          <p:cNvPr id="5" name="Tabelle 4">
-            <a:extLst>
-              <a:ext uri="{FF2B5EF4-FFF2-40B4-BE49-F238E27FC236}">
-                <a16:creationId xmlns:a16="http://schemas.microsoft.com/office/drawing/2014/main" id="{3269E51C-0101-9778-A825-5BC006D15B42}"/>
-              </a:ext>
-            </a:extLst>
-          </p:cNvPr>
-          <p:cNvGraphicFramePr>
-            <a:graphicFrameLocks noGrp="1"/>
-          </p:cNvGraphicFramePr>
-          <p:nvPr>
-            <p:extLst>
-              <p:ext uri="{D42A27DB-BD31-4B8C-83A1-F6EECF244321}">
-                <p14:modId xmlns:p14="http://schemas.microsoft.com/office/powerpoint/2010/main" val="2892022335"/>
-              </p:ext>
-            </p:extLst>
-          </p:nvPr>
-        </p:nvGraphicFramePr>
-        <p:xfrm>
-          <a:off x="2406652" y="2521893"/>
-          <a:ext cx="4305300" cy="3094938"/>
-        </p:xfrm>
-        <a:graphic>
-          <a:graphicData uri="http://schemas.openxmlformats.org/drawingml/2006/table">
-            <a:tbl>
-              <a:tblPr bandRow="1">
-                <a:tableStyleId>{5940675A-B579-460E-94D1-54222C63F5DA}</a:tableStyleId>
-              </a:tblPr>
-              <a:tblGrid>
-                <a:gridCol w="1435100">
-                  <a:extLst>
-                    <a:ext uri="{9D8B030D-6E8A-4147-A177-3AD203B41FA5}">
-                      <a16:colId xmlns:a16="http://schemas.microsoft.com/office/drawing/2014/main" val="2023926192"/>
-                    </a:ext>
-                  </a:extLst>
-                </a:gridCol>
-                <a:gridCol w="1435100">
-                  <a:extLst>
-                    <a:ext uri="{9D8B030D-6E8A-4147-A177-3AD203B41FA5}">
-                      <a16:colId xmlns:a16="http://schemas.microsoft.com/office/drawing/2014/main" val="3435294500"/>
-                    </a:ext>
-                  </a:extLst>
-                </a:gridCol>
-                <a:gridCol w="1435100">
-                  <a:extLst>
-                    <a:ext uri="{9D8B030D-6E8A-4147-A177-3AD203B41FA5}">
-                      <a16:colId xmlns:a16="http://schemas.microsoft.com/office/drawing/2014/main" val="1133841169"/>
-                    </a:ext>
-                  </a:extLst>
-                </a:gridCol>
-              </a:tblGrid>
-              <a:tr h="966611">
-                <a:tc>
-                  <a:txBody>
-                    <a:bodyPr/>
-                    <a:lstStyle/>
-                    <a:p>
-                      <a:pPr algn="ctr"/>
-                      <a:r>
-                        <a:rPr lang="de-DE" sz="6300" dirty="0"/>
-                        <a:t>1</a:t>
-                      </a:r>
-                    </a:p>
-                  </a:txBody>
-                  <a:tcPr marL="71526" marR="71526" marT="35763" marB="35763">
-                    <a:solidFill>
-                      <a:srgbClr val="FF0000"/>
-                    </a:solidFill>
-                  </a:tcPr>
-                </a:tc>
-                <a:tc>
-                  <a:txBody>
-                    <a:bodyPr/>
-                    <a:lstStyle/>
-                    <a:p>
-                      <a:pPr algn="ctr"/>
-                      <a:r>
-                        <a:rPr lang="de-DE" sz="6300" dirty="0"/>
-                        <a:t>34</a:t>
-                      </a:r>
-                    </a:p>
-                  </a:txBody>
-                  <a:tcPr marL="71526" marR="71526" marT="35763" marB="35763">
-                    <a:solidFill>
-                      <a:srgbClr val="FF0000"/>
-                    </a:solidFill>
-                  </a:tcPr>
-                </a:tc>
-                <a:tc>
-                  <a:txBody>
-                    <a:bodyPr/>
-                    <a:lstStyle/>
-                    <a:p>
-                      <a:pPr algn="ctr"/>
-                      <a:r>
-                        <a:rPr lang="de-DE" sz="6300" dirty="0"/>
-                        <a:t>8</a:t>
-                      </a:r>
-                    </a:p>
-                  </a:txBody>
-                  <a:tcPr marL="71526" marR="71526" marT="35763" marB="35763">
-                    <a:solidFill>
-                      <a:srgbClr val="FF0000"/>
-                    </a:solidFill>
-                  </a:tcPr>
-                </a:tc>
-                <a:extLst>
-                  <a:ext uri="{0D108BD9-81ED-4DB2-BD59-A6C34878D82A}">
-                    <a16:rowId xmlns:a16="http://schemas.microsoft.com/office/drawing/2014/main" val="1001533987"/>
-                  </a:ext>
-                </a:extLst>
-              </a:tr>
-              <a:tr h="966611">
-                <a:tc>
-                  <a:txBody>
-                    <a:bodyPr/>
-                    <a:lstStyle/>
-                    <a:p>
-                      <a:pPr algn="ctr"/>
-                      <a:r>
-                        <a:rPr lang="de-DE" sz="6300" dirty="0"/>
-                        <a:t>254</a:t>
-                      </a:r>
-                    </a:p>
-                  </a:txBody>
-                  <a:tcPr marL="71526" marR="71526" marT="35763" marB="35763">
-                    <a:solidFill>
-                      <a:srgbClr val="FF0000"/>
-                    </a:solidFill>
-                  </a:tcPr>
-                </a:tc>
-                <a:tc>
-                  <a:txBody>
-                    <a:bodyPr/>
-                    <a:lstStyle/>
-                    <a:p>
-                      <a:pPr algn="ctr"/>
-                      <a:r>
-                        <a:rPr lang="de-DE" sz="6300" dirty="0"/>
-                        <a:t>255</a:t>
-                      </a:r>
-                    </a:p>
-                  </a:txBody>
-                  <a:tcPr marL="71526" marR="71526" marT="35763" marB="35763">
-                    <a:solidFill>
-                      <a:srgbClr val="FF0000"/>
-                    </a:solidFill>
-                  </a:tcPr>
-                </a:tc>
-                <a:tc>
-                  <a:txBody>
-                    <a:bodyPr/>
-                    <a:lstStyle/>
-                    <a:p>
-                      <a:pPr algn="ctr"/>
-                      <a:r>
-                        <a:rPr lang="de-DE" sz="6300" dirty="0"/>
-                        <a:t>6</a:t>
-                      </a:r>
-                    </a:p>
-                  </a:txBody>
-                  <a:tcPr marL="71526" marR="71526" marT="35763" marB="35763">
-                    <a:solidFill>
-                      <a:srgbClr val="FF0000"/>
-                    </a:solidFill>
-                  </a:tcPr>
-                </a:tc>
-                <a:extLst>
-                  <a:ext uri="{0D108BD9-81ED-4DB2-BD59-A6C34878D82A}">
-                    <a16:rowId xmlns:a16="http://schemas.microsoft.com/office/drawing/2014/main" val="4233893801"/>
-                  </a:ext>
-                </a:extLst>
-              </a:tr>
-              <a:tr h="966611">
-                <a:tc>
-                  <a:txBody>
-                    <a:bodyPr/>
-                    <a:lstStyle/>
-                    <a:p>
-                      <a:pPr algn="ctr"/>
-                      <a:r>
-                        <a:rPr lang="de-DE" sz="6300" dirty="0"/>
-                        <a:t>43</a:t>
-                      </a:r>
-                    </a:p>
-                  </a:txBody>
-                  <a:tcPr marL="71526" marR="71526" marT="35763" marB="35763">
-                    <a:solidFill>
-                      <a:srgbClr val="FF0000"/>
-                    </a:solidFill>
-                  </a:tcPr>
-                </a:tc>
-                <a:tc>
-                  <a:txBody>
-                    <a:bodyPr/>
-                    <a:lstStyle/>
-                    <a:p>
-                      <a:pPr algn="ctr"/>
-                      <a:r>
-                        <a:rPr lang="de-DE" sz="6300" dirty="0"/>
-                        <a:t>75</a:t>
-                      </a:r>
-                    </a:p>
-                  </a:txBody>
-                  <a:tcPr marL="71526" marR="71526" marT="35763" marB="35763">
-                    <a:solidFill>
-                      <a:srgbClr val="FF0000"/>
-                    </a:solidFill>
-                  </a:tcPr>
-                </a:tc>
-                <a:tc>
-                  <a:txBody>
-                    <a:bodyPr/>
-                    <a:lstStyle/>
-                    <a:p>
-                      <a:pPr algn="ctr"/>
-                      <a:r>
-                        <a:rPr lang="de-DE" sz="6300" dirty="0"/>
-                        <a:t>88</a:t>
-                      </a:r>
-                    </a:p>
-                  </a:txBody>
-                  <a:tcPr marL="71526" marR="71526" marT="35763" marB="35763">
-                    <a:solidFill>
-                      <a:srgbClr val="FF0000"/>
-                    </a:solidFill>
-                  </a:tcPr>
-                </a:tc>
-                <a:extLst>
-                  <a:ext uri="{0D108BD9-81ED-4DB2-BD59-A6C34878D82A}">
-                    <a16:rowId xmlns:a16="http://schemas.microsoft.com/office/drawing/2014/main" val="3478116178"/>
-                  </a:ext>
-                </a:extLst>
-              </a:tr>
-            </a:tbl>
-          </a:graphicData>
-        </a:graphic>
-      </p:graphicFrame>
+        <p:txBody>
+          <a:bodyPr wrap="square" rtlCol="0">
+            <a:spAutoFit/>
+          </a:bodyPr>
+          <a:lstStyle/>
+          <a:p>
+            <a:r>
+              <a:rPr lang="de-DE" sz="5400" dirty="0"/>
+              <a:t>Quellen</a:t>
+            </a:r>
+          </a:p>
+        </p:txBody>
+      </p:sp>
+      <p:sp>
+        <p:nvSpPr>
+          <p:cNvPr id="9" name="Textplatzhalter 5">
+            <a:extLst>
+              <a:ext uri="{FF2B5EF4-FFF2-40B4-BE49-F238E27FC236}">
+                <a16:creationId xmlns:a16="http://schemas.microsoft.com/office/drawing/2014/main" id="{CF5413E0-1CD0-80C3-6912-246522BAC478}"/>
+              </a:ext>
+            </a:extLst>
+          </p:cNvPr>
+          <p:cNvSpPr txBox="1">
+            <a:spLocks/>
+          </p:cNvSpPr>
+          <p:nvPr/>
+        </p:nvSpPr>
+        <p:spPr>
+          <a:xfrm>
+            <a:off x="720000" y="1584000"/>
+            <a:ext cx="10753200" cy="4410000"/>
+          </a:xfrm>
+          <a:prstGeom prst="rect">
+            <a:avLst/>
+          </a:prstGeom>
+        </p:spPr>
+        <p:txBody>
+          <a:bodyPr/>
+          <a:lstStyle>
+            <a:lvl1pPr marL="228600" indent="-228600" algn="l" defTabSz="914400" rtl="0" eaLnBrk="1" latinLnBrk="0" hangingPunct="1">
+              <a:lnSpc>
+                <a:spcPct val="90000"/>
+              </a:lnSpc>
+              <a:spcBef>
+                <a:spcPts val="1000"/>
+              </a:spcBef>
+              <a:buFont typeface="Arial" panose="020B0604020202020204" pitchFamily="34" charset="0"/>
+              <a:buChar char="•"/>
+              <a:defRPr sz="2800" kern="1200">
+                <a:solidFill>
+                  <a:schemeClr val="tx1"/>
+                </a:solidFill>
+                <a:latin typeface="+mn-lt"/>
+                <a:ea typeface="+mn-ea"/>
+                <a:cs typeface="+mn-cs"/>
+              </a:defRPr>
+            </a:lvl1pPr>
+            <a:lvl2pPr marL="685800" indent="-228600" algn="l" defTabSz="914400" rtl="0" eaLnBrk="1" latinLnBrk="0" hangingPunct="1">
+              <a:lnSpc>
+                <a:spcPct val="90000"/>
+              </a:lnSpc>
+              <a:spcBef>
+                <a:spcPts val="500"/>
+              </a:spcBef>
+              <a:buFont typeface="Arial" panose="020B0604020202020204" pitchFamily="34" charset="0"/>
+              <a:buChar char="•"/>
+              <a:defRPr sz="2400" kern="1200">
+                <a:solidFill>
+                  <a:schemeClr val="tx1"/>
+                </a:solidFill>
+                <a:latin typeface="+mn-lt"/>
+                <a:ea typeface="+mn-ea"/>
+                <a:cs typeface="+mn-cs"/>
+              </a:defRPr>
+            </a:lvl2pPr>
+            <a:lvl3pPr marL="1143000" indent="-228600" algn="l" defTabSz="914400" rtl="0" eaLnBrk="1" latinLnBrk="0" hangingPunct="1">
+              <a:lnSpc>
+                <a:spcPct val="90000"/>
+              </a:lnSpc>
+              <a:spcBef>
+                <a:spcPts val="500"/>
+              </a:spcBef>
+              <a:buFont typeface="Arial" panose="020B0604020202020204" pitchFamily="34" charset="0"/>
+              <a:buChar char="•"/>
+              <a:defRPr sz="2000" kern="1200">
+                <a:solidFill>
+                  <a:schemeClr val="tx1"/>
+                </a:solidFill>
+                <a:latin typeface="+mn-lt"/>
+                <a:ea typeface="+mn-ea"/>
+                <a:cs typeface="+mn-cs"/>
+              </a:defRPr>
+            </a:lvl3pPr>
+            <a:lvl4pPr marL="1600200" indent="-228600" algn="l" defTabSz="914400" rtl="0" eaLnBrk="1" latinLnBrk="0" hangingPunct="1">
+              <a:lnSpc>
+                <a:spcPct val="90000"/>
+              </a:lnSpc>
+              <a:spcBef>
+                <a:spcPts val="500"/>
+              </a:spcBef>
+              <a:buFont typeface="Arial" panose="020B0604020202020204" pitchFamily="34" charset="0"/>
+              <a:buChar char="•"/>
+              <a:defRPr sz="1800" kern="1200">
+                <a:solidFill>
+                  <a:schemeClr val="tx1"/>
+                </a:solidFill>
+                <a:latin typeface="+mn-lt"/>
+                <a:ea typeface="+mn-ea"/>
+                <a:cs typeface="+mn-cs"/>
+              </a:defRPr>
+            </a:lvl4pPr>
+            <a:lvl5pPr marL="2057400" indent="-228600" algn="l" defTabSz="914400" rtl="0" eaLnBrk="1" latinLnBrk="0" hangingPunct="1">
+              <a:lnSpc>
+                <a:spcPct val="90000"/>
+              </a:lnSpc>
+              <a:spcBef>
+                <a:spcPts val="500"/>
+              </a:spcBef>
+              <a:buFont typeface="Arial" panose="020B0604020202020204" pitchFamily="34" charset="0"/>
+              <a:buChar char="•"/>
+              <a:defRPr sz="1800" kern="1200">
+                <a:solidFill>
+                  <a:schemeClr val="tx1"/>
+                </a:solidFill>
+                <a:latin typeface="+mn-lt"/>
+                <a:ea typeface="+mn-ea"/>
+                <a:cs typeface="+mn-cs"/>
+              </a:defRPr>
+            </a:lvl5pPr>
+            <a:lvl6pPr marL="2514600" indent="-228600" algn="l" defTabSz="914400" rtl="0" eaLnBrk="1" latinLnBrk="0" hangingPunct="1">
+              <a:lnSpc>
+                <a:spcPct val="90000"/>
+              </a:lnSpc>
+              <a:spcBef>
+                <a:spcPts val="500"/>
+              </a:spcBef>
+              <a:buFont typeface="Arial" panose="020B0604020202020204" pitchFamily="34" charset="0"/>
+              <a:buChar char="•"/>
+              <a:defRPr sz="1800" kern="1200">
+                <a:solidFill>
+                  <a:schemeClr val="tx1"/>
+                </a:solidFill>
+                <a:latin typeface="+mn-lt"/>
+                <a:ea typeface="+mn-ea"/>
+                <a:cs typeface="+mn-cs"/>
+              </a:defRPr>
+            </a:lvl6pPr>
+            <a:lvl7pPr marL="2971800" indent="-228600" algn="l" defTabSz="914400" rtl="0" eaLnBrk="1" latinLnBrk="0" hangingPunct="1">
+              <a:lnSpc>
+                <a:spcPct val="90000"/>
+              </a:lnSpc>
+              <a:spcBef>
+                <a:spcPts val="500"/>
+              </a:spcBef>
+              <a:buFont typeface="Arial" panose="020B0604020202020204" pitchFamily="34" charset="0"/>
+              <a:buChar char="•"/>
+              <a:defRPr sz="1800" kern="1200">
+                <a:solidFill>
+                  <a:schemeClr val="tx1"/>
+                </a:solidFill>
+                <a:latin typeface="+mn-lt"/>
+                <a:ea typeface="+mn-ea"/>
+                <a:cs typeface="+mn-cs"/>
+              </a:defRPr>
+            </a:lvl7pPr>
+            <a:lvl8pPr marL="3429000" indent="-228600" algn="l" defTabSz="914400" rtl="0" eaLnBrk="1" latinLnBrk="0" hangingPunct="1">
+              <a:lnSpc>
+                <a:spcPct val="90000"/>
+              </a:lnSpc>
+              <a:spcBef>
+                <a:spcPts val="500"/>
+              </a:spcBef>
+              <a:buFont typeface="Arial" panose="020B0604020202020204" pitchFamily="34" charset="0"/>
+              <a:buChar char="•"/>
+              <a:defRPr sz="1800" kern="1200">
+                <a:solidFill>
+                  <a:schemeClr val="tx1"/>
+                </a:solidFill>
+                <a:latin typeface="+mn-lt"/>
+                <a:ea typeface="+mn-ea"/>
+                <a:cs typeface="+mn-cs"/>
+              </a:defRPr>
+            </a:lvl8pPr>
+            <a:lvl9pPr marL="3886200" indent="-228600" algn="l" defTabSz="914400" rtl="0" eaLnBrk="1" latinLnBrk="0" hangingPunct="1">
+              <a:lnSpc>
+                <a:spcPct val="90000"/>
+              </a:lnSpc>
+              <a:spcBef>
+                <a:spcPts val="500"/>
+              </a:spcBef>
+              <a:buFont typeface="Arial" panose="020B0604020202020204" pitchFamily="34" charset="0"/>
+              <a:buChar char="•"/>
+              <a:defRPr sz="1800" kern="1200">
+                <a:solidFill>
+                  <a:schemeClr val="tx1"/>
+                </a:solidFill>
+                <a:latin typeface="+mn-lt"/>
+                <a:ea typeface="+mn-ea"/>
+                <a:cs typeface="+mn-cs"/>
+              </a:defRPr>
+            </a:lvl9pPr>
+          </a:lstStyle>
+          <a:p>
+            <a:r>
+              <a:rPr lang="de-DE" dirty="0"/>
+              <a:t>W3C Algorithmus Spezifikationen</a:t>
+            </a:r>
+          </a:p>
+          <a:p>
+            <a:endParaRPr lang="de-DE" dirty="0"/>
+          </a:p>
+          <a:p>
+            <a:pPr marL="0" indent="0">
+              <a:buNone/>
+            </a:pPr>
+            <a:r>
+              <a:rPr lang="de-DE" dirty="0"/>
+              <a:t>Informationstheorie:</a:t>
+            </a:r>
+          </a:p>
+          <a:p>
+            <a:r>
+              <a:rPr lang="de-DE" i="1" dirty="0">
+                <a:solidFill>
+                  <a:srgbClr val="202122"/>
+                </a:solidFill>
+              </a:rPr>
+              <a:t>Informations- und Codierungstheorie. Mathematische Grundlagen der Daten-Kompression und -Sicherung in diskreten Kommunikationssystemen. </a:t>
+            </a:r>
+            <a:r>
+              <a:rPr lang="de-DE" dirty="0">
+                <a:solidFill>
+                  <a:srgbClr val="202122"/>
+                </a:solidFill>
+              </a:rPr>
+              <a:t>(</a:t>
+            </a:r>
+            <a:r>
+              <a:rPr lang="de-DE" sz="2400" b="0" dirty="0">
+                <a:solidFill>
+                  <a:srgbClr val="202122"/>
+                </a:solidFill>
+                <a:effectLst/>
+                <a:latin typeface="Arial" panose="020B0604020202020204" pitchFamily="34" charset="0"/>
+              </a:rPr>
+              <a:t>Werner Heise, Pasquale </a:t>
+            </a:r>
+            <a:r>
+              <a:rPr lang="de-DE" sz="2400" b="0" dirty="0" err="1">
+                <a:solidFill>
+                  <a:srgbClr val="202122"/>
+                </a:solidFill>
+                <a:effectLst/>
+                <a:latin typeface="Arial" panose="020B0604020202020204" pitchFamily="34" charset="0"/>
+              </a:rPr>
+              <a:t>Quattrocchi</a:t>
+            </a:r>
+            <a:r>
+              <a:rPr lang="de-DE" dirty="0">
+                <a:solidFill>
+                  <a:srgbClr val="202122"/>
+                </a:solidFill>
+              </a:rPr>
+              <a:t>)</a:t>
+            </a:r>
+          </a:p>
+        </p:txBody>
+      </p:sp>
     </p:spTree>
     <p:extLst>
       <p:ext uri="{BB962C8B-B14F-4D97-AF65-F5344CB8AC3E}">
-        <p14:creationId xmlns:p14="http://schemas.microsoft.com/office/powerpoint/2010/main" val="2599868498"/>
+        <p14:creationId xmlns:p14="http://schemas.microsoft.com/office/powerpoint/2010/main" val="1151055018"/>
       </p:ext>
     </p:extLst>
   </p:cSld>
